--- a/help/data-sheets/assets/DMeEnterpriseSupportDatasheet_2022 (1).pptx
+++ b/help/data-sheets/assets/DMeEnterpriseSupportDatasheet_2022 (1).pptx
@@ -441,42 +441,6 @@
 </pc:chgInfo>
 </file>
 
-<file path=ppt/comments/modernComment_105_3E964E31.xml><?xml version="1.0" encoding="utf-8"?>
-<p188:cmLst xmlns:a="http://schemas.openxmlformats.org/drawingml/2006/main" xmlns:r="http://schemas.openxmlformats.org/officeDocument/2006/relationships" xmlns:p188="http://schemas.microsoft.com/office/powerpoint/2018/8/main">
-  <p188:cm id="{01C3F3F0-2814-4D6E-911E-1AA58F4E2B59}" authorId="{DB1A11B9-3973-06DC-DBC2-EFEFEF087FED}" created="2022-02-09T19:17:48.735">
-    <pc:sldMkLst xmlns:pc="http://schemas.microsoft.com/office/powerpoint/2013/main/command">
-      <pc:docMk/>
-      <pc:sldMk cId="1050037809" sldId="261"/>
-    </pc:sldMkLst>
-    <p188:replyLst>
-      <p188:reply id="{43FD53F6-3E2B-4FC3-8555-4F3083F01AB8}" authorId="{D376325D-2BBD-24A3-9FEE-692465B927D5}" created="2022-02-10T15:55:29.062">
-        <p188:txBody>
-          <a:bodyPr/>
-          <a:lstStyle/>
-          <a:p>
-            <a:r>
-              <a:rPr lang="en-US"/>
-              <a:t>Updated.</a:t>
-            </a:r>
-          </a:p>
-        </p188:txBody>
-      </p188:reply>
-    </p188:replyLst>
-    <p188:txBody>
-      <a:bodyPr/>
-      <a:lstStyle/>
-      <a:p>
-        <a:r>
-          <a:rPr lang="en-US"/>
-          <a:t>Change from Experience League to Enterprise Learn &amp; Support - https://helpx.adobe.com/enterprise.html
-[@Jaclyn Zalesky] </a:t>
-        </a:r>
-      </a:p>
-    </p188:txBody>
-  </p188:cm>
-</p188:cmLst>
-</file>
-
 <file path=ppt/notesMasters/notesMaster1.xml><?xml version="1.0" encoding="utf-8"?>
 <p:notesMaster xmlns:a="http://schemas.openxmlformats.org/drawingml/2006/main" xmlns:r="http://schemas.openxmlformats.org/officeDocument/2006/relationships" xmlns:p="http://schemas.openxmlformats.org/presentationml/2006/main">
   <p:cSld>
@@ -559,7 +523,7 @@
           <a:p>
             <a:fld id="{CCB2A597-803A-C244-97E2-A01066125D19}" type="datetimeFigureOut">
               <a:rPr lang="en-US" smtClean="0"/>
-              <a:t>3/3/2022</a:t>
+              <a:t>3/24/2022</a:t>
             </a:fld>
             <a:endParaRPr lang="en-US"/>
           </a:p>
@@ -1256,7 +1220,7 @@
           <a:p>
             <a:fld id="{1D8BD707-D9CF-40AE-B4C6-C98DA3205C09}" type="datetimeFigureOut">
               <a:rPr lang="en-US"/>
-              <a:t>3/3/2022</a:t>
+              <a:t>3/24/2022</a:t>
             </a:fld>
             <a:endParaRPr lang="en-US"/>
           </a:p>
@@ -1496,7 +1460,7 @@
           <a:p>
             <a:fld id="{1D8BD707-D9CF-40AE-B4C6-C98DA3205C09}" type="datetimeFigureOut">
               <a:rPr lang="en-US"/>
-              <a:t>3/3/2022</a:t>
+              <a:t>3/24/2022</a:t>
             </a:fld>
             <a:endParaRPr lang="en-US"/>
           </a:p>
@@ -1749,7 +1713,7 @@
           <a:p>
             <a:fld id="{1D8BD707-D9CF-40AE-B4C6-C98DA3205C09}" type="datetimeFigureOut">
               <a:rPr lang="en-US"/>
-              <a:t>3/3/2022</a:t>
+              <a:t>3/24/2022</a:t>
             </a:fld>
             <a:endParaRPr lang="en-US"/>
           </a:p>
@@ -1936,7 +1900,7 @@
           <a:p>
             <a:fld id="{1D8BD707-D9CF-40AE-B4C6-C98DA3205C09}" type="datetimeFigureOut">
               <a:rPr lang="en-US"/>
-              <a:t>3/3/2022</a:t>
+              <a:t>3/24/2022</a:t>
             </a:fld>
             <a:endParaRPr lang="en-US"/>
           </a:p>
@@ -2094,7 +2058,7 @@
           <a:p>
             <a:fld id="{1D8BD707-D9CF-40AE-B4C6-C98DA3205C09}" type="datetimeFigureOut">
               <a:rPr lang="en-US"/>
-              <a:t>3/3/2022</a:t>
+              <a:t>3/24/2022</a:t>
             </a:fld>
             <a:endParaRPr lang="en-US"/>
           </a:p>
@@ -2352,7 +2316,7 @@
           <a:p>
             <a:fld id="{1D8BD707-D9CF-40AE-B4C6-C98DA3205C09}" type="datetimeFigureOut">
               <a:rPr lang="en-US"/>
-              <a:t>3/3/2022</a:t>
+              <a:t>3/24/2022</a:t>
             </a:fld>
             <a:endParaRPr lang="en-US"/>
           </a:p>
@@ -2605,32 +2569,11 @@
               </a:spcBef>
             </a:pPr>
             <a:r>
-              <a:rPr sz="2300" dirty="0">
+              <a:rPr lang="es-ES" sz="2300">
                 <a:latin typeface="Adobe Clean" panose="020B0503020404020204" pitchFamily="34" charset="0"/>
               </a:rPr>
-              <a:t>ADOBE</a:t>
+              <a:t>PLANES DE SOPORTE DE ADOBE</a:t>
             </a:r>
-            <a:r>
-              <a:rPr lang="en-US" sz="2300" dirty="0">
-                <a:latin typeface="Adobe Clean" panose="020B0503020404020204" pitchFamily="34" charset="0"/>
-              </a:rPr>
-              <a:t> </a:t>
-            </a:r>
-            <a:r>
-              <a:rPr sz="2300" dirty="0">
-                <a:latin typeface="Adobe Clean" panose="020B0503020404020204" pitchFamily="34" charset="0"/>
-              </a:rPr>
-              <a:t>SUPPORT</a:t>
-            </a:r>
-            <a:r>
-              <a:rPr lang="en-US" sz="2300" dirty="0">
-                <a:latin typeface="Adobe Clean" panose="020B0503020404020204" pitchFamily="34" charset="0"/>
-              </a:rPr>
-              <a:t> PLANS</a:t>
-            </a:r>
-            <a:endParaRPr sz="2300" dirty="0">
-              <a:latin typeface="Adobe Clean" panose="020B0503020404020204" pitchFamily="34" charset="0"/>
-            </a:endParaRPr>
           </a:p>
         </p:txBody>
       </p:sp>
@@ -2643,7 +2586,7 @@
         <p:spPr>
           <a:xfrm>
             <a:off x="121146" y="7134585"/>
-            <a:ext cx="2785110" cy="228268"/>
+            <a:ext cx="5073154" cy="228268"/>
           </a:xfrm>
           <a:prstGeom prst="rect">
             <a:avLst/>
@@ -2664,7 +2607,7 @@
               </a:spcBef>
             </a:pPr>
             <a:r>
-              <a:rPr sz="1400" b="1" u="sng" spc="15" dirty="0">
+              <a:rPr lang="es-ES" sz="1400" b="1" u="sng" dirty="0">
                 <a:solidFill>
                   <a:srgbClr val="020302"/>
                 </a:solidFill>
@@ -2676,477 +2619,8 @@
                 <a:latin typeface="Adobe Clean"/>
                 <a:cs typeface="Adobe Clean"/>
               </a:rPr>
-              <a:t>S</a:t>
+              <a:t>Destinatarios de nivel de servicio: Respuesta inicial</a:t>
             </a:r>
-            <a:r>
-              <a:rPr sz="1400" b="1" u="sng" spc="5" dirty="0">
-                <a:solidFill>
-                  <a:srgbClr val="020302"/>
-                </a:solidFill>
-                <a:uFill>
-                  <a:solidFill>
-                    <a:srgbClr val="020302"/>
-                  </a:solidFill>
-                </a:uFill>
-                <a:latin typeface="Adobe Clean"/>
-                <a:cs typeface="Adobe Clean"/>
-              </a:rPr>
-              <a:t>er</a:t>
-            </a:r>
-            <a:r>
-              <a:rPr sz="1400" b="1" u="sng" spc="10" dirty="0">
-                <a:solidFill>
-                  <a:srgbClr val="020302"/>
-                </a:solidFill>
-                <a:uFill>
-                  <a:solidFill>
-                    <a:srgbClr val="020302"/>
-                  </a:solidFill>
-                </a:uFill>
-                <a:latin typeface="Adobe Clean"/>
-                <a:cs typeface="Adobe Clean"/>
-              </a:rPr>
-              <a:t>vi</a:t>
-            </a:r>
-            <a:r>
-              <a:rPr sz="1400" b="1" u="sng" spc="5" dirty="0">
-                <a:solidFill>
-                  <a:srgbClr val="020302"/>
-                </a:solidFill>
-                <a:uFill>
-                  <a:solidFill>
-                    <a:srgbClr val="020302"/>
-                  </a:solidFill>
-                </a:uFill>
-                <a:latin typeface="Adobe Clean"/>
-                <a:cs typeface="Adobe Clean"/>
-              </a:rPr>
-              <a:t>c</a:t>
-            </a:r>
-            <a:r>
-              <a:rPr sz="1400" b="1" u="sng" dirty="0">
-                <a:solidFill>
-                  <a:srgbClr val="020302"/>
-                </a:solidFill>
-                <a:uFill>
-                  <a:solidFill>
-                    <a:srgbClr val="020302"/>
-                  </a:solidFill>
-                </a:uFill>
-                <a:latin typeface="Adobe Clean"/>
-                <a:cs typeface="Adobe Clean"/>
-              </a:rPr>
-              <a:t>e</a:t>
-            </a:r>
-            <a:r>
-              <a:rPr sz="1400" b="1" u="sng" spc="20" dirty="0">
-                <a:solidFill>
-                  <a:srgbClr val="020302"/>
-                </a:solidFill>
-                <a:uFill>
-                  <a:solidFill>
-                    <a:srgbClr val="020302"/>
-                  </a:solidFill>
-                </a:uFill>
-                <a:latin typeface="Adobe Clean"/>
-                <a:cs typeface="Adobe Clean"/>
-              </a:rPr>
-              <a:t> </a:t>
-            </a:r>
-            <a:r>
-              <a:rPr sz="1400" b="1" u="sng" spc="-15" dirty="0">
-                <a:solidFill>
-                  <a:srgbClr val="020302"/>
-                </a:solidFill>
-                <a:uFill>
-                  <a:solidFill>
-                    <a:srgbClr val="020302"/>
-                  </a:solidFill>
-                </a:uFill>
-                <a:latin typeface="Adobe Clean"/>
-                <a:cs typeface="Adobe Clean"/>
-              </a:rPr>
-              <a:t>Le</a:t>
-            </a:r>
-            <a:r>
-              <a:rPr sz="1400" b="1" u="sng" spc="-10" dirty="0">
-                <a:solidFill>
-                  <a:srgbClr val="020302"/>
-                </a:solidFill>
-                <a:uFill>
-                  <a:solidFill>
-                    <a:srgbClr val="020302"/>
-                  </a:solidFill>
-                </a:uFill>
-                <a:latin typeface="Adobe Clean"/>
-                <a:cs typeface="Adobe Clean"/>
-              </a:rPr>
-              <a:t>v</a:t>
-            </a:r>
-            <a:r>
-              <a:rPr sz="1400" b="1" u="sng" spc="-15" dirty="0">
-                <a:solidFill>
-                  <a:srgbClr val="020302"/>
-                </a:solidFill>
-                <a:uFill>
-                  <a:solidFill>
-                    <a:srgbClr val="020302"/>
-                  </a:solidFill>
-                </a:uFill>
-                <a:latin typeface="Adobe Clean"/>
-                <a:cs typeface="Adobe Clean"/>
-              </a:rPr>
-              <a:t>e</a:t>
-            </a:r>
-            <a:r>
-              <a:rPr sz="1400" b="1" u="sng" dirty="0">
-                <a:solidFill>
-                  <a:srgbClr val="020302"/>
-                </a:solidFill>
-                <a:uFill>
-                  <a:solidFill>
-                    <a:srgbClr val="020302"/>
-                  </a:solidFill>
-                </a:uFill>
-                <a:latin typeface="Adobe Clean"/>
-                <a:cs typeface="Adobe Clean"/>
-              </a:rPr>
-              <a:t>l</a:t>
-            </a:r>
-            <a:r>
-              <a:rPr sz="1400" b="1" u="sng" spc="-15" dirty="0">
-                <a:solidFill>
-                  <a:srgbClr val="020302"/>
-                </a:solidFill>
-                <a:uFill>
-                  <a:solidFill>
-                    <a:srgbClr val="020302"/>
-                  </a:solidFill>
-                </a:uFill>
-                <a:latin typeface="Adobe Clean"/>
-                <a:cs typeface="Adobe Clean"/>
-              </a:rPr>
-              <a:t> </a:t>
-            </a:r>
-            <a:r>
-              <a:rPr sz="1400" b="1" u="sng" spc="-55" dirty="0">
-                <a:solidFill>
-                  <a:srgbClr val="020302"/>
-                </a:solidFill>
-                <a:uFill>
-                  <a:solidFill>
-                    <a:srgbClr val="020302"/>
-                  </a:solidFill>
-                </a:uFill>
-                <a:latin typeface="Adobe Clean"/>
-                <a:cs typeface="Adobe Clean"/>
-              </a:rPr>
-              <a:t>T</a:t>
-            </a:r>
-            <a:r>
-              <a:rPr sz="1400" b="1" u="sng" spc="-40" dirty="0">
-                <a:solidFill>
-                  <a:srgbClr val="020302"/>
-                </a:solidFill>
-                <a:uFill>
-                  <a:solidFill>
-                    <a:srgbClr val="020302"/>
-                  </a:solidFill>
-                </a:uFill>
-                <a:latin typeface="Adobe Clean"/>
-                <a:cs typeface="Adobe Clean"/>
-              </a:rPr>
-              <a:t>a</a:t>
-            </a:r>
-            <a:r>
-              <a:rPr sz="1400" b="1" u="sng" spc="-45" dirty="0">
-                <a:solidFill>
-                  <a:srgbClr val="020302"/>
-                </a:solidFill>
-                <a:uFill>
-                  <a:solidFill>
-                    <a:srgbClr val="020302"/>
-                  </a:solidFill>
-                </a:uFill>
-                <a:latin typeface="Adobe Clean"/>
-                <a:cs typeface="Adobe Clean"/>
-              </a:rPr>
-              <a:t>r</a:t>
-            </a:r>
-            <a:r>
-              <a:rPr sz="1400" b="1" u="sng" spc="-40" dirty="0">
-                <a:solidFill>
-                  <a:srgbClr val="020302"/>
-                </a:solidFill>
-                <a:uFill>
-                  <a:solidFill>
-                    <a:srgbClr val="020302"/>
-                  </a:solidFill>
-                </a:uFill>
-                <a:latin typeface="Adobe Clean"/>
-                <a:cs typeface="Adobe Clean"/>
-              </a:rPr>
-              <a:t>g</a:t>
-            </a:r>
-            <a:r>
-              <a:rPr sz="1400" b="1" u="sng" spc="-50" dirty="0">
-                <a:solidFill>
-                  <a:srgbClr val="020302"/>
-                </a:solidFill>
-                <a:uFill>
-                  <a:solidFill>
-                    <a:srgbClr val="020302"/>
-                  </a:solidFill>
-                </a:uFill>
-                <a:latin typeface="Adobe Clean"/>
-                <a:cs typeface="Adobe Clean"/>
-              </a:rPr>
-              <a:t>et</a:t>
-            </a:r>
-            <a:r>
-              <a:rPr sz="1400" b="1" u="sng" spc="-45" dirty="0">
-                <a:solidFill>
-                  <a:srgbClr val="020302"/>
-                </a:solidFill>
-                <a:uFill>
-                  <a:solidFill>
-                    <a:srgbClr val="020302"/>
-                  </a:solidFill>
-                </a:uFill>
-                <a:latin typeface="Adobe Clean"/>
-                <a:cs typeface="Adobe Clean"/>
-              </a:rPr>
-              <a:t>s</a:t>
-            </a:r>
-            <a:r>
-              <a:rPr sz="1400" b="1" u="sng" dirty="0">
-                <a:solidFill>
-                  <a:srgbClr val="020302"/>
-                </a:solidFill>
-                <a:uFill>
-                  <a:solidFill>
-                    <a:srgbClr val="020302"/>
-                  </a:solidFill>
-                </a:uFill>
-                <a:latin typeface="Adobe Clean"/>
-                <a:cs typeface="Adobe Clean"/>
-              </a:rPr>
-              <a:t>:</a:t>
-            </a:r>
-            <a:r>
-              <a:rPr sz="1400" b="1" u="sng" spc="-85" dirty="0">
-                <a:solidFill>
-                  <a:srgbClr val="020302"/>
-                </a:solidFill>
-                <a:uFill>
-                  <a:solidFill>
-                    <a:srgbClr val="020302"/>
-                  </a:solidFill>
-                </a:uFill>
-                <a:latin typeface="Adobe Clean"/>
-                <a:cs typeface="Adobe Clean"/>
-              </a:rPr>
-              <a:t> </a:t>
-            </a:r>
-            <a:r>
-              <a:rPr sz="1400" b="1" u="sng" spc="-15" dirty="0">
-                <a:solidFill>
-                  <a:srgbClr val="020302"/>
-                </a:solidFill>
-                <a:uFill>
-                  <a:solidFill>
-                    <a:srgbClr val="020302"/>
-                  </a:solidFill>
-                </a:uFill>
-                <a:latin typeface="Adobe Clean"/>
-                <a:cs typeface="Adobe Clean"/>
-              </a:rPr>
-              <a:t>I</a:t>
-            </a:r>
-            <a:r>
-              <a:rPr sz="1400" b="1" u="sng" spc="-10" dirty="0">
-                <a:solidFill>
-                  <a:srgbClr val="020302"/>
-                </a:solidFill>
-                <a:uFill>
-                  <a:solidFill>
-                    <a:srgbClr val="020302"/>
-                  </a:solidFill>
-                </a:uFill>
-                <a:latin typeface="Adobe Clean"/>
-                <a:cs typeface="Adobe Clean"/>
-              </a:rPr>
-              <a:t>ni</a:t>
-            </a:r>
-            <a:r>
-              <a:rPr sz="1400" b="1" u="sng" spc="-15" dirty="0">
-                <a:solidFill>
-                  <a:srgbClr val="020302"/>
-                </a:solidFill>
-                <a:uFill>
-                  <a:solidFill>
-                    <a:srgbClr val="020302"/>
-                  </a:solidFill>
-                </a:uFill>
-                <a:latin typeface="Adobe Clean"/>
-                <a:cs typeface="Adobe Clean"/>
-              </a:rPr>
-              <a:t>t</a:t>
-            </a:r>
-            <a:r>
-              <a:rPr sz="1400" b="1" u="sng" spc="-10" dirty="0">
-                <a:solidFill>
-                  <a:srgbClr val="020302"/>
-                </a:solidFill>
-                <a:uFill>
-                  <a:solidFill>
-                    <a:srgbClr val="020302"/>
-                  </a:solidFill>
-                </a:uFill>
-                <a:latin typeface="Adobe Clean"/>
-                <a:cs typeface="Adobe Clean"/>
-              </a:rPr>
-              <a:t>i</a:t>
-            </a:r>
-            <a:r>
-              <a:rPr sz="1400" b="1" u="sng" spc="-5" dirty="0">
-                <a:solidFill>
-                  <a:srgbClr val="020302"/>
-                </a:solidFill>
-                <a:uFill>
-                  <a:solidFill>
-                    <a:srgbClr val="020302"/>
-                  </a:solidFill>
-                </a:uFill>
-                <a:latin typeface="Adobe Clean"/>
-                <a:cs typeface="Adobe Clean"/>
-              </a:rPr>
-              <a:t>a</a:t>
-            </a:r>
-            <a:r>
-              <a:rPr sz="1400" b="1" u="sng" dirty="0">
-                <a:solidFill>
-                  <a:srgbClr val="020302"/>
-                </a:solidFill>
-                <a:uFill>
-                  <a:solidFill>
-                    <a:srgbClr val="020302"/>
-                  </a:solidFill>
-                </a:uFill>
-                <a:latin typeface="Adobe Clean"/>
-                <a:cs typeface="Adobe Clean"/>
-              </a:rPr>
-              <a:t>l</a:t>
-            </a:r>
-            <a:r>
-              <a:rPr sz="1400" b="1" u="sng" spc="-145" dirty="0">
-                <a:solidFill>
-                  <a:srgbClr val="020302"/>
-                </a:solidFill>
-                <a:uFill>
-                  <a:solidFill>
-                    <a:srgbClr val="020302"/>
-                  </a:solidFill>
-                </a:uFill>
-                <a:latin typeface="Adobe Clean"/>
-                <a:cs typeface="Adobe Clean"/>
-              </a:rPr>
-              <a:t> </a:t>
-            </a:r>
-            <a:r>
-              <a:rPr sz="1400" b="1" u="sng" spc="-15" dirty="0">
-                <a:solidFill>
-                  <a:srgbClr val="020302"/>
-                </a:solidFill>
-                <a:uFill>
-                  <a:solidFill>
-                    <a:srgbClr val="020302"/>
-                  </a:solidFill>
-                </a:uFill>
-                <a:latin typeface="Adobe Clean"/>
-                <a:cs typeface="Adobe Clean"/>
-              </a:rPr>
-              <a:t>R</a:t>
-            </a:r>
-            <a:r>
-              <a:rPr sz="1400" b="1" u="sng" spc="-20" dirty="0">
-                <a:solidFill>
-                  <a:srgbClr val="020302"/>
-                </a:solidFill>
-                <a:uFill>
-                  <a:solidFill>
-                    <a:srgbClr val="020302"/>
-                  </a:solidFill>
-                </a:uFill>
-                <a:latin typeface="Adobe Clean"/>
-                <a:cs typeface="Adobe Clean"/>
-              </a:rPr>
-              <a:t>e</a:t>
-            </a:r>
-            <a:r>
-              <a:rPr sz="1400" b="1" u="sng" spc="-15" dirty="0">
-                <a:solidFill>
-                  <a:srgbClr val="020302"/>
-                </a:solidFill>
-                <a:uFill>
-                  <a:solidFill>
-                    <a:srgbClr val="020302"/>
-                  </a:solidFill>
-                </a:uFill>
-                <a:latin typeface="Adobe Clean"/>
-                <a:cs typeface="Adobe Clean"/>
-              </a:rPr>
-              <a:t>s</a:t>
-            </a:r>
-            <a:r>
-              <a:rPr sz="1400" b="1" u="sng" spc="-20" dirty="0">
-                <a:solidFill>
-                  <a:srgbClr val="020302"/>
-                </a:solidFill>
-                <a:uFill>
-                  <a:solidFill>
-                    <a:srgbClr val="020302"/>
-                  </a:solidFill>
-                </a:uFill>
-                <a:latin typeface="Adobe Clean"/>
-                <a:cs typeface="Adobe Clean"/>
-              </a:rPr>
-              <a:t>p</a:t>
-            </a:r>
-            <a:r>
-              <a:rPr sz="1400" b="1" u="sng" spc="-15" dirty="0">
-                <a:solidFill>
-                  <a:srgbClr val="020302"/>
-                </a:solidFill>
-                <a:uFill>
-                  <a:solidFill>
-                    <a:srgbClr val="020302"/>
-                  </a:solidFill>
-                </a:uFill>
-                <a:latin typeface="Adobe Clean"/>
-                <a:cs typeface="Adobe Clean"/>
-              </a:rPr>
-              <a:t>ons</a:t>
-            </a:r>
-            <a:r>
-              <a:rPr sz="1400" b="1" u="sng" dirty="0">
-                <a:solidFill>
-                  <a:srgbClr val="020302"/>
-                </a:solidFill>
-                <a:uFill>
-                  <a:solidFill>
-                    <a:srgbClr val="020302"/>
-                  </a:solidFill>
-                </a:uFill>
-                <a:latin typeface="Adobe Clean"/>
-                <a:cs typeface="Adobe Clean"/>
-              </a:rPr>
-              <a:t>e</a:t>
-            </a:r>
-            <a:endParaRPr sz="1400" u="sng" dirty="0">
-              <a:latin typeface="Adobe Clean"/>
-              <a:cs typeface="Adobe Clean"/>
-            </a:endParaRPr>
           </a:p>
         </p:txBody>
       </p:sp>
@@ -3185,7 +2659,7 @@
         <p:spPr>
           <a:xfrm>
             <a:off x="121146" y="9839613"/>
-            <a:ext cx="2245360" cy="133370"/>
+            <a:ext cx="2596654" cy="133370"/>
           </a:xfrm>
           <a:prstGeom prst="rect">
             <a:avLst/>
@@ -3206,40 +2680,40 @@
               </a:spcBef>
             </a:pPr>
             <a:r>
-              <a:rPr spc="-10" dirty="0"/>
-              <a:t>©202</a:t>
+              <a:rPr lang="es-ES" dirty="0"/>
+              <a:t>©2022 Adobe. </a:t>
             </a:r>
             <a:r>
-              <a:rPr lang="en-US" spc="-10" dirty="0"/>
-              <a:t>2 </a:t>
+              <a:rPr lang="es-ES" dirty="0" err="1"/>
+              <a:t>All</a:t>
             </a:r>
             <a:r>
-              <a:rPr spc="-5" dirty="0"/>
-              <a:t>Adobe. All</a:t>
-            </a:r>
-            <a:r>
-              <a:rPr spc="-10" dirty="0"/>
-              <a:t> Rights</a:t>
-            </a:r>
-            <a:r>
-              <a:rPr spc="-5" dirty="0"/>
+              <a:rPr lang="es-ES" dirty="0"/>
               <a:t> </a:t>
             </a:r>
             <a:r>
-              <a:rPr spc="-10" dirty="0"/>
-              <a:t>Reserved.</a:t>
+              <a:rPr lang="es-ES" dirty="0" err="1"/>
+              <a:t>Rights</a:t>
             </a:r>
             <a:r>
-              <a:rPr spc="-5" dirty="0"/>
-              <a:t> Adobe</a:t>
-            </a:r>
-            <a:r>
-              <a:rPr spc="60" dirty="0"/>
+              <a:rPr lang="es-ES" dirty="0"/>
               <a:t> </a:t>
             </a:r>
             <a:r>
-              <a:rPr spc="-10" dirty="0"/>
-              <a:t>Confidential.</a:t>
+              <a:rPr lang="es-ES" dirty="0" err="1"/>
+              <a:t>Reserved</a:t>
+            </a:r>
+            <a:r>
+              <a:rPr lang="es-ES" dirty="0"/>
+              <a:t>. Adobe </a:t>
+            </a:r>
+            <a:r>
+              <a:rPr lang="es-ES" dirty="0" err="1"/>
+              <a:t>Confidential</a:t>
+            </a:r>
+            <a:r>
+              <a:rPr lang="es-ES" dirty="0"/>
+              <a:t>.</a:t>
             </a:r>
           </a:p>
         </p:txBody>
@@ -3273,13 +2747,13 @@
           <a:lstStyle/>
           <a:p>
             <a:r>
-              <a:rPr lang="en-US" sz="700" i="1" dirty="0">
+              <a:rPr lang="es-ES" sz="700" i="1">
                 <a:solidFill>
                   <a:schemeClr val="bg1"/>
                 </a:solidFill>
                 <a:latin typeface="Adobe Clean" panose="020B0503020404020204" pitchFamily="34" charset="0"/>
               </a:rPr>
-              <a:t>Adobe Creative Cloud / Adobe Document Cloud (including Adobe Sign)</a:t>
+              <a:t>Adobe Creative Cloud/Adobe Document Cloud (incluido Adobe Sign)</a:t>
             </a:r>
           </a:p>
         </p:txBody>
@@ -3299,7 +2773,7 @@
         <p:spPr>
           <a:xfrm>
             <a:off x="122477" y="593716"/>
-            <a:ext cx="6035427" cy="1255472"/>
+            <a:ext cx="5783023" cy="1401666"/>
           </a:xfrm>
           <a:prstGeom prst="rect">
             <a:avLst/>
@@ -3320,7 +2794,7 @@
               </a:spcBef>
             </a:pPr>
             <a:r>
-              <a:rPr lang="en-US" sz="1200" dirty="0">
+              <a:rPr lang="es-ES" sz="1200" dirty="0">
                 <a:solidFill>
                   <a:schemeClr val="bg1"/>
                 </a:solidFill>
@@ -3329,7 +2803,7 @@
               <a:t>Standard | Business |</a:t>
             </a:r>
             <a:r>
-              <a:rPr lang="en-US" sz="1200" b="1" dirty="0">
+              <a:rPr lang="es-ES" sz="1200" b="1" dirty="0">
                 <a:solidFill>
                   <a:schemeClr val="bg1"/>
                 </a:solidFill>
@@ -3338,7 +2812,7 @@
               <a:t> </a:t>
             </a:r>
             <a:r>
-              <a:rPr lang="en-US" sz="1200" b="1" dirty="0">
+              <a:rPr lang="es-ES" sz="1200" b="1" dirty="0">
                 <a:solidFill>
                   <a:schemeClr val="bg1"/>
                 </a:solidFill>
@@ -3346,7 +2820,7 @@
               <a:t>Enterprise</a:t>
             </a:r>
             <a:r>
-              <a:rPr lang="en-US" sz="1200" b="1" dirty="0">
+              <a:rPr lang="es-ES" sz="1200" b="1" dirty="0">
                 <a:solidFill>
                   <a:schemeClr val="bg1"/>
                 </a:solidFill>
@@ -3355,7 +2829,7 @@
               <a:t> </a:t>
             </a:r>
             <a:r>
-              <a:rPr lang="en-US" sz="1200" dirty="0">
+              <a:rPr lang="es-ES" sz="1200" dirty="0">
                 <a:solidFill>
                   <a:schemeClr val="bg1"/>
                 </a:solidFill>
@@ -3364,26 +2838,19 @@
               <a:t>| Elite</a:t>
             </a:r>
             <a:br>
-              <a:rPr lang="en-US" sz="900" dirty="0">
+              <a:rPr lang="es-ES" sz="900" dirty="0">
                 <a:latin typeface="Adobe Clean Light" panose="020B0303020404020204" pitchFamily="34" charset="0"/>
               </a:rPr>
             </a:br>
             <a:r>
-              <a:rPr lang="en-US" sz="1000" dirty="0">
+              <a:rPr lang="es-ES" sz="950" dirty="0">
                 <a:solidFill>
                   <a:schemeClr val="bg1"/>
                 </a:solidFill>
                 <a:latin typeface="Adobe Clean SemiLight"/>
               </a:rPr>
-              <a:t>Adobe provides a comprehensive range of technical resources to help support your business included as part of your Adobe enterprise subscription. This is enhanced with the ENTERPRISE support plan. ENTERPRISE customers will benefit from our Named Support Engineer service, where a designated technical contact in the Adobe Support Team with deep experience in your solution will work in partnership with you and your technical teams to ensure timely resolution of all support requests. Your support team can also help coordinate and arrange delivery of the additional ENTERPRISE benefits ensuring minimal disruption to your business at the most critical times.  ENTERPRISE support plan customers can also take advantage of our detailed and in-depth technical product documentation and current release notes. </a:t>
+              <a:t>Adobe ofrece una amplia variedad de recursos técnicos para ayudar a su negocio, incluidos como parte de su suscripción empresarial de Adobe. Puede mejorarla con el plan de soporte ENTERPRISE. Los clientes de ENTERPRISE se beneficiarán de nuestro servicio del equipo de ingenieros de asistencia técnica especializados, a través del cual un contacto técnico dado del equipo de Soporte de Adobe con gran experiencia en su caso colaborará con usted y sus equipos técnicos para asegurar una solución adecuada a todas las solicitudes de asistencia. Su equipo de Soporte también puede ayudar a coordinar y ofrecer las ventajas adicionales del paquete ENTERPRISE sin afectar a su negocio en los momentos más importantes.  Los clientes del plan de soporte Enterprise también pueden disfrutar de documentación técnica completa y detallada sobre productos y notas de la versión actual. </a:t>
             </a:r>
-            <a:endParaRPr lang="en-US" sz="900" dirty="0">
-              <a:solidFill>
-                <a:schemeClr val="bg1"/>
-              </a:solidFill>
-              <a:latin typeface="Adobe Clean Light" panose="020B0303020404020204" pitchFamily="34" charset="0"/>
-              <a:cs typeface="AdobeClean-Light"/>
-            </a:endParaRPr>
           </a:p>
         </p:txBody>
       </p:sp>
@@ -3402,14 +2869,14 @@
           <p:nvPr>
             <p:extLst>
               <p:ext uri="{D42A27DB-BD31-4B8C-83A1-F6EECF244321}">
-                <p14:modId xmlns:p14="http://schemas.microsoft.com/office/powerpoint/2010/main" val="2367685746"/>
+                <p14:modId xmlns:p14="http://schemas.microsoft.com/office/powerpoint/2010/main" val="582338577"/>
               </p:ext>
             </p:extLst>
           </p:nvPr>
         </p:nvGraphicFramePr>
         <p:xfrm>
           <a:off x="136774" y="2144486"/>
-          <a:ext cx="7498851" cy="4943471"/>
+          <a:ext cx="7498851" cy="4806311"/>
         </p:xfrm>
         <a:graphic>
           <a:graphicData uri="http://schemas.openxmlformats.org/drawingml/2006/table">
@@ -3491,19 +2958,15 @@
                         <a:defRPr/>
                       </a:pPr>
                       <a:r>
-                        <a:rPr lang="en-US" sz="1200" spc="0" dirty="0">
+                        <a:rPr lang="es-ES" sz="1100" dirty="0">
                           <a:solidFill>
                             <a:srgbClr val="404040"/>
                           </a:solidFill>
                           <a:latin typeface="Adobe Clean"/>
                           <a:cs typeface="Adobe Clean"/>
                         </a:rPr>
-                        <a:t>Standard  Support</a:t>
+                        <a:t>Soporte Standard</a:t>
                       </a:r>
-                      <a:endParaRPr lang="en-US" sz="1200" spc="0" dirty="0">
-                        <a:latin typeface="Adobe Clean"/>
-                        <a:cs typeface="Adobe Clean"/>
-                      </a:endParaRPr>
                     </a:p>
                   </a:txBody>
                   <a:tcPr marL="0" marR="0" marT="7620" marB="0" anchor="ctr">
@@ -3544,29 +3007,15 @@
                         </a:spcBef>
                       </a:pPr>
                       <a:r>
-                        <a:rPr lang="en-US" sz="1200" spc="0" dirty="0">
+                        <a:rPr lang="es-ES" sz="1100" dirty="0">
                           <a:solidFill>
                             <a:srgbClr val="FFFFFF"/>
                           </a:solidFill>
                           <a:latin typeface="Adobe Clean"/>
                           <a:cs typeface="Adobe Clean"/>
                         </a:rPr>
-                        <a:t>Enterprise </a:t>
+                        <a:t>Soporte Enterprise</a:t>
                       </a:r>
-                      <a:r>
-                        <a:rPr sz="1200" spc="0" dirty="0">
-                          <a:solidFill>
-                            <a:srgbClr val="FFFFFF"/>
-                          </a:solidFill>
-                          <a:latin typeface="Adobe Clean"/>
-                          <a:cs typeface="Adobe Clean"/>
-                        </a:rPr>
-                        <a:t>Support</a:t>
-                      </a:r>
-                      <a:endParaRPr sz="1200" spc="0" dirty="0">
-                        <a:latin typeface="Adobe Clean"/>
-                        <a:cs typeface="Adobe Clean"/>
-                      </a:endParaRPr>
                     </a:p>
                   </a:txBody>
                   <a:tcPr marL="0" marR="0" marT="7620" marB="0" anchor="ctr">
@@ -3634,7 +3083,7 @@
                     <a:bodyPr/>
                     <a:lstStyle/>
                     <a:p>
-                      <a:pPr marL="0" marR="0" lvl="0" indent="0" algn="ctr" defTabSz="914400" eaLnBrk="1" fontAlgn="auto" latinLnBrk="0" hangingPunct="1">
+                      <a:pPr marL="0" marR="0" lvl="0" indent="0" algn="l" defTabSz="914400" rtl="0" eaLnBrk="1" fontAlgn="auto" latinLnBrk="0" hangingPunct="1">
                         <a:lnSpc>
                           <a:spcPct val="100000"/>
                         </a:lnSpc>
@@ -3651,7 +3100,7 @@
                         <a:tabLst/>
                         <a:defRPr/>
                       </a:pPr>
-                      <a:endParaRPr lang="en-US" sz="1200" i="1" dirty="0">
+                      <a:endParaRPr lang="en-US" sz="1100" i="1" dirty="0">
                         <a:solidFill>
                           <a:sysClr val="windowText" lastClr="000000"/>
                         </a:solidFill>
@@ -3715,13 +3164,13 @@
                         <a:defRPr/>
                       </a:pPr>
                       <a:r>
-                        <a:rPr lang="en-US" sz="1200" b="1" i="1" dirty="0">
+                        <a:rPr lang="es-ES" sz="1100" b="1" i="1" dirty="0">
                           <a:solidFill>
                             <a:schemeClr val="bg1"/>
                           </a:solidFill>
                           <a:latin typeface="Adobe Clean" panose="020B0503020404020204" pitchFamily="34" charset="0"/>
                         </a:rPr>
-                        <a:t>Paid Support ($)</a:t>
+                        <a:t>Soporte de pago ($)</a:t>
                       </a:r>
                     </a:p>
                   </a:txBody>
@@ -3785,22 +3234,15 @@
                         </a:spcBef>
                       </a:pPr>
                       <a:r>
-                        <a:rPr lang="en-US" sz="1200" b="1" i="0" spc="0" dirty="0">
+                        <a:rPr lang="es-ES" sz="1100" b="1" i="0" dirty="0">
                           <a:solidFill>
                             <a:schemeClr val="bg1"/>
                           </a:solidFill>
                           <a:latin typeface="Adobe Clean" panose="020B0503020404020204" pitchFamily="34" charset="0"/>
                           <a:cs typeface="AdobeClean-Light"/>
                         </a:rPr>
-                        <a:t>Assigned Experts</a:t>
+                        <a:t>Expertos asignados</a:t>
                       </a:r>
-                      <a:endParaRPr sz="1200" b="1" i="0" spc="0" dirty="0">
-                        <a:solidFill>
-                          <a:schemeClr val="bg1"/>
-                        </a:solidFill>
-                        <a:latin typeface="Adobe Clean" panose="020B0503020404020204" pitchFamily="34" charset="0"/>
-                        <a:cs typeface="AdobeClean-Light"/>
-                      </a:endParaRPr>
                     </a:p>
                   </a:txBody>
                   <a:tcPr marL="0" marR="0" marT="58419" marB="0" anchor="ctr">
@@ -3847,19 +3289,15 @@
                         </a:spcBef>
                       </a:pPr>
                       <a:r>
-                        <a:rPr sz="1100" spc="0" dirty="0">
+                        <a:rPr lang="es-ES" sz="1000" dirty="0">
                           <a:solidFill>
                             <a:srgbClr val="020302"/>
                           </a:solidFill>
                           <a:latin typeface="AdobeClean-Light"/>
                           <a:cs typeface="AdobeClean-Light"/>
                         </a:rPr>
-                        <a:t>Account Support Lead</a:t>
+                        <a:t>Responsable de la asistencia técnica de la cuenta</a:t>
                       </a:r>
-                      <a:endParaRPr sz="1100" spc="0" dirty="0">
-                        <a:latin typeface="AdobeClean-Light"/>
-                        <a:cs typeface="AdobeClean-Light"/>
-                      </a:endParaRPr>
                     </a:p>
                   </a:txBody>
                   <a:tcPr marL="0" marR="0" marT="58419" marB="0">
@@ -3894,7 +3332,7 @@
                     <a:bodyPr/>
                     <a:lstStyle/>
                     <a:p>
-                      <a:pPr algn="ctr">
+                      <a:pPr algn="l" rtl="0">
                         <a:lnSpc>
                           <a:spcPct val="100000"/>
                         </a:lnSpc>
@@ -3935,7 +3373,7 @@
                     <a:bodyPr/>
                     <a:lstStyle/>
                     <a:p>
-                      <a:pPr>
+                      <a:pPr algn="l" rtl="0">
                         <a:lnSpc>
                           <a:spcPct val="100000"/>
                         </a:lnSpc>
@@ -3975,7 +3413,7 @@
                     <a:bodyPr/>
                     <a:lstStyle/>
                     <a:p>
-                      <a:pPr marL="50800">
+                      <a:pPr marL="50800" algn="l" rtl="0">
                         <a:lnSpc>
                           <a:spcPct val="100000"/>
                         </a:lnSpc>
@@ -4021,19 +3459,15 @@
                         </a:spcBef>
                       </a:pPr>
                       <a:r>
-                        <a:rPr sz="1100" spc="0" dirty="0">
+                        <a:rPr lang="es-ES" sz="1000">
                           <a:solidFill>
                             <a:srgbClr val="020302"/>
                           </a:solidFill>
                           <a:latin typeface="AdobeClean-Light"/>
                           <a:cs typeface="AdobeClean-Light"/>
                         </a:rPr>
-                        <a:t>Named Support Engineer</a:t>
+                        <a:t>Ingeniero de asistencia técnica especializado</a:t>
                       </a:r>
-                      <a:endParaRPr sz="1100" spc="0" dirty="0">
-                        <a:latin typeface="AdobeClean-Light"/>
-                        <a:cs typeface="AdobeClean-Light"/>
-                      </a:endParaRPr>
                     </a:p>
                   </a:txBody>
                   <a:tcPr marL="0" marR="0" marT="58419" marB="0">
@@ -4056,7 +3490,7 @@
                     <a:bodyPr/>
                     <a:lstStyle/>
                     <a:p>
-                      <a:pPr algn="ctr">
+                      <a:pPr algn="l" rtl="0">
                         <a:lnSpc>
                           <a:spcPct val="100000"/>
                         </a:lnSpc>
@@ -4094,7 +3528,7 @@
                         </a:spcBef>
                       </a:pPr>
                       <a:r>
-                        <a:rPr sz="900" spc="0" dirty="0">
+                        <a:rPr lang="es-ES" sz="900">
                           <a:solidFill>
                             <a:srgbClr val="020302"/>
                           </a:solidFill>
@@ -4103,10 +3537,6 @@
                         </a:rPr>
                         <a:t></a:t>
                       </a:r>
-                      <a:endParaRPr sz="900" spc="0" dirty="0">
-                        <a:latin typeface="Wingdings"/>
-                        <a:cs typeface="Wingdings"/>
-                      </a:endParaRPr>
                     </a:p>
                   </a:txBody>
                   <a:tcPr marL="0" marR="0" marT="59055" marB="0">
@@ -4129,7 +3559,7 @@
                     <a:bodyPr/>
                     <a:lstStyle/>
                     <a:p>
-                      <a:pPr marL="50800">
+                      <a:pPr marL="50800" algn="l" rtl="0">
                         <a:lnSpc>
                           <a:spcPct val="100000"/>
                         </a:lnSpc>
@@ -4187,19 +3617,15 @@
                         </a:spcBef>
                       </a:pPr>
                       <a:r>
-                        <a:rPr sz="1100" spc="0" dirty="0">
+                        <a:rPr lang="es-ES" sz="1000">
                           <a:solidFill>
                             <a:srgbClr val="020302"/>
                           </a:solidFill>
                           <a:latin typeface="AdobeClean-Light"/>
                           <a:cs typeface="AdobeClean-Light"/>
                         </a:rPr>
-                        <a:t>Technical Account Manager</a:t>
+                        <a:t>Gestor técnico de cuentas</a:t>
                       </a:r>
-                      <a:endParaRPr sz="1100" spc="0" dirty="0">
-                        <a:latin typeface="AdobeClean-Light"/>
-                        <a:cs typeface="AdobeClean-Light"/>
-                      </a:endParaRPr>
                     </a:p>
                   </a:txBody>
                   <a:tcPr marL="0" marR="0" marT="63500" marB="0">
@@ -4228,7 +3654,7 @@
                     <a:bodyPr/>
                     <a:lstStyle/>
                     <a:p>
-                      <a:pPr algn="ctr">
+                      <a:pPr algn="l" rtl="0">
                         <a:lnSpc>
                           <a:spcPct val="100000"/>
                         </a:lnSpc>
@@ -4266,7 +3692,7 @@
                     <a:bodyPr/>
                     <a:lstStyle/>
                     <a:p>
-                      <a:pPr>
+                      <a:pPr algn="l" rtl="0">
                         <a:lnSpc>
                           <a:spcPct val="100000"/>
                         </a:lnSpc>
@@ -4317,22 +3743,15 @@
                         </a:spcBef>
                       </a:pPr>
                       <a:r>
-                        <a:rPr lang="en-US" sz="1200" b="1" i="0" spc="0" dirty="0">
+                        <a:rPr lang="es-ES" sz="1100" b="1" i="0" dirty="0">
                           <a:solidFill>
                             <a:schemeClr val="bg1"/>
                           </a:solidFill>
                           <a:latin typeface="Adobe Clean" panose="020B0503020404020204" pitchFamily="34" charset="0"/>
                           <a:cs typeface="AdobeClean-Light"/>
                         </a:rPr>
-                        <a:t>Support Services</a:t>
+                        <a:t>Servicios de soporte</a:t>
                       </a:r>
-                      <a:endParaRPr sz="1200" b="1" i="0" spc="0" dirty="0">
-                        <a:solidFill>
-                          <a:schemeClr val="bg1"/>
-                        </a:solidFill>
-                        <a:latin typeface="Adobe Clean" panose="020B0503020404020204" pitchFamily="34" charset="0"/>
-                        <a:cs typeface="AdobeClean-Light"/>
-                      </a:endParaRPr>
                     </a:p>
                   </a:txBody>
                   <a:tcPr marL="0" marR="0" marT="57150" marB="0" anchor="ctr">
@@ -4379,19 +3798,15 @@
                         </a:spcBef>
                       </a:pPr>
                       <a:r>
-                        <a:rPr lang="en-US" sz="1100" spc="0" dirty="0">
+                        <a:rPr lang="es-ES" sz="1000">
                           <a:solidFill>
                             <a:srgbClr val="020302"/>
                           </a:solidFill>
                           <a:latin typeface="AdobeClean-Light"/>
                           <a:cs typeface="AdobeClean-Light"/>
                         </a:rPr>
-                        <a:t>24x7 Self-Help Support </a:t>
+                        <a:t>Soporte de autoayuda 24 x 7 </a:t>
                       </a:r>
-                      <a:endParaRPr lang="en-US" sz="1100" spc="0" dirty="0">
-                        <a:latin typeface="AdobeClean-Light"/>
-                        <a:cs typeface="AdobeClean-Light"/>
-                      </a:endParaRPr>
                     </a:p>
                   </a:txBody>
                   <a:tcPr marL="0" marR="0" marT="57150" marB="0">
@@ -4429,7 +3844,7 @@
                         </a:spcBef>
                       </a:pPr>
                       <a:r>
-                        <a:rPr sz="900" dirty="0">
+                        <a:rPr lang="es-ES" sz="900">
                           <a:solidFill>
                             <a:srgbClr val="020302"/>
                           </a:solidFill>
@@ -4438,10 +3853,6 @@
                         </a:rPr>
                         <a:t></a:t>
                       </a:r>
-                      <a:endParaRPr sz="900" dirty="0">
-                        <a:latin typeface="Wingdings"/>
-                        <a:cs typeface="Wingdings"/>
-                      </a:endParaRPr>
                     </a:p>
                   </a:txBody>
                   <a:tcPr marL="0" marR="0" marT="58419" marB="0">
@@ -4489,14 +3900,13 @@
                         <a:defRPr/>
                       </a:pPr>
                       <a:r>
-                        <a:rPr kumimoji="0" lang="en-US" sz="900" b="0" i="0" u="none" strike="noStrike" kern="0" cap="none" spc="0" normalizeH="0" baseline="0" noProof="0" dirty="0">
+                        <a:rPr kumimoji="0" lang="es-ES" sz="900" b="0" i="0" u="none" strike="noStrike" cap="none" normalizeH="0" baseline="0" noProof="0">
                           <a:ln>
                             <a:noFill/>
                           </a:ln>
                           <a:solidFill>
                             <a:srgbClr val="020302"/>
                           </a:solidFill>
-                          <a:effectLst/>
                           <a:uLnTx/>
                           <a:uFillTx/>
                           <a:latin typeface="Wingdings"/>
@@ -4505,20 +3915,6 @@
                         </a:rPr>
                         <a:t></a:t>
                       </a:r>
-                      <a:endParaRPr kumimoji="0" lang="en-US" sz="900" b="0" i="0" u="none" strike="noStrike" kern="0" cap="none" spc="0" normalizeH="0" baseline="0" noProof="0" dirty="0">
-                        <a:ln>
-                          <a:noFill/>
-                        </a:ln>
-                        <a:solidFill>
-                          <a:prstClr val="black"/>
-                        </a:solidFill>
-                        <a:effectLst/>
-                        <a:uLnTx/>
-                        <a:uFillTx/>
-                        <a:latin typeface="Wingdings"/>
-                        <a:ea typeface="+mn-ea"/>
-                        <a:cs typeface="Wingdings"/>
-                      </a:endParaRPr>
                     </a:p>
                   </a:txBody>
                   <a:tcPr marL="0" marR="0" marT="58419" marB="0">
@@ -4552,7 +3948,7 @@
                     <a:bodyPr/>
                     <a:lstStyle/>
                     <a:p>
-                      <a:pPr marL="50800">
+                      <a:pPr marL="50800" algn="l" rtl="0">
                         <a:lnSpc>
                           <a:spcPct val="100000"/>
                         </a:lnSpc>
@@ -4601,19 +3997,15 @@
                         </a:spcBef>
                       </a:pPr>
                       <a:r>
-                        <a:rPr lang="en-US" sz="1100" b="0" i="0" spc="0" dirty="0">
+                        <a:rPr lang="es-ES" sz="1000" b="0" i="0">
                           <a:solidFill>
                             <a:srgbClr val="020302"/>
                           </a:solidFill>
                           <a:latin typeface="Adobe Clean Light" panose="020B0303020404020204" pitchFamily="34" charset="0"/>
                           <a:cs typeface="AdobeClean-Light"/>
                         </a:rPr>
-                        <a:t>24x7 Support via Chat / Phone</a:t>
+                        <a:t>Soporte 24 x 7 por chat/teléfono</a:t>
                       </a:r>
-                      <a:endParaRPr sz="1100" b="0" i="0" spc="0" dirty="0">
-                        <a:latin typeface="Adobe Clean Light" panose="020B0303020404020204" pitchFamily="34" charset="0"/>
-                        <a:cs typeface="AdobeClean-Light"/>
-                      </a:endParaRPr>
                     </a:p>
                   </a:txBody>
                   <a:tcPr marL="0" marR="0" marT="57785" marB="0">
@@ -4645,7 +4037,7 @@
                         </a:spcBef>
                       </a:pPr>
                       <a:r>
-                        <a:rPr sz="900" dirty="0">
+                        <a:rPr lang="es-ES" sz="900">
                           <a:solidFill>
                             <a:srgbClr val="020302"/>
                           </a:solidFill>
@@ -4654,10 +4046,6 @@
                         </a:rPr>
                         <a:t></a:t>
                       </a:r>
-                      <a:endParaRPr sz="900" dirty="0">
-                        <a:latin typeface="Wingdings"/>
-                        <a:cs typeface="Wingdings"/>
-                      </a:endParaRPr>
                     </a:p>
                   </a:txBody>
                   <a:tcPr marL="0" marR="0" marT="58419" marB="0">
@@ -4687,7 +4075,7 @@
                         </a:spcBef>
                       </a:pPr>
                       <a:r>
-                        <a:rPr sz="900" spc="0" dirty="0">
+                        <a:rPr lang="es-ES" sz="900">
                           <a:solidFill>
                             <a:srgbClr val="020302"/>
                           </a:solidFill>
@@ -4696,10 +4084,6 @@
                         </a:rPr>
                         <a:t></a:t>
                       </a:r>
-                      <a:endParaRPr sz="900" spc="0" dirty="0">
-                        <a:latin typeface="Wingdings"/>
-                        <a:cs typeface="Wingdings"/>
-                      </a:endParaRPr>
                     </a:p>
                   </a:txBody>
                   <a:tcPr marL="0" marR="0" marT="58419" marB="0">
@@ -4722,7 +4106,7 @@
                     <a:bodyPr/>
                     <a:lstStyle/>
                     <a:p>
-                      <a:pPr marL="50800">
+                      <a:pPr marL="50800" algn="l" rtl="0">
                         <a:lnSpc>
                           <a:spcPct val="100000"/>
                         </a:lnSpc>
@@ -4780,16 +4164,12 @@
                         </a:spcBef>
                       </a:pPr>
                       <a:r>
-                        <a:rPr lang="en-US" sz="1100" spc="0" dirty="0">
+                        <a:rPr lang="es-ES" sz="1000">
                           <a:latin typeface="AdobeClean-Light"/>
                           <a:cs typeface="AdobeClean-Light"/>
                         </a:rPr>
-                        <a:t>Web Case Submissions </a:t>
+                        <a:t>Envíos de casos a través de la web </a:t>
                       </a:r>
-                      <a:endParaRPr sz="1100" spc="0" dirty="0">
-                        <a:latin typeface="AdobeClean-Light"/>
-                        <a:cs typeface="AdobeClean-Light"/>
-                      </a:endParaRPr>
                     </a:p>
                   </a:txBody>
                   <a:tcPr marL="0" marR="0" marT="57785" marB="0">
@@ -4827,7 +4207,7 @@
                         </a:spcBef>
                       </a:pPr>
                       <a:r>
-                        <a:rPr sz="900" dirty="0">
+                        <a:rPr lang="es-ES" sz="900">
                           <a:solidFill>
                             <a:srgbClr val="020302"/>
                           </a:solidFill>
@@ -4836,10 +4216,6 @@
                         </a:rPr>
                         <a:t></a:t>
                       </a:r>
-                      <a:endParaRPr sz="900" dirty="0">
-                        <a:latin typeface="Wingdings"/>
-                        <a:cs typeface="Wingdings"/>
-                      </a:endParaRPr>
                     </a:p>
                   </a:txBody>
                   <a:tcPr marL="0" marR="0" marT="58419" marB="0">
@@ -4869,7 +4245,7 @@
                         </a:spcBef>
                       </a:pPr>
                       <a:r>
-                        <a:rPr sz="900" spc="0" dirty="0">
+                        <a:rPr lang="es-ES" sz="900">
                           <a:solidFill>
                             <a:srgbClr val="020302"/>
                           </a:solidFill>
@@ -4878,10 +4254,6 @@
                         </a:rPr>
                         <a:t></a:t>
                       </a:r>
-                      <a:endParaRPr sz="900" spc="0" dirty="0">
-                        <a:latin typeface="Wingdings"/>
-                        <a:cs typeface="Wingdings"/>
-                      </a:endParaRPr>
                     </a:p>
                   </a:txBody>
                   <a:tcPr marL="0" marR="0" marT="58419" marB="0">
@@ -4904,7 +4276,7 @@
                     <a:bodyPr/>
                     <a:lstStyle/>
                     <a:p>
-                      <a:pPr marL="50800">
+                      <a:pPr marL="50800" algn="l" rtl="0">
                         <a:lnSpc>
                           <a:spcPct val="100000"/>
                         </a:lnSpc>
@@ -4953,19 +4325,15 @@
                         </a:spcBef>
                       </a:pPr>
                       <a:r>
-                        <a:rPr lang="en-US" sz="1100" spc="0" dirty="0">
+                        <a:rPr lang="es-ES" sz="1000">
                           <a:solidFill>
                             <a:srgbClr val="020302"/>
                           </a:solidFill>
                           <a:latin typeface="AdobeClean-Light"/>
                           <a:cs typeface="AdobeClean-Light"/>
                         </a:rPr>
-                        <a:t>Priority Case Routing</a:t>
+                        <a:t>Enrutamiento de casos según prioridad</a:t>
                       </a:r>
-                      <a:endParaRPr sz="1100" spc="0" dirty="0">
-                        <a:latin typeface="AdobeClean-Light"/>
-                        <a:cs typeface="AdobeClean-Light"/>
-                      </a:endParaRPr>
                     </a:p>
                   </a:txBody>
                   <a:tcPr marL="0" marR="0" marT="58419" marB="0">
@@ -4988,7 +4356,7 @@
                     <a:bodyPr/>
                     <a:lstStyle/>
                     <a:p>
-                      <a:pPr algn="ctr">
+                      <a:pPr algn="l" rtl="0">
                         <a:lnSpc>
                           <a:spcPct val="100000"/>
                         </a:lnSpc>
@@ -5029,7 +4397,7 @@
                         </a:spcBef>
                       </a:pPr>
                       <a:r>
-                        <a:rPr sz="900" spc="0" dirty="0">
+                        <a:rPr lang="es-ES" sz="900">
                           <a:solidFill>
                             <a:srgbClr val="020302"/>
                           </a:solidFill>
@@ -5038,10 +4406,6 @@
                         </a:rPr>
                         <a:t></a:t>
                       </a:r>
-                      <a:endParaRPr sz="900" spc="0" dirty="0">
-                        <a:latin typeface="Wingdings"/>
-                        <a:cs typeface="Wingdings"/>
-                      </a:endParaRPr>
                     </a:p>
                   </a:txBody>
                   <a:tcPr marL="0" marR="0" marT="59690" marB="0">
@@ -5064,7 +4428,7 @@
                     <a:bodyPr/>
                     <a:lstStyle/>
                     <a:p>
-                      <a:pPr marL="50800">
+                      <a:pPr marL="50800" algn="l" rtl="0">
                         <a:lnSpc>
                           <a:spcPct val="100000"/>
                         </a:lnSpc>
@@ -5122,11 +4486,11 @@
                         <a:defRPr/>
                       </a:pPr>
                       <a:r>
-                        <a:rPr lang="en-US" sz="1100" spc="0" dirty="0">
+                        <a:rPr lang="es-ES" sz="1000">
                           <a:latin typeface="AdobeClean-Light"/>
                           <a:cs typeface="AdobeClean-Light"/>
                         </a:rPr>
-                        <a:t>Accelerated Issue Prioritization</a:t>
+                        <a:t>Priorización acelerada de problemas</a:t>
                       </a:r>
                     </a:p>
                   </a:txBody>
@@ -5150,7 +4514,7 @@
                     <a:bodyPr/>
                     <a:lstStyle/>
                     <a:p>
-                      <a:pPr algn="ctr">
+                      <a:pPr algn="l" rtl="0">
                         <a:lnSpc>
                           <a:spcPct val="100000"/>
                         </a:lnSpc>
@@ -5200,7 +4564,7 @@
                         <a:defRPr/>
                       </a:pPr>
                       <a:r>
-                        <a:rPr lang="en-US" sz="900" spc="0" dirty="0">
+                        <a:rPr lang="es-ES" sz="900">
                           <a:solidFill>
                             <a:srgbClr val="020302"/>
                           </a:solidFill>
@@ -5209,10 +4573,6 @@
                         </a:rPr>
                         <a:t></a:t>
                       </a:r>
-                      <a:endParaRPr lang="en-US" sz="900" spc="0" dirty="0">
-                        <a:latin typeface="Wingdings"/>
-                        <a:cs typeface="Wingdings"/>
-                      </a:endParaRPr>
                     </a:p>
                   </a:txBody>
                   <a:tcPr marL="0" marR="0" marT="57785" marB="0">
@@ -5273,16 +4633,12 @@
                         </a:spcBef>
                       </a:pPr>
                       <a:r>
-                        <a:rPr lang="en-US" sz="1100" spc="0" dirty="0">
+                        <a:rPr lang="es-ES" sz="1000">
                           <a:latin typeface="AdobeClean-Light"/>
                           <a:cs typeface="AdobeClean-Light"/>
                         </a:rPr>
-                        <a:t>Escalation Management</a:t>
+                        <a:t>Administración de la escalabilidad</a:t>
                       </a:r>
-                      <a:endParaRPr sz="1100" spc="0" dirty="0">
-                        <a:latin typeface="AdobeClean-Light"/>
-                        <a:cs typeface="AdobeClean-Light"/>
-                      </a:endParaRPr>
                     </a:p>
                   </a:txBody>
                   <a:tcPr marL="0" marR="0" marT="57150" marB="0">
@@ -5305,7 +4661,7 @@
                     <a:bodyPr/>
                     <a:lstStyle/>
                     <a:p>
-                      <a:pPr>
+                      <a:pPr algn="l" rtl="0">
                         <a:lnSpc>
                           <a:spcPct val="100000"/>
                         </a:lnSpc>
@@ -5343,7 +4699,7 @@
                         </a:spcBef>
                       </a:pPr>
                       <a:r>
-                        <a:rPr sz="900" spc="0" dirty="0">
+                        <a:rPr lang="es-ES" sz="900">
                           <a:solidFill>
                             <a:srgbClr val="020302"/>
                           </a:solidFill>
@@ -5352,10 +4708,6 @@
                         </a:rPr>
                         <a:t></a:t>
                       </a:r>
-                      <a:endParaRPr sz="900" spc="0" dirty="0">
-                        <a:latin typeface="Wingdings"/>
-                        <a:cs typeface="Wingdings"/>
-                      </a:endParaRPr>
                     </a:p>
                   </a:txBody>
                   <a:tcPr marL="0" marR="0" marT="59690" marB="0">
@@ -5397,16 +4749,12 @@
                         </a:spcBef>
                       </a:pPr>
                       <a:r>
-                        <a:rPr lang="en-US" sz="1100" spc="0" dirty="0">
+                        <a:rPr lang="es-ES" sz="1000">
                           <a:latin typeface="AdobeClean-Light"/>
                           <a:cs typeface="AdobeClean-Light"/>
                         </a:rPr>
-                        <a:t>Proactive Case Monitoring</a:t>
+                        <a:t>Monitorización proactiva de casos</a:t>
                       </a:r>
-                      <a:endParaRPr sz="1100" spc="0" dirty="0">
-                        <a:latin typeface="AdobeClean-Light"/>
-                        <a:cs typeface="AdobeClean-Light"/>
-                      </a:endParaRPr>
                     </a:p>
                   </a:txBody>
                   <a:tcPr marL="0" marR="0" marT="57150" marB="0">
@@ -5435,7 +4783,7 @@
                     <a:bodyPr/>
                     <a:lstStyle/>
                     <a:p>
-                      <a:pPr>
+                      <a:pPr algn="l" rtl="0">
                         <a:lnSpc>
                           <a:spcPct val="100000"/>
                         </a:lnSpc>
@@ -5473,7 +4821,7 @@
                         </a:spcBef>
                       </a:pPr>
                       <a:r>
-                        <a:rPr sz="900" spc="0" dirty="0">
+                        <a:rPr lang="es-ES" sz="900">
                           <a:solidFill>
                             <a:srgbClr val="020302"/>
                           </a:solidFill>
@@ -5482,10 +4830,6 @@
                         </a:rPr>
                         <a:t></a:t>
                       </a:r>
-                      <a:endParaRPr sz="900" spc="0" dirty="0">
-                        <a:latin typeface="Wingdings"/>
-                        <a:cs typeface="Wingdings"/>
-                      </a:endParaRPr>
                     </a:p>
                   </a:txBody>
                   <a:tcPr marL="0" marR="0" marT="59690" marB="0">
@@ -5508,7 +4852,7 @@
                     <a:bodyPr/>
                     <a:lstStyle/>
                     <a:p>
-                      <a:pPr marL="48895">
+                      <a:pPr marL="48895" algn="l" rtl="0">
                         <a:lnSpc>
                           <a:spcPct val="100000"/>
                         </a:lnSpc>
@@ -5539,15 +4883,14 @@
                         <a:buNone/>
                       </a:pPr>
                       <a:r>
-                        <a:rPr lang="en-US" sz="1100" b="0" i="0" u="none" strike="noStrike" spc="0" noProof="0" dirty="0">
+                        <a:rPr lang="es-ES" sz="1000" b="0" i="0" u="none" strike="noStrike" noProof="0">
                           <a:solidFill>
                             <a:srgbClr val="020302"/>
                           </a:solidFill>
                           <a:latin typeface="Adobe Clean Light"/>
                         </a:rPr>
-                        <a:t>In-Region Support Option</a:t>
+                        <a:t>Opción de soporte en la misma región</a:t>
                       </a:r>
-                      <a:endParaRPr dirty="0"/>
                     </a:p>
                   </a:txBody>
                   <a:tcPr marL="0" marR="0" marT="58419" marB="0">
@@ -5576,7 +4919,7 @@
                     <a:bodyPr/>
                     <a:lstStyle/>
                     <a:p>
-                      <a:pPr>
+                      <a:pPr algn="l" rtl="0">
                         <a:lnSpc>
                           <a:spcPct val="100000"/>
                         </a:lnSpc>
@@ -5623,7 +4966,7 @@
                         <a:defRPr/>
                       </a:pPr>
                       <a:r>
-                        <a:rPr lang="en-US" sz="900" spc="0" dirty="0">
+                        <a:rPr lang="es-ES" sz="900">
                           <a:solidFill>
                             <a:srgbClr val="020302"/>
                           </a:solidFill>
@@ -5632,10 +4975,6 @@
                         </a:rPr>
                         <a:t></a:t>
                       </a:r>
-                      <a:endParaRPr lang="en-US" sz="900" spc="0" dirty="0">
-                        <a:latin typeface="Wingdings"/>
-                        <a:cs typeface="Wingdings"/>
-                      </a:endParaRPr>
                     </a:p>
                   </a:txBody>
                   <a:tcPr marL="0" marR="0" marT="57150" marB="0">
@@ -5658,7 +4997,7 @@
                     <a:bodyPr/>
                     <a:lstStyle/>
                     <a:p>
-                      <a:pPr marL="48895">
+                      <a:pPr marL="48895" algn="l" rtl="0">
                         <a:lnSpc>
                           <a:spcPct val="100000"/>
                         </a:lnSpc>
@@ -5716,19 +5055,15 @@
                         </a:spcBef>
                       </a:pPr>
                       <a:r>
-                        <a:rPr lang="en-US" sz="1100" spc="0" dirty="0">
+                        <a:rPr lang="es-ES" sz="1000">
                           <a:solidFill>
                             <a:srgbClr val="020302"/>
                           </a:solidFill>
                           <a:latin typeface="AdobeClean-Light"/>
                           <a:cs typeface="AdobeClean-Light"/>
                         </a:rPr>
-                        <a:t>Service Reviews</a:t>
+                        <a:t>Revisiones del servicio</a:t>
                       </a:r>
-                      <a:endParaRPr sz="1100" spc="0" dirty="0">
-                        <a:latin typeface="AdobeClean-Light"/>
-                        <a:cs typeface="AdobeClean-Light"/>
-                      </a:endParaRPr>
                     </a:p>
                   </a:txBody>
                   <a:tcPr marL="0" marR="0" marT="59055" marB="0">
@@ -5757,7 +5092,7 @@
                     <a:bodyPr/>
                     <a:lstStyle/>
                     <a:p>
-                      <a:pPr>
+                      <a:pPr algn="l" rtl="0">
                         <a:lnSpc>
                           <a:spcPct val="100000"/>
                         </a:lnSpc>
@@ -5795,29 +5130,15 @@
                         </a:spcBef>
                       </a:pPr>
                       <a:r>
-                        <a:rPr sz="900" spc="0" dirty="0">
+                        <a:rPr lang="es-ES" sz="900">
                           <a:solidFill>
                             <a:srgbClr val="020302"/>
                           </a:solidFill>
                           <a:latin typeface="AdobeClean-Light"/>
                           <a:cs typeface="AdobeClean-Light"/>
                         </a:rPr>
-                        <a:t>2</a:t>
+                        <a:t>2 años</a:t>
                       </a:r>
-                      <a:r>
-                        <a:rPr lang="en-US" sz="900" spc="0" dirty="0">
-                          <a:solidFill>
-                            <a:srgbClr val="020302"/>
-                          </a:solidFill>
-                          <a:latin typeface="AdobeClean-Light"/>
-                          <a:cs typeface="AdobeClean-Light"/>
-                        </a:rPr>
-                        <a:t>/year</a:t>
-                      </a:r>
-                      <a:endParaRPr sz="900" spc="0" dirty="0">
-                        <a:latin typeface="AdobeClean-Light"/>
-                        <a:cs typeface="AdobeClean-Light"/>
-                      </a:endParaRPr>
                     </a:p>
                   </a:txBody>
                   <a:tcPr marL="0" marR="0" marT="57150" marB="0">
@@ -5840,7 +5161,7 @@
                     <a:bodyPr/>
                     <a:lstStyle/>
                     <a:p>
-                      <a:pPr marL="49530">
+                      <a:pPr marL="49530" algn="l" rtl="0">
                         <a:lnSpc>
                           <a:spcPct val="100000"/>
                         </a:lnSpc>
@@ -5889,16 +5210,12 @@
                         </a:spcBef>
                       </a:pPr>
                       <a:r>
-                        <a:rPr lang="en-US" sz="1100" spc="0" dirty="0">
+                        <a:rPr lang="es-ES" sz="1000">
                           <a:latin typeface="AdobeClean-Light"/>
                           <a:cs typeface="AdobeClean-Light"/>
                         </a:rPr>
-                        <a:t>Case Reviews</a:t>
+                        <a:t>Reseñas de casos</a:t>
                       </a:r>
-                      <a:endParaRPr sz="1100" spc="0" dirty="0">
-                        <a:latin typeface="AdobeClean-Light"/>
-                        <a:cs typeface="AdobeClean-Light"/>
-                      </a:endParaRPr>
                     </a:p>
                   </a:txBody>
                   <a:tcPr marL="0" marR="0" marT="63500" marB="0">
@@ -5921,7 +5238,7 @@
                     <a:bodyPr/>
                     <a:lstStyle/>
                     <a:p>
-                      <a:pPr>
+                      <a:pPr algn="l" rtl="0">
                         <a:lnSpc>
                           <a:spcPct val="100000"/>
                         </a:lnSpc>
@@ -5959,16 +5276,12 @@
                         </a:spcBef>
                       </a:pPr>
                       <a:r>
-                        <a:rPr lang="en-US" sz="900" spc="0" dirty="0">
+                        <a:rPr lang="es-ES" sz="900">
                           <a:latin typeface="AdobeClean-Light"/>
                           <a:cs typeface="AdobeClean-Light"/>
                         </a:rPr>
-                        <a:t>1/month</a:t>
+                        <a:t>1 mes</a:t>
                       </a:r>
-                      <a:endParaRPr sz="900" spc="0" dirty="0">
-                        <a:latin typeface="AdobeClean-Light"/>
-                        <a:cs typeface="AdobeClean-Light"/>
-                      </a:endParaRPr>
                     </a:p>
                   </a:txBody>
                   <a:tcPr marL="0" marR="0" marT="57150" marB="0">
@@ -6038,11 +5351,11 @@
                         <a:defRPr/>
                       </a:pPr>
                       <a:r>
-                        <a:rPr lang="en-US" sz="1100" spc="0" dirty="0">
+                        <a:rPr lang="es-ES" sz="1000">
                           <a:latin typeface="AdobeClean-Light"/>
                           <a:cs typeface="AdobeClean-Light"/>
                         </a:rPr>
-                        <a:t>Solution Review</a:t>
+                        <a:t>Revisión de soluciones</a:t>
                       </a:r>
                     </a:p>
                   </a:txBody>
@@ -6066,7 +5379,7 @@
                     <a:bodyPr/>
                     <a:lstStyle/>
                     <a:p>
-                      <a:pPr>
+                      <a:pPr algn="l" rtl="0">
                         <a:lnSpc>
                           <a:spcPct val="100000"/>
                         </a:lnSpc>
@@ -6095,7 +5408,7 @@
                     <a:bodyPr/>
                     <a:lstStyle/>
                     <a:p>
-                      <a:pPr algn="ctr">
+                      <a:pPr algn="l" rtl="0">
                         <a:lnSpc>
                           <a:spcPct val="100000"/>
                         </a:lnSpc>
@@ -6185,11 +5498,11 @@
                         <a:defRPr/>
                       </a:pPr>
                       <a:r>
-                        <a:rPr lang="en-US" sz="1100" spc="0" dirty="0">
+                        <a:rPr lang="es-ES" sz="1000" dirty="0">
                           <a:latin typeface="AdobeClean-Light"/>
                           <a:cs typeface="AdobeClean-Light"/>
                         </a:rPr>
-                        <a:t>Roadmap Review </a:t>
+                        <a:t>Revisión de planes </a:t>
                       </a:r>
                     </a:p>
                   </a:txBody>
@@ -6223,7 +5536,7 @@
                     <a:bodyPr/>
                     <a:lstStyle/>
                     <a:p>
-                      <a:pPr>
+                      <a:pPr algn="l" rtl="0">
                         <a:lnSpc>
                           <a:spcPct val="100000"/>
                         </a:lnSpc>
@@ -6261,7 +5574,7 @@
                     <a:bodyPr/>
                     <a:lstStyle/>
                     <a:p>
-                      <a:pPr>
+                      <a:pPr algn="l" rtl="0">
                         <a:lnSpc>
                           <a:spcPct val="100000"/>
                         </a:lnSpc>
@@ -6363,19 +5676,15 @@
                         <a:defRPr/>
                       </a:pPr>
                       <a:r>
-                        <a:rPr lang="en-US" sz="1100" spc="0" dirty="0">
+                        <a:rPr lang="es-ES" sz="1000">
                           <a:solidFill>
                             <a:srgbClr val="020302"/>
                           </a:solidFill>
                           <a:latin typeface="AdobeClean-Light"/>
                           <a:cs typeface="AdobeClean-Light"/>
                         </a:rPr>
-                        <a:t>Additional Named Support Contacts</a:t>
+                        <a:t>Personas de contacto de soporte adicionales</a:t>
                       </a:r>
-                      <a:endParaRPr lang="en-US" sz="1100" spc="0" dirty="0">
-                        <a:latin typeface="AdobeClean-Light"/>
-                        <a:cs typeface="AdobeClean-Light"/>
-                      </a:endParaRPr>
                     </a:p>
                   </a:txBody>
                   <a:tcPr marL="0" marR="0" marT="63500" marB="0">
@@ -6415,7 +5724,7 @@
                     <a:bodyPr/>
                     <a:lstStyle/>
                     <a:p>
-                      <a:pPr>
+                      <a:pPr algn="l" rtl="0">
                         <a:lnSpc>
                           <a:spcPct val="100000"/>
                         </a:lnSpc>
@@ -6462,7 +5771,7 @@
                     <a:bodyPr/>
                     <a:lstStyle/>
                     <a:p>
-                      <a:pPr algn="ctr">
+                      <a:pPr algn="l" rtl="0">
                         <a:lnSpc>
                           <a:spcPct val="100000"/>
                         </a:lnSpc>
@@ -6570,16 +5879,12 @@
                         </a:spcBef>
                       </a:pPr>
                       <a:r>
-                        <a:rPr lang="en-US" sz="1100" spc="0" dirty="0">
+                        <a:rPr lang="es-ES" sz="1000">
                           <a:latin typeface="AdobeClean-Light"/>
                           <a:cs typeface="AdobeClean-Light"/>
                         </a:rPr>
-                        <a:t>Upgrade/Migration Planning</a:t>
+                        <a:t>Planificación de migraciones/actualización</a:t>
                       </a:r>
-                      <a:endParaRPr sz="1100" spc="0" dirty="0">
-                        <a:latin typeface="AdobeClean-Light"/>
-                        <a:cs typeface="AdobeClean-Light"/>
-                      </a:endParaRPr>
                     </a:p>
                   </a:txBody>
                   <a:tcPr marL="0" marR="0" marT="63500" marB="0">
@@ -6622,7 +5927,7 @@
                     <a:bodyPr/>
                     <a:lstStyle/>
                     <a:p>
-                      <a:pPr>
+                      <a:pPr algn="l" rtl="0">
                         <a:lnSpc>
                           <a:spcPct val="100000"/>
                         </a:lnSpc>
@@ -6669,7 +5974,7 @@
                     <a:bodyPr/>
                     <a:lstStyle/>
                     <a:p>
-                      <a:pPr algn="ctr">
+                      <a:pPr algn="l" rtl="0">
                         <a:lnSpc>
                           <a:spcPct val="100000"/>
                         </a:lnSpc>
@@ -6749,11 +6054,11 @@
                         <a:defRPr/>
                       </a:pPr>
                       <a:r>
-                        <a:rPr lang="en-US" sz="1100" b="0" i="0" spc="0" dirty="0">
+                        <a:rPr lang="es-ES" sz="1000" b="0" i="0" dirty="0">
                           <a:latin typeface="Adobe Clean Light" panose="020B0303020404020204" pitchFamily="34" charset="0"/>
                           <a:cs typeface="AdobeClean-Light"/>
                         </a:rPr>
-                        <a:t>Release Preparation and Planning</a:t>
+                        <a:t>Preparación y planificación de lanzamientos</a:t>
                       </a:r>
                     </a:p>
                   </a:txBody>
@@ -6797,7 +6102,7 @@
                     <a:bodyPr/>
                     <a:lstStyle/>
                     <a:p>
-                      <a:pPr>
+                      <a:pPr algn="l" rtl="0">
                         <a:lnSpc>
                           <a:spcPct val="100000"/>
                         </a:lnSpc>
@@ -6844,7 +6149,7 @@
                     <a:bodyPr/>
                     <a:lstStyle/>
                     <a:p>
-                      <a:pPr algn="ctr">
+                      <a:pPr algn="l" rtl="0">
                         <a:lnSpc>
                           <a:spcPct val="100000"/>
                         </a:lnSpc>
@@ -6896,7 +6201,7 @@
                     <a:bodyPr/>
                     <a:lstStyle/>
                     <a:p>
-                      <a:pPr marL="49530">
+                      <a:pPr marL="49530" algn="l" rtl="0">
                         <a:lnSpc>
                           <a:spcPct val="100000"/>
                         </a:lnSpc>
@@ -6954,16 +6259,12 @@
                         </a:spcBef>
                       </a:pPr>
                       <a:r>
-                        <a:rPr lang="en-US" sz="1100" spc="0" dirty="0">
+                        <a:rPr lang="es-ES" sz="1000" dirty="0">
                           <a:latin typeface="AdobeClean-Light"/>
                           <a:cs typeface="AdobeClean-Light"/>
                         </a:rPr>
-                        <a:t>Executive Sponsor</a:t>
+                        <a:t>Sponsor ejecutivo</a:t>
                       </a:r>
-                      <a:endParaRPr sz="1100" spc="0" dirty="0">
-                        <a:latin typeface="AdobeClean-Light"/>
-                        <a:cs typeface="AdobeClean-Light"/>
-                      </a:endParaRPr>
                     </a:p>
                   </a:txBody>
                   <a:tcPr marL="0" marR="0" marT="67310" marB="0">
@@ -7008,7 +6309,7 @@
                     <a:bodyPr/>
                     <a:lstStyle/>
                     <a:p>
-                      <a:pPr>
+                      <a:pPr algn="l" rtl="0">
                         <a:lnSpc>
                           <a:spcPct val="100000"/>
                         </a:lnSpc>
@@ -7055,7 +6356,7 @@
                     <a:bodyPr/>
                     <a:lstStyle/>
                     <a:p>
-                      <a:pPr>
+                      <a:pPr algn="l" rtl="0">
                         <a:lnSpc>
                           <a:spcPct val="100000"/>
                         </a:lnSpc>
@@ -7117,14 +6418,14 @@
           <p:nvPr>
             <p:extLst>
               <p:ext uri="{D42A27DB-BD31-4B8C-83A1-F6EECF244321}">
-                <p14:modId xmlns:p14="http://schemas.microsoft.com/office/powerpoint/2010/main" val="1204616534"/>
+                <p14:modId xmlns:p14="http://schemas.microsoft.com/office/powerpoint/2010/main" val="126523890"/>
               </p:ext>
             </p:extLst>
           </p:nvPr>
         </p:nvGraphicFramePr>
         <p:xfrm>
           <a:off x="121146" y="7483227"/>
-          <a:ext cx="7498851" cy="2361428"/>
+          <a:ext cx="7498851" cy="2333191"/>
         </p:xfrm>
         <a:graphic>
           <a:graphicData uri="http://schemas.openxmlformats.org/drawingml/2006/table">
@@ -7133,21 +6434,21 @@
                 <a:tableStyleId>{2D5ABB26-0587-4C30-8999-92F81FD0307C}</a:tableStyleId>
               </a:tblPr>
               <a:tblGrid>
-                <a:gridCol w="3749427">
+                <a:gridCol w="3885704">
                   <a:extLst>
                     <a:ext uri="{9D8B030D-6E8A-4147-A177-3AD203B41FA5}">
                       <a16:colId xmlns:a16="http://schemas.microsoft.com/office/drawing/2014/main" val="20000"/>
                     </a:ext>
                   </a:extLst>
                 </a:gridCol>
-                <a:gridCol w="940418">
+                <a:gridCol w="914400">
                   <a:extLst>
                     <a:ext uri="{9D8B030D-6E8A-4147-A177-3AD203B41FA5}">
                       <a16:colId xmlns:a16="http://schemas.microsoft.com/office/drawing/2014/main" val="20001"/>
                     </a:ext>
                   </a:extLst>
                 </a:gridCol>
-                <a:gridCol w="980208">
+                <a:gridCol w="869949">
                   <a:extLst>
                     <a:ext uri="{9D8B030D-6E8A-4147-A177-3AD203B41FA5}">
                       <a16:colId xmlns:a16="http://schemas.microsoft.com/office/drawing/2014/main" val="20002"/>
@@ -7184,19 +6485,15 @@
                         </a:spcBef>
                       </a:pPr>
                       <a:r>
-                        <a:rPr sz="1000" spc="0" dirty="0">
+                        <a:rPr lang="es-ES" sz="1000">
                           <a:solidFill>
                             <a:srgbClr val="020302"/>
                           </a:solidFill>
                           <a:latin typeface="Adobe Clean"/>
                           <a:cs typeface="Adobe Clean"/>
                         </a:rPr>
-                        <a:t>Priority</a:t>
+                        <a:t>Prioridad</a:t>
                       </a:r>
-                      <a:endParaRPr sz="1000" spc="0" dirty="0">
-                        <a:latin typeface="Adobe Clean"/>
-                        <a:cs typeface="Adobe Clean"/>
-                      </a:endParaRPr>
                     </a:p>
                   </a:txBody>
                   <a:tcPr marL="0" marR="0" marT="7620" marB="0" anchor="ctr">
@@ -7243,49 +6540,15 @@
                         </a:spcBef>
                       </a:pPr>
                       <a:r>
-                        <a:rPr lang="en-US" sz="900" spc="0" dirty="0">
+                        <a:rPr lang="es-ES" sz="900">
                           <a:solidFill>
                             <a:srgbClr val="020302"/>
                           </a:solidFill>
                           <a:latin typeface="Adobe Clean"/>
                           <a:cs typeface="Adobe Clean"/>
                         </a:rPr>
-                        <a:t>Standard</a:t>
+                        <a:t>Soporte Standard</a:t>
                       </a:r>
-                      <a:r>
-                        <a:rPr sz="900" spc="0" dirty="0">
-                          <a:solidFill>
-                            <a:srgbClr val="020302"/>
-                          </a:solidFill>
-                          <a:latin typeface="Adobe Clean"/>
-                          <a:cs typeface="Adobe Clean"/>
-                        </a:rPr>
-                        <a:t> </a:t>
-                      </a:r>
-                      <a:r>
-                        <a:rPr lang="en-US" sz="900" spc="0" dirty="0">
-                          <a:solidFill>
-                            <a:srgbClr val="020302"/>
-                          </a:solidFill>
-                          <a:latin typeface="Adobe Clean"/>
-                          <a:cs typeface="Adobe Clean"/>
-                        </a:rPr>
-                        <a:t> </a:t>
-                      </a:r>
-                      <a:r>
-                        <a:rPr sz="900" spc="0" dirty="0">
-                          <a:solidFill>
-                            <a:srgbClr val="020302"/>
-                          </a:solidFill>
-                          <a:latin typeface="Adobe Clean"/>
-                          <a:cs typeface="Adobe Clean"/>
-                        </a:rPr>
-                        <a:t>Support</a:t>
-                      </a:r>
-                      <a:endParaRPr sz="900" spc="0" dirty="0">
-                        <a:latin typeface="Adobe Clean"/>
-                        <a:cs typeface="Adobe Clean"/>
-                      </a:endParaRPr>
                     </a:p>
                   </a:txBody>
                   <a:tcPr marL="0" marR="0" marT="0" marB="0" anchor="ctr">
@@ -7335,39 +6598,15 @@
                         </a:spcBef>
                       </a:pPr>
                       <a:r>
-                        <a:rPr sz="900" spc="0" dirty="0">
+                        <a:rPr lang="es-ES" sz="900">
                           <a:solidFill>
                             <a:srgbClr val="FFFFFF"/>
                           </a:solidFill>
                           <a:latin typeface="Adobe Clean"/>
                           <a:cs typeface="Adobe Clean"/>
                         </a:rPr>
-                        <a:t>Business</a:t>
+                        <a:t>Soporte Business</a:t>
                       </a:r>
-                      <a:r>
-                        <a:rPr lang="en-US" sz="900" spc="0" dirty="0">
-                          <a:solidFill>
-                            <a:srgbClr val="FFFFFF"/>
-                          </a:solidFill>
-                          <a:latin typeface="Adobe Clean"/>
-                          <a:cs typeface="Adobe Clean"/>
-                        </a:rPr>
-                        <a:t> </a:t>
-                      </a:r>
-                      <a:r>
-                        <a:rPr sz="900" spc="0" dirty="0">
-                          <a:solidFill>
-                            <a:srgbClr val="FFFFFF"/>
-                          </a:solidFill>
-                          <a:latin typeface="Adobe Clean"/>
-                          <a:cs typeface="Adobe Clean"/>
-                        </a:rPr>
-                        <a:t>Support</a:t>
-                      </a:r>
-                      <a:endParaRPr sz="900" spc="0" dirty="0">
-                        <a:latin typeface="Adobe Clean"/>
-                        <a:cs typeface="Adobe Clean"/>
-                      </a:endParaRPr>
                     </a:p>
                   </a:txBody>
                   <a:tcPr marL="0" marR="0" marT="0" marB="0" anchor="ctr">
@@ -7414,39 +6653,15 @@
                         </a:spcBef>
                       </a:pPr>
                       <a:r>
-                        <a:rPr sz="900" spc="0" dirty="0">
+                        <a:rPr lang="es-ES" sz="900">
                           <a:solidFill>
                             <a:srgbClr val="FFFFFF"/>
                           </a:solidFill>
                           <a:latin typeface="Adobe Clean"/>
                           <a:cs typeface="Adobe Clean"/>
                         </a:rPr>
-                        <a:t>Enterprise </a:t>
+                        <a:t>Soporte Enterprise</a:t>
                       </a:r>
-                      <a:r>
-                        <a:rPr lang="en-US" sz="900" spc="0" dirty="0">
-                          <a:solidFill>
-                            <a:srgbClr val="FFFFFF"/>
-                          </a:solidFill>
-                          <a:latin typeface="Adobe Clean"/>
-                          <a:cs typeface="Adobe Clean"/>
-                        </a:rPr>
-                        <a:t> </a:t>
-                      </a:r>
-                      <a:r>
-                        <a:rPr sz="900" spc="0" dirty="0">
-                          <a:solidFill>
-                            <a:srgbClr val="FFFFFF"/>
-                          </a:solidFill>
-                          <a:latin typeface="Adobe Clean"/>
-                          <a:cs typeface="Adobe Clean"/>
-                        </a:rPr>
-                        <a:t>Support</a:t>
-                      </a:r>
-                      <a:endParaRPr sz="900" spc="0" dirty="0">
-                        <a:latin typeface="Adobe Clean"/>
-                        <a:cs typeface="Adobe Clean"/>
-                      </a:endParaRPr>
                     </a:p>
                   </a:txBody>
                   <a:tcPr marL="0" marR="0" marT="0" marB="0" anchor="ctr">
@@ -7493,39 +6708,15 @@
                         </a:spcBef>
                       </a:pPr>
                       <a:r>
-                        <a:rPr sz="900" spc="0" dirty="0">
+                        <a:rPr lang="es-ES" sz="900">
                           <a:solidFill>
                             <a:srgbClr val="FFFFFF"/>
                           </a:solidFill>
                           <a:latin typeface="Adobe Clean"/>
                           <a:cs typeface="Adobe Clean"/>
                         </a:rPr>
-                        <a:t>Elite</a:t>
+                        <a:t>Soporte Elite</a:t>
                       </a:r>
-                      <a:r>
-                        <a:rPr lang="en-US" sz="900" spc="0" dirty="0">
-                          <a:solidFill>
-                            <a:srgbClr val="FFFFFF"/>
-                          </a:solidFill>
-                          <a:latin typeface="Adobe Clean"/>
-                          <a:cs typeface="Adobe Clean"/>
-                        </a:rPr>
-                        <a:t> </a:t>
-                      </a:r>
-                      <a:r>
-                        <a:rPr sz="900" spc="0" dirty="0">
-                          <a:solidFill>
-                            <a:srgbClr val="FFFFFF"/>
-                          </a:solidFill>
-                          <a:latin typeface="Adobe Clean"/>
-                          <a:cs typeface="Adobe Clean"/>
-                        </a:rPr>
-                        <a:t>Support</a:t>
-                      </a:r>
-                      <a:endParaRPr sz="900" spc="0" dirty="0">
-                        <a:latin typeface="Adobe Clean"/>
-                        <a:cs typeface="Adobe Clean"/>
-                      </a:endParaRPr>
                     </a:p>
                   </a:txBody>
                   <a:tcPr marL="0" marR="0" marT="0" marB="0" anchor="ctr">
@@ -7579,19 +6770,15 @@
                         </a:spcBef>
                       </a:pPr>
                       <a:r>
-                        <a:rPr sz="900" b="1" spc="0" dirty="0">
+                        <a:rPr lang="es-ES" sz="850" b="1" dirty="0">
                           <a:solidFill>
                             <a:srgbClr val="020302"/>
                           </a:solidFill>
                           <a:latin typeface="Adobe Clean"/>
                           <a:cs typeface="Adobe Clean"/>
                         </a:rPr>
-                        <a:t>PRIORITY 1</a:t>
+                        <a:t>PRIORIDAD 1</a:t>
                       </a:r>
-                      <a:endParaRPr sz="900" spc="0" dirty="0">
-                        <a:latin typeface="Adobe Clean"/>
-                        <a:cs typeface="Adobe Clean"/>
-                      </a:endParaRPr>
                     </a:p>
                     <a:p>
                       <a:pPr marL="50800" marR="387985">
@@ -7603,19 +6790,14 @@
                         </a:spcBef>
                       </a:pPr>
                       <a:r>
-                        <a:rPr lang="en-US" sz="900" b="0" i="0" spc="0" dirty="0">
+                        <a:rPr lang="es-ES" sz="850" b="0" i="0" dirty="0">
                           <a:solidFill>
                             <a:srgbClr val="000000"/>
                           </a:solidFill>
-                          <a:effectLst/>
                           <a:latin typeface="Adobe Clean Light" panose="020B0303020404020204" pitchFamily="34" charset="0"/>
                         </a:rPr>
-                        <a:t>Customer's production business functions are down or have significant data loss or service degradation and immediate attention is required to restore functionality and usability. </a:t>
+                        <a:t>Las funciones empresariales de producción del cliente no están activadas o pierden datos o presentan una degradación del servicio significativa, por lo que se requiere atención inmediata para restaurar la funcionalidad y facilidad de uso. </a:t>
                       </a:r>
-                      <a:endParaRPr sz="900" spc="0" dirty="0">
-                        <a:latin typeface="AdobeClean-Light"/>
-                        <a:cs typeface="AdobeClean-Light"/>
-                      </a:endParaRPr>
                     </a:p>
                   </a:txBody>
                   <a:tcPr marL="0" marR="0" marT="0" marB="0" anchor="ctr">
@@ -7662,7 +6844,7 @@
                         </a:spcBef>
                       </a:pPr>
                       <a:r>
-                        <a:rPr lang="en-US" sz="900" spc="0" dirty="0">
+                        <a:rPr lang="es-ES" sz="900">
                           <a:solidFill>
                             <a:srgbClr val="020302"/>
                           </a:solidFill>
@@ -7682,19 +6864,15 @@
                         </a:spcBef>
                       </a:pPr>
                       <a:r>
-                        <a:rPr lang="en-US" sz="900" spc="0" dirty="0">
+                        <a:rPr lang="es-ES" sz="900">
                           <a:solidFill>
                             <a:srgbClr val="020302"/>
                           </a:solidFill>
                           <a:latin typeface="AdobeClean-Light"/>
                           <a:cs typeface="AdobeClean-Light"/>
                         </a:rPr>
-                        <a:t> 30 minutes</a:t>
+                        <a:t> 30 minutos</a:t>
                       </a:r>
-                      <a:endParaRPr lang="en-US" sz="900" spc="0" dirty="0">
-                        <a:latin typeface="AdobeClean-Light"/>
-                        <a:cs typeface="AdobeClean-Light"/>
-                      </a:endParaRPr>
                     </a:p>
                   </a:txBody>
                   <a:tcPr marL="0" marR="0" marT="0" marB="0" anchor="ctr">
@@ -7739,10 +6917,10 @@
                         <a:tabLst/>
                       </a:pPr>
                       <a:r>
-                        <a:rPr lang="en-US" sz="1000" i="0" spc="0" dirty="0">
+                        <a:rPr lang="es-ES" sz="950" i="0" dirty="0">
                           <a:latin typeface="AdobeClean-Light"/>
                         </a:rPr>
-                        <a:t>Customers who purchase a Support Plan for applicable Adobe Products and Services receive priority case routing that fast-tracks cases to Adobe’s Support Engineers. </a:t>
+                        <a:t>Los clientes que adquieran un plan de soporte para servicios y productos de Adobe aplicables reciben enrutamiento de casos según prioridad que acelera la derivación de casos a los ingenieros de soporte de Adobe. </a:t>
                       </a:r>
                     </a:p>
                   </a:txBody>
@@ -7790,7 +6968,7 @@
                         </a:spcBef>
                       </a:pPr>
                       <a:r>
-                        <a:rPr sz="900" spc="0" dirty="0">
+                        <a:rPr lang="es-ES" sz="900">
                           <a:solidFill>
                             <a:srgbClr val="020302"/>
                           </a:solidFill>
@@ -7800,67 +6978,8 @@
                           <a:latin typeface="AdobeClean-Light"/>
                           <a:cs typeface="AdobeClean-Light"/>
                         </a:rPr>
-                        <a:t>24x7 /  </a:t>
+                        <a:t>24x7 /           30 minutos</a:t>
                       </a:r>
-                      <a:r>
-                        <a:rPr lang="en-US" sz="900" spc="0" dirty="0">
-                          <a:solidFill>
-                            <a:srgbClr val="020302"/>
-                          </a:solidFill>
-                          <a:highlight>
-                            <a:srgbClr val="FFFF00"/>
-                          </a:highlight>
-                          <a:latin typeface="AdobeClean-Light"/>
-                          <a:cs typeface="AdobeClean-Light"/>
-                        </a:rPr>
-                        <a:t>         </a:t>
-                      </a:r>
-                      <a:r>
-                        <a:rPr sz="900" spc="0" dirty="0">
-                          <a:solidFill>
-                            <a:srgbClr val="020302"/>
-                          </a:solidFill>
-                          <a:highlight>
-                            <a:srgbClr val="FFFF00"/>
-                          </a:highlight>
-                          <a:latin typeface="AdobeClean-Light"/>
-                          <a:cs typeface="AdobeClean-Light"/>
-                        </a:rPr>
-                        <a:t>30</a:t>
-                      </a:r>
-                      <a:r>
-                        <a:rPr lang="en-US" sz="900" spc="0" dirty="0">
-                          <a:solidFill>
-                            <a:srgbClr val="020302"/>
-                          </a:solidFill>
-                          <a:highlight>
-                            <a:srgbClr val="FFFF00"/>
-                          </a:highlight>
-                          <a:latin typeface="AdobeClean-Light"/>
-                          <a:cs typeface="AdobeClean-Light"/>
-                        </a:rPr>
-                        <a:t> </a:t>
-                      </a:r>
-                      <a:r>
-                        <a:rPr sz="900" spc="0" dirty="0">
-                          <a:solidFill>
-                            <a:srgbClr val="020302"/>
-                          </a:solidFill>
-                          <a:highlight>
-                            <a:srgbClr val="FFFF00"/>
-                          </a:highlight>
-                          <a:latin typeface="AdobeClean-Light"/>
-                          <a:cs typeface="AdobeClean-Light"/>
-                        </a:rPr>
-                        <a:t>minutes</a:t>
-                      </a:r>
-                      <a:endParaRPr sz="900" spc="0" dirty="0">
-                        <a:highlight>
-                          <a:srgbClr val="FFFF00"/>
-                        </a:highlight>
-                        <a:latin typeface="AdobeClean-Light"/>
-                        <a:cs typeface="AdobeClean-Light"/>
-                      </a:endParaRPr>
                     </a:p>
                   </a:txBody>
                   <a:tcPr marL="0" marR="0" marT="0" marB="0" anchor="ctr">
@@ -7904,7 +7023,7 @@
                         </a:spcBef>
                       </a:pPr>
                       <a:r>
-                        <a:rPr sz="900" spc="0" dirty="0">
+                        <a:rPr lang="es-ES" sz="900">
                           <a:solidFill>
                             <a:srgbClr val="020302"/>
                           </a:solidFill>
@@ -7914,67 +7033,8 @@
                           <a:latin typeface="AdobeClean-Light"/>
                           <a:cs typeface="AdobeClean-Light"/>
                         </a:rPr>
-                        <a:t>24x7 / </a:t>
+                        <a:t>24x7 /         15 minutos</a:t>
                       </a:r>
-                      <a:r>
-                        <a:rPr lang="en-US" sz="900" spc="0" dirty="0">
-                          <a:solidFill>
-                            <a:srgbClr val="020302"/>
-                          </a:solidFill>
-                          <a:highlight>
-                            <a:srgbClr val="FFFF00"/>
-                          </a:highlight>
-                          <a:latin typeface="AdobeClean-Light"/>
-                          <a:cs typeface="AdobeClean-Light"/>
-                        </a:rPr>
-                        <a:t>       </a:t>
-                      </a:r>
-                      <a:r>
-                        <a:rPr sz="900" spc="0" dirty="0">
-                          <a:solidFill>
-                            <a:srgbClr val="020302"/>
-                          </a:solidFill>
-                          <a:highlight>
-                            <a:srgbClr val="FFFF00"/>
-                          </a:highlight>
-                          <a:latin typeface="AdobeClean-Light"/>
-                          <a:cs typeface="AdobeClean-Light"/>
-                        </a:rPr>
-                        <a:t> 15</a:t>
-                      </a:r>
-                      <a:r>
-                        <a:rPr lang="en-US" sz="900" spc="0" dirty="0">
-                          <a:solidFill>
-                            <a:srgbClr val="020302"/>
-                          </a:solidFill>
-                          <a:highlight>
-                            <a:srgbClr val="FFFF00"/>
-                          </a:highlight>
-                          <a:latin typeface="AdobeClean-Light"/>
-                          <a:cs typeface="AdobeClean-Light"/>
-                        </a:rPr>
-                        <a:t> </a:t>
-                      </a:r>
-                      <a:r>
-                        <a:rPr sz="900" spc="0" dirty="0">
-                          <a:solidFill>
-                            <a:srgbClr val="020302"/>
-                          </a:solidFill>
-                          <a:highlight>
-                            <a:srgbClr val="FFFF00"/>
-                          </a:highlight>
-                          <a:latin typeface="AdobeClean-Light"/>
-                          <a:cs typeface="AdobeClean-Light"/>
-                        </a:rPr>
-                        <a:t>minutes</a:t>
-                      </a:r>
-                      <a:endParaRPr sz="900" spc="0" dirty="0">
-                        <a:highlight>
-                          <a:srgbClr val="FFFF00"/>
-                        </a:highlight>
-                        <a:latin typeface="AdobeClean-Light"/>
-                        <a:cs typeface="AdobeClean-Light"/>
-                      </a:endParaRPr>
                     </a:p>
                   </a:txBody>
                   <a:tcPr marL="0" marR="0" marT="0" marB="0" anchor="ctr">
@@ -8025,19 +7085,15 @@
                         </a:spcBef>
                       </a:pPr>
                       <a:r>
-                        <a:rPr sz="900" b="1" spc="0" dirty="0">
+                        <a:rPr lang="es-ES" sz="850" b="1" dirty="0">
                           <a:solidFill>
                             <a:srgbClr val="020302"/>
                           </a:solidFill>
                           <a:latin typeface="Adobe Clean"/>
                           <a:cs typeface="Adobe Clean"/>
                         </a:rPr>
-                        <a:t>PRIORITY 2</a:t>
+                        <a:t>PRIORIDAD 2</a:t>
                       </a:r>
-                      <a:endParaRPr sz="900" spc="0" dirty="0">
-                        <a:latin typeface="Adobe Clean"/>
-                        <a:cs typeface="Adobe Clean"/>
-                      </a:endParaRPr>
                     </a:p>
                     <a:p>
                       <a:pPr marL="50165" marR="203200" indent="0" defTabSz="914400" eaLnBrk="1" fontAlgn="auto" latinLnBrk="0" hangingPunct="1">
@@ -8058,19 +7114,14 @@
                         <a:defRPr/>
                       </a:pPr>
                       <a:r>
-                        <a:rPr lang="en-US" sz="900" b="0" i="0" spc="0" dirty="0">
+                        <a:rPr lang="es-ES" sz="850" b="0" i="0" dirty="0">
                           <a:solidFill>
                             <a:srgbClr val="000000"/>
                           </a:solidFill>
-                          <a:effectLst/>
                           <a:latin typeface="Adobe Clean Light" panose="020B0303020404020204" pitchFamily="34" charset="0"/>
                         </a:rPr>
-                        <a:t>Customer's business functions have major service degradation or potential data loss, or a major feature is impacted.  </a:t>
+                        <a:t>Las funciones empresariales del cliente presentan degradaciones importantes del servicio o hay una posible pérdida de datos, o una función clave se está viendo afectada.  </a:t>
                       </a:r>
-                      <a:endParaRPr sz="900" b="0" i="0" spc="0" dirty="0">
-                        <a:latin typeface="Adobe Clean Light" panose="020B0303020404020204" pitchFamily="34" charset="0"/>
-                        <a:cs typeface="AdobeClean-Light"/>
-                      </a:endParaRPr>
                     </a:p>
                   </a:txBody>
                   <a:tcPr marL="0" marR="0" marT="0" marB="0" anchor="ctr">
@@ -8117,7 +7168,7 @@
                         </a:spcBef>
                       </a:pPr>
                       <a:r>
-                        <a:rPr lang="en-US" sz="900" spc="0" dirty="0">
+                        <a:rPr lang="es-ES" sz="900">
                           <a:solidFill>
                             <a:srgbClr val="020302"/>
                           </a:solidFill>
@@ -8137,19 +7188,15 @@
                         </a:spcBef>
                       </a:pPr>
                       <a:r>
-                        <a:rPr lang="en-US" sz="900" spc="0" dirty="0">
+                        <a:rPr lang="es-ES" sz="900">
                           <a:solidFill>
                             <a:srgbClr val="020302"/>
                           </a:solidFill>
                           <a:latin typeface="AdobeClean-Light"/>
                           <a:cs typeface="AdobeClean-Light"/>
                         </a:rPr>
-                        <a:t>     1 hour</a:t>
+                        <a:t>     1 hora</a:t>
                       </a:r>
-                      <a:endParaRPr lang="en-US" sz="900" spc="0" dirty="0">
-                        <a:latin typeface="AdobeClean-Light"/>
-                        <a:cs typeface="AdobeClean-Light"/>
-                      </a:endParaRPr>
                     </a:p>
                   </a:txBody>
                   <a:tcPr marL="0" marR="0" marT="0" marB="0" anchor="ctr">
@@ -8184,7 +7231,7 @@
                     <a:bodyPr/>
                     <a:lstStyle/>
                     <a:p>
-                      <a:pPr marL="0" marR="184785" indent="-194310" algn="ctr">
+                      <a:pPr marL="0" marR="184785" indent="-194310" algn="l" rtl="0">
                         <a:lnSpc>
                           <a:spcPct val="100000"/>
                         </a:lnSpc>
@@ -8236,7 +7283,7 @@
                     <a:bodyPr/>
                     <a:lstStyle/>
                     <a:p>
-                      <a:pPr marL="0" marR="325755" indent="-5715" algn="ctr">
+                      <a:pPr marL="0" marR="325755" indent="-5715" algn="l" rtl="0">
                         <a:lnSpc>
                           <a:spcPct val="100000"/>
                         </a:lnSpc>
@@ -8285,7 +7332,7 @@
                     <a:bodyPr/>
                     <a:lstStyle/>
                     <a:p>
-                      <a:pPr marL="0" marR="259079" indent="111760" algn="ctr">
+                      <a:pPr marL="0" marR="259079" indent="111760" algn="l" rtl="0">
                         <a:lnSpc>
                           <a:spcPct val="100000"/>
                         </a:lnSpc>
@@ -8350,29 +7397,15 @@
                         </a:spcBef>
                       </a:pPr>
                       <a:r>
-                        <a:rPr sz="900" b="1" spc="0" dirty="0">
+                        <a:rPr lang="es-ES" sz="850" b="1" dirty="0">
                           <a:solidFill>
                             <a:srgbClr val="020302"/>
                           </a:solidFill>
                           <a:latin typeface="Adobe Clean"/>
                           <a:cs typeface="Adobe Clean"/>
                         </a:rPr>
-                        <a:t>PRIORITY</a:t>
+                        <a:t>PRIORIDAD 3</a:t>
                       </a:r>
-                      <a:r>
-                        <a:rPr lang="en-US" sz="900" b="1" spc="0" dirty="0">
-                          <a:solidFill>
-                            <a:srgbClr val="020302"/>
-                          </a:solidFill>
-                          <a:latin typeface="Adobe Clean"/>
-                          <a:cs typeface="Adobe Clean"/>
-                        </a:rPr>
-                        <a:t> 3</a:t>
-                      </a:r>
-                      <a:endParaRPr lang="en-US" sz="900" spc="0" dirty="0">
-                        <a:latin typeface="Adobe Clean"/>
-                        <a:cs typeface="Adobe Clean"/>
-                      </a:endParaRPr>
                     </a:p>
                     <a:p>
                       <a:pPr marL="49530" marR="212090" indent="-2540" defTabSz="914400" eaLnBrk="1" fontAlgn="auto" latinLnBrk="0" hangingPunct="1">
@@ -8393,26 +7426,21 @@
                         <a:defRPr/>
                       </a:pPr>
                       <a:r>
-                        <a:rPr kumimoji="0" lang="en-US" sz="900" b="0" i="0" u="none" strike="noStrike" kern="1200" cap="none" spc="0" normalizeH="0" baseline="0" noProof="0" dirty="0">
+                        <a:rPr kumimoji="0" lang="es-ES" sz="850" b="0" i="0" u="none" strike="noStrike" cap="none" normalizeH="0" baseline="0" noProof="0" dirty="0">
                           <a:ln>
                             <a:noFill/>
                           </a:ln>
                           <a:solidFill>
                             <a:srgbClr val="000000"/>
                           </a:solidFill>
-                          <a:effectLst/>
                           <a:uLnTx/>
                           <a:uFillTx/>
                           <a:latin typeface="Adobe Clean Light" panose="020B0303020404020204" pitchFamily="34" charset="0"/>
                           <a:ea typeface="+mn-ea"/>
                           <a:cs typeface="+mn-cs"/>
                         </a:rPr>
-                        <a:t>Customer's business functions have minor service degradation but there exists a solution/workaround allowing business functions to continue normally. </a:t>
+                        <a:t>Las funciones empresariales del cliente presentan una menor degradación del servicio, pero existe una solución que permite que las funciones empresariales sigan funcionando con normalidad. </a:t>
                       </a:r>
-                      <a:endParaRPr lang="en-US" sz="900" b="0" i="0" spc="0" dirty="0">
-                        <a:latin typeface="Adobe Clean Light" panose="020B0303020404020204" pitchFamily="34" charset="0"/>
-                        <a:cs typeface="AdobeClean-Light"/>
-                      </a:endParaRPr>
                     </a:p>
                   </a:txBody>
                   <a:tcPr marL="0" marR="0" marT="0" marB="0" anchor="ctr">
@@ -8462,14 +7490,14 @@
                         </a:tabLst>
                       </a:pPr>
                       <a:r>
-                        <a:rPr lang="en-US" sz="900" spc="0" dirty="0">
+                        <a:rPr lang="es-ES" sz="900">
                           <a:solidFill>
                             <a:srgbClr val="020302"/>
                           </a:solidFill>
                           <a:latin typeface="AdobeClean-Light"/>
                           <a:cs typeface="AdobeClean-Light"/>
                         </a:rPr>
-                        <a:t>Business day /   </a:t>
+                        <a:t>Día laborable /   </a:t>
                       </a:r>
                     </a:p>
                     <a:p>
@@ -8482,19 +7510,15 @@
                         </a:spcBef>
                       </a:pPr>
                       <a:r>
-                        <a:rPr lang="en-US" sz="900" spc="0" dirty="0">
+                        <a:rPr lang="es-ES" sz="900">
                           <a:solidFill>
                             <a:srgbClr val="020302"/>
                           </a:solidFill>
                           <a:latin typeface="AdobeClean-Light"/>
                           <a:cs typeface="AdobeClean-Light"/>
                         </a:rPr>
-                        <a:t>4 hours</a:t>
+                        <a:t>4 horas</a:t>
                       </a:r>
-                      <a:endParaRPr lang="en-US" sz="900" spc="0" dirty="0">
-                        <a:latin typeface="AdobeClean-Light"/>
-                        <a:cs typeface="AdobeClean-Light"/>
-                      </a:endParaRPr>
                     </a:p>
                   </a:txBody>
                   <a:tcPr marL="0" marR="0" marT="0" marB="0" anchor="ctr">
@@ -8529,7 +7553,7 @@
                     <a:bodyPr/>
                     <a:lstStyle/>
                     <a:p>
-                      <a:pPr marL="0" marR="185420" indent="-193675" algn="ctr">
+                      <a:pPr marL="0" marR="185420" indent="-193675" algn="l" rtl="0">
                         <a:lnSpc>
                           <a:spcPct val="100000"/>
                         </a:lnSpc>
@@ -8581,7 +7605,7 @@
                     <a:bodyPr/>
                     <a:lstStyle/>
                     <a:p>
-                      <a:pPr marL="0" marR="184785" indent="-194310" algn="ctr">
+                      <a:pPr marL="0" marR="184785" indent="-194310" algn="l" rtl="0">
                         <a:lnSpc>
                           <a:spcPct val="100000"/>
                         </a:lnSpc>
@@ -8630,7 +7654,7 @@
                     <a:bodyPr/>
                     <a:lstStyle/>
                     <a:p>
-                      <a:pPr marL="0" marR="326390" indent="-5715" algn="ctr">
+                      <a:pPr marL="0" marR="326390" indent="-5715" algn="l" rtl="0">
                         <a:lnSpc>
                           <a:spcPct val="100000"/>
                         </a:lnSpc>
@@ -8695,19 +7719,15 @@
                         </a:spcBef>
                       </a:pPr>
                       <a:r>
-                        <a:rPr sz="900" b="1" spc="0" dirty="0">
+                        <a:rPr lang="es-ES" sz="850" b="1" dirty="0">
                           <a:solidFill>
                             <a:srgbClr val="020302"/>
                           </a:solidFill>
                           <a:latin typeface="Adobe Clean"/>
                           <a:cs typeface="Adobe Clean"/>
                         </a:rPr>
-                        <a:t>PRIORITY 4</a:t>
+                        <a:t>PRIORIDAD 4</a:t>
                       </a:r>
-                      <a:endParaRPr sz="900" spc="0" dirty="0">
-                        <a:latin typeface="Adobe Clean"/>
-                        <a:cs typeface="Adobe Clean"/>
-                      </a:endParaRPr>
                     </a:p>
                     <a:p>
                       <a:pPr marL="48895" marR="0" indent="0" defTabSz="914400" eaLnBrk="1" fontAlgn="auto" latinLnBrk="0" hangingPunct="1">
@@ -8728,19 +7748,14 @@
                         <a:defRPr/>
                       </a:pPr>
                       <a:r>
-                        <a:rPr lang="en-US" sz="900" b="0" i="0" spc="0" dirty="0">
+                        <a:rPr lang="es-ES" sz="850" b="0" i="0" dirty="0">
                           <a:solidFill>
                             <a:srgbClr val="000000"/>
                           </a:solidFill>
-                          <a:effectLst/>
                           <a:latin typeface="Adobe Clean Light" panose="020B0303020404020204" pitchFamily="34" charset="0"/>
                         </a:rPr>
-                        <a:t>General question regarding current product functionality or an enhancement request.</a:t>
+                        <a:t>Pregunta general sobre la funcionalidad actual del producto o una solicitud de mejora.</a:t>
                       </a:r>
-                      <a:endParaRPr sz="900" b="0" i="0" spc="0" dirty="0">
-                        <a:latin typeface="Adobe Clean Light" panose="020B0303020404020204" pitchFamily="34" charset="0"/>
-                        <a:cs typeface="AdobeClean-Light"/>
-                      </a:endParaRPr>
                     </a:p>
                   </a:txBody>
                   <a:tcPr marL="0" marR="0" marT="0" marB="0" anchor="ctr">
@@ -8790,14 +7805,14 @@
                         </a:tabLst>
                       </a:pPr>
                       <a:r>
-                        <a:rPr lang="en-US" sz="900" spc="0" dirty="0">
+                        <a:rPr lang="es-ES" sz="900" dirty="0">
                           <a:solidFill>
                             <a:srgbClr val="020302"/>
                           </a:solidFill>
                           <a:latin typeface="AdobeClean-Light"/>
                           <a:cs typeface="AdobeClean-Light"/>
                         </a:rPr>
-                        <a:t>  Business day /   </a:t>
+                        <a:t>  Día laborable /   </a:t>
                       </a:r>
                     </a:p>
                     <a:p>
@@ -8810,19 +7825,15 @@
                         </a:spcBef>
                       </a:pPr>
                       <a:r>
-                        <a:rPr lang="en-US" sz="900" spc="0" dirty="0">
+                        <a:rPr lang="es-ES" sz="900" dirty="0">
                           <a:solidFill>
                             <a:srgbClr val="020302"/>
                           </a:solidFill>
                           <a:latin typeface="AdobeClean-Light"/>
                           <a:cs typeface="AdobeClean-Light"/>
                         </a:rPr>
-                        <a:t>1 day </a:t>
+                        <a:t>1 día </a:t>
                       </a:r>
-                      <a:endParaRPr lang="en-US" sz="900" spc="0" dirty="0">
-                        <a:latin typeface="AdobeClean-Light"/>
-                        <a:cs typeface="AdobeClean-Light"/>
-                      </a:endParaRPr>
                     </a:p>
                   </a:txBody>
                   <a:tcPr marL="0" marR="0" marT="0" marB="0" anchor="ctr">
@@ -8857,7 +7868,7 @@
                     <a:bodyPr/>
                     <a:lstStyle/>
                     <a:p>
-                      <a:pPr marL="0" marR="223520" indent="-202565" algn="ctr">
+                      <a:pPr marL="0" marR="223520" indent="-202565" algn="l" rtl="0">
                         <a:lnSpc>
                           <a:spcPct val="100000"/>
                         </a:lnSpc>
@@ -8909,7 +7920,7 @@
                     <a:bodyPr/>
                     <a:lstStyle/>
                     <a:p>
-                      <a:pPr marL="0" marR="223520" indent="-202565" algn="ctr">
+                      <a:pPr marL="0" marR="223520" indent="-202565" algn="l" rtl="0">
                         <a:lnSpc>
                           <a:spcPct val="100000"/>
                         </a:lnSpc>
@@ -8958,7 +7969,7 @@
                     <a:bodyPr/>
                     <a:lstStyle/>
                     <a:p>
-                      <a:pPr marL="0" marR="223520" indent="-202565" algn="ctr">
+                      <a:pPr marL="0" marR="223520" indent="-202565" algn="l" rtl="0">
                         <a:lnSpc>
                           <a:spcPct val="100000"/>
                         </a:lnSpc>
@@ -9100,19 +8111,15 @@
               </a:spcBef>
             </a:pPr>
             <a:r>
-              <a:rPr lang="en-US" sz="1400" b="1" spc="-10" dirty="0">
+              <a:rPr lang="es-ES" sz="1400" b="1">
                 <a:solidFill>
                   <a:srgbClr val="020302"/>
                 </a:solidFill>
                 <a:latin typeface="Adobe Clean"/>
                 <a:cs typeface="Adobe Clean"/>
               </a:rPr>
-              <a:t>Enterprise Support Features</a:t>
+              <a:t>Funciones de soporte Enterprise</a:t>
             </a:r>
-            <a:endParaRPr lang="en-US" sz="1400" dirty="0">
-              <a:latin typeface="Adobe Clean"/>
-              <a:cs typeface="Adobe Clean"/>
-            </a:endParaRPr>
           </a:p>
         </p:txBody>
       </p:sp>
@@ -9130,8 +8137,8 @@
         </p:nvSpPr>
         <p:spPr>
           <a:xfrm>
-            <a:off x="2176351" y="4316581"/>
-            <a:ext cx="1036205" cy="197490"/>
+            <a:off x="2036651" y="4316581"/>
+            <a:ext cx="1436799" cy="182101"/>
           </a:xfrm>
           <a:prstGeom prst="rect">
             <a:avLst/>
@@ -9152,149 +8159,15 @@
               </a:spcBef>
             </a:pPr>
             <a:r>
-              <a:rPr sz="1200" b="1" spc="-20" dirty="0">
+              <a:rPr lang="es-ES" sz="1100" b="1" dirty="0">
                 <a:solidFill>
                   <a:srgbClr val="020302"/>
                 </a:solidFill>
                 <a:latin typeface="Adobe Clean"/>
                 <a:cs typeface="Adobe Clean"/>
               </a:rPr>
-              <a:t>S</a:t>
+              <a:t>Revisiones del servicio</a:t>
             </a:r>
-            <a:r>
-              <a:rPr sz="1200" b="1" spc="-25" dirty="0">
-                <a:solidFill>
-                  <a:srgbClr val="020302"/>
-                </a:solidFill>
-                <a:latin typeface="Adobe Clean"/>
-                <a:cs typeface="Adobe Clean"/>
-              </a:rPr>
-              <a:t>e</a:t>
-            </a:r>
-            <a:r>
-              <a:rPr sz="1200" b="1" spc="-20" dirty="0">
-                <a:solidFill>
-                  <a:srgbClr val="020302"/>
-                </a:solidFill>
-                <a:latin typeface="Adobe Clean"/>
-                <a:cs typeface="Adobe Clean"/>
-              </a:rPr>
-              <a:t>r</a:t>
-            </a:r>
-            <a:r>
-              <a:rPr sz="1200" b="1" spc="-25" dirty="0">
-                <a:solidFill>
-                  <a:srgbClr val="020302"/>
-                </a:solidFill>
-                <a:latin typeface="Adobe Clean"/>
-                <a:cs typeface="Adobe Clean"/>
-              </a:rPr>
-              <a:t>v</a:t>
-            </a:r>
-            <a:r>
-              <a:rPr sz="1200" b="1" spc="-20" dirty="0">
-                <a:solidFill>
-                  <a:srgbClr val="020302"/>
-                </a:solidFill>
-                <a:latin typeface="Adobe Clean"/>
-                <a:cs typeface="Adobe Clean"/>
-              </a:rPr>
-              <a:t>i</a:t>
-            </a:r>
-            <a:r>
-              <a:rPr sz="1200" b="1" spc="-30" dirty="0">
-                <a:solidFill>
-                  <a:srgbClr val="020302"/>
-                </a:solidFill>
-                <a:latin typeface="Adobe Clean"/>
-                <a:cs typeface="Adobe Clean"/>
-              </a:rPr>
-              <a:t>c</a:t>
-            </a:r>
-            <a:r>
-              <a:rPr sz="1200" b="1" dirty="0">
-                <a:solidFill>
-                  <a:srgbClr val="020302"/>
-                </a:solidFill>
-                <a:latin typeface="Adobe Clean"/>
-                <a:cs typeface="Adobe Clean"/>
-              </a:rPr>
-              <a:t>e</a:t>
-            </a:r>
-            <a:r>
-              <a:rPr sz="1200" b="1" spc="-80" dirty="0">
-                <a:solidFill>
-                  <a:srgbClr val="020302"/>
-                </a:solidFill>
-                <a:latin typeface="Adobe Clean"/>
-                <a:cs typeface="Adobe Clean"/>
-              </a:rPr>
-              <a:t> </a:t>
-            </a:r>
-            <a:r>
-              <a:rPr sz="1200" b="1" spc="-20" dirty="0">
-                <a:solidFill>
-                  <a:srgbClr val="020302"/>
-                </a:solidFill>
-                <a:latin typeface="Adobe Clean"/>
-                <a:cs typeface="Adobe Clean"/>
-              </a:rPr>
-              <a:t>R</a:t>
-            </a:r>
-            <a:r>
-              <a:rPr sz="1200" b="1" spc="-25" dirty="0">
-                <a:solidFill>
-                  <a:srgbClr val="020302"/>
-                </a:solidFill>
-                <a:latin typeface="Adobe Clean"/>
-                <a:cs typeface="Adobe Clean"/>
-              </a:rPr>
-              <a:t>e</a:t>
-            </a:r>
-            <a:r>
-              <a:rPr sz="1200" b="1" spc="-30" dirty="0">
-                <a:solidFill>
-                  <a:srgbClr val="020302"/>
-                </a:solidFill>
-                <a:latin typeface="Adobe Clean"/>
-                <a:cs typeface="Adobe Clean"/>
-              </a:rPr>
-              <a:t>v</a:t>
-            </a:r>
-            <a:r>
-              <a:rPr sz="1200" b="1" spc="-20" dirty="0">
-                <a:solidFill>
-                  <a:srgbClr val="020302"/>
-                </a:solidFill>
-                <a:latin typeface="Adobe Clean"/>
-                <a:cs typeface="Adobe Clean"/>
-              </a:rPr>
-              <a:t>i</a:t>
-            </a:r>
-            <a:r>
-              <a:rPr sz="1200" b="1" spc="-25" dirty="0">
-                <a:solidFill>
-                  <a:srgbClr val="020302"/>
-                </a:solidFill>
-                <a:latin typeface="Adobe Clean"/>
-                <a:cs typeface="Adobe Clean"/>
-              </a:rPr>
-              <a:t>ew</a:t>
-            </a:r>
-            <a:r>
-              <a:rPr sz="1200" b="1" dirty="0">
-                <a:solidFill>
-                  <a:srgbClr val="020302"/>
-                </a:solidFill>
-                <a:latin typeface="Adobe Clean"/>
-                <a:cs typeface="Adobe Clean"/>
-              </a:rPr>
-              <a:t>s</a:t>
-            </a:r>
-            <a:endParaRPr sz="1200" dirty="0">
-              <a:latin typeface="Adobe Clean"/>
-              <a:cs typeface="Adobe Clean"/>
-            </a:endParaRPr>
           </a:p>
         </p:txBody>
       </p:sp>
@@ -9312,8 +8185,8 @@
         </p:nvSpPr>
         <p:spPr>
           <a:xfrm>
-            <a:off x="1735472" y="4623962"/>
-            <a:ext cx="1985957" cy="782265"/>
+            <a:off x="1595772" y="4623962"/>
+            <a:ext cx="2150728" cy="705321"/>
           </a:xfrm>
           <a:prstGeom prst="rect">
             <a:avLst/>
@@ -9334,15 +8207,11 @@
               </a:spcBef>
             </a:pPr>
             <a:r>
-              <a:rPr lang="en-US" sz="1000" dirty="0">
+              <a:rPr lang="es-ES" sz="900" dirty="0">
                 <a:latin typeface="Adobe Clean Light" panose="020B0303020404020204" pitchFamily="34" charset="0"/>
               </a:rPr>
-              <a:t>Comprehensive bi-annual review of Enterprise program services, benefits and support performance. May be combined with other strategic business reviews held with Adobe.</a:t>
+              <a:t>Una revisión bianual completa de los servicios, los beneficios y las métricas de soporte del programa Enterprise. Puede combinarse con otras revisiones empresariales estratégicas realizadas con Adobe.</a:t>
             </a:r>
-            <a:endParaRPr lang="en-US" sz="1000" dirty="0">
-              <a:latin typeface="Adobe Clean Light" panose="020B0303020404020204" pitchFamily="34" charset="0"/>
-              <a:cs typeface="AdobeClean-Light"/>
-            </a:endParaRPr>
           </a:p>
         </p:txBody>
       </p:sp>
@@ -9360,8 +8229,8 @@
         </p:nvSpPr>
         <p:spPr>
           <a:xfrm>
-            <a:off x="5784382" y="2687853"/>
-            <a:ext cx="1036205" cy="197490"/>
+            <a:off x="5676432" y="2687853"/>
+            <a:ext cx="1642838" cy="182101"/>
           </a:xfrm>
           <a:prstGeom prst="rect">
             <a:avLst/>
@@ -9382,99 +8251,15 @@
               </a:spcBef>
             </a:pPr>
             <a:r>
-              <a:rPr lang="en-US" sz="1200" b="1" spc="-20" dirty="0">
+              <a:rPr lang="es-ES" sz="1100" b="1" dirty="0">
                 <a:solidFill>
                   <a:srgbClr val="020302"/>
                 </a:solidFill>
                 <a:latin typeface="Adobe Clean"/>
                 <a:cs typeface="Adobe Clean"/>
               </a:rPr>
-              <a:t>Cas</a:t>
+              <a:t>Reseñas de casos</a:t>
             </a:r>
-            <a:r>
-              <a:rPr sz="1200" b="1" dirty="0">
-                <a:solidFill>
-                  <a:srgbClr val="020302"/>
-                </a:solidFill>
-                <a:latin typeface="Adobe Clean"/>
-                <a:cs typeface="Adobe Clean"/>
-              </a:rPr>
-              <a:t>e</a:t>
-            </a:r>
-            <a:r>
-              <a:rPr sz="1200" b="1" spc="-80" dirty="0">
-                <a:solidFill>
-                  <a:srgbClr val="020302"/>
-                </a:solidFill>
-                <a:latin typeface="Adobe Clean"/>
-                <a:cs typeface="Adobe Clean"/>
-              </a:rPr>
-              <a:t> </a:t>
-            </a:r>
-            <a:r>
-              <a:rPr sz="1200" b="1" spc="-20" dirty="0">
-                <a:solidFill>
-                  <a:srgbClr val="020302"/>
-                </a:solidFill>
-                <a:latin typeface="Adobe Clean"/>
-                <a:cs typeface="Adobe Clean"/>
-              </a:rPr>
-              <a:t>R</a:t>
-            </a:r>
-            <a:r>
-              <a:rPr sz="1200" b="1" spc="-25" dirty="0">
-                <a:solidFill>
-                  <a:srgbClr val="020302"/>
-                </a:solidFill>
-                <a:latin typeface="Adobe Clean"/>
-                <a:cs typeface="Adobe Clean"/>
-              </a:rPr>
-              <a:t>e</a:t>
-            </a:r>
-            <a:r>
-              <a:rPr sz="1200" b="1" spc="-30" dirty="0">
-                <a:solidFill>
-                  <a:srgbClr val="020302"/>
-                </a:solidFill>
-                <a:latin typeface="Adobe Clean"/>
-                <a:cs typeface="Adobe Clean"/>
-              </a:rPr>
-              <a:t>v</a:t>
-            </a:r>
-            <a:r>
-              <a:rPr sz="1200" b="1" spc="-20" dirty="0">
-                <a:solidFill>
-                  <a:srgbClr val="020302"/>
-                </a:solidFill>
-                <a:latin typeface="Adobe Clean"/>
-                <a:cs typeface="Adobe Clean"/>
-              </a:rPr>
-              <a:t>i</a:t>
-            </a:r>
-            <a:r>
-              <a:rPr sz="1200" b="1" spc="-25" dirty="0">
-                <a:solidFill>
-                  <a:srgbClr val="020302"/>
-                </a:solidFill>
-                <a:latin typeface="Adobe Clean"/>
-                <a:cs typeface="Adobe Clean"/>
-              </a:rPr>
-              <a:t>ew</a:t>
-            </a:r>
-            <a:r>
-              <a:rPr sz="1200" b="1" dirty="0">
-                <a:solidFill>
-                  <a:srgbClr val="020302"/>
-                </a:solidFill>
-                <a:latin typeface="Adobe Clean"/>
-                <a:cs typeface="Adobe Clean"/>
-              </a:rPr>
-              <a:t>s</a:t>
-            </a:r>
-            <a:endParaRPr sz="1200" dirty="0">
-              <a:latin typeface="Adobe Clean"/>
-              <a:cs typeface="Adobe Clean"/>
-            </a:endParaRPr>
           </a:p>
         </p:txBody>
       </p:sp>
@@ -9492,8 +8277,8 @@
         </p:nvSpPr>
         <p:spPr>
           <a:xfrm>
-            <a:off x="5356260" y="3033091"/>
-            <a:ext cx="2231236" cy="782265"/>
+            <a:off x="5248310" y="3033091"/>
+            <a:ext cx="2301840" cy="843821"/>
           </a:xfrm>
           <a:prstGeom prst="rect">
             <a:avLst/>
@@ -9514,13 +8299,13 @@
               </a:spcBef>
             </a:pPr>
             <a:r>
-              <a:rPr lang="en-US" sz="1000" dirty="0">
+              <a:rPr lang="es-ES" sz="900" dirty="0">
                 <a:latin typeface="Adobe Clean Light" panose="020B0303020404020204" pitchFamily="34" charset="0"/>
               </a:rPr>
-              <a:t>Regularly scheduled reviews of open support requests, ensuring customer alignment on case description, business impact, status, priority and agreement on next steps required to ensure a timely resolution</a:t>
+              <a:t>Revisiones programadas periódicas de las solicitudes de soporte abiertas, lo que garantiza la alineación del cliente en la descripción de casos, el impacto empresarial, el estado, la prioridad y el acuerdo en cuanto a los siguientes pasos necesarios para garantizar una solución apropiada</a:t>
             </a:r>
             <a:r>
-              <a:rPr lang="en-US" sz="1000" dirty="0">
+              <a:rPr lang="es-ES" sz="900" dirty="0">
                 <a:solidFill>
                   <a:srgbClr val="4B4B4B"/>
                 </a:solidFill>
@@ -9528,10 +8313,6 @@
               </a:rPr>
               <a:t>.</a:t>
             </a:r>
-            <a:endParaRPr sz="1000" dirty="0">
-              <a:latin typeface="Adobe Clean Light" panose="020B0303020404020204" pitchFamily="34" charset="0"/>
-              <a:cs typeface="AdobeClean-Light"/>
-            </a:endParaRPr>
           </a:p>
         </p:txBody>
       </p:sp>
@@ -9675,9 +8456,9 @@
           <p:nvPr/>
         </p:nvSpPr>
         <p:spPr>
-          <a:xfrm>
-            <a:off x="449714" y="6221752"/>
-            <a:ext cx="1957022" cy="45719"/>
+          <a:xfrm flipV="1">
+            <a:off x="449714" y="6176033"/>
+            <a:ext cx="2440040" cy="45719"/>
           </a:xfrm>
           <a:custGeom>
             <a:avLst/>
@@ -9746,19 +8527,15 @@
               </a:spcBef>
             </a:pPr>
             <a:r>
-              <a:rPr lang="en-US" sz="1400" b="1" spc="-10" dirty="0">
+              <a:rPr lang="es-ES" sz="1400" b="1">
                 <a:solidFill>
                   <a:srgbClr val="020302"/>
                 </a:solidFill>
                 <a:latin typeface="Adobe Clean"/>
                 <a:cs typeface="Adobe Clean"/>
               </a:rPr>
-              <a:t>Standard Support Features</a:t>
+              <a:t>Funciones de soporte Standard</a:t>
             </a:r>
-            <a:endParaRPr lang="en-US" sz="1400" dirty="0">
-              <a:latin typeface="Adobe Clean"/>
-              <a:cs typeface="Adobe Clean"/>
-            </a:endParaRPr>
           </a:p>
         </p:txBody>
       </p:sp>
@@ -9921,8 +8698,8 @@
         </p:nvSpPr>
         <p:spPr>
           <a:xfrm>
-            <a:off x="4475200" y="4313460"/>
-            <a:ext cx="1827285" cy="197490"/>
+            <a:off x="4335501" y="4243610"/>
+            <a:ext cx="1422520" cy="351378"/>
           </a:xfrm>
           <a:prstGeom prst="rect">
             <a:avLst/>
@@ -9943,18 +8720,15 @@
               </a:spcBef>
             </a:pPr>
             <a:r>
-              <a:rPr lang="en-US" sz="1200" b="1" spc="-20">
+              <a:rPr lang="es-ES" sz="1100" b="1" dirty="0">
                 <a:solidFill>
                   <a:srgbClr val="020302"/>
                 </a:solidFill>
                 <a:latin typeface="Adobe Clean"/>
                 <a:cs typeface="Adobe Clean"/>
               </a:rPr>
-              <a:t>In-Region Support Option</a:t>
+              <a:t>Opción de soporte en la misma región</a:t>
             </a:r>
-            <a:endParaRPr lang="en-US" sz="1200">
-              <a:latin typeface="Adobe Clean"/>
-            </a:endParaRPr>
           </a:p>
         </p:txBody>
       </p:sp>
@@ -9972,8 +8746,8 @@
         </p:nvSpPr>
         <p:spPr>
           <a:xfrm>
-            <a:off x="4083049" y="4621777"/>
-            <a:ext cx="2151796" cy="628377"/>
+            <a:off x="3943348" y="4621777"/>
+            <a:ext cx="2489201" cy="428322"/>
           </a:xfrm>
           <a:prstGeom prst="rect">
             <a:avLst/>
@@ -9994,10 +8768,10 @@
               </a:spcBef>
             </a:pPr>
             <a:r>
-              <a:rPr lang="en-US" sz="1000" dirty="0">
+              <a:rPr lang="es-ES" sz="900" dirty="0">
                 <a:latin typeface="Adobe Clean Light" panose="020B0303020404020204" pitchFamily="34" charset="0"/>
               </a:rPr>
-              <a:t>Receive support from members of our Adobe Support Team located within your global region. This may include in-country and/or in-language support. </a:t>
+              <a:t>Reciba el apoyo de los miembros de nuestro equipo de Soporte de Adobe localizado en su región global. Puede incluir soporte en su país y/o idioma. </a:t>
             </a:r>
           </a:p>
         </p:txBody>
@@ -10073,8 +8847,8 @@
         </p:nvSpPr>
         <p:spPr>
           <a:xfrm>
-            <a:off x="832813" y="6847686"/>
-            <a:ext cx="1326203" cy="184666"/>
+            <a:off x="832813" y="6808761"/>
+            <a:ext cx="1510337" cy="169277"/>
           </a:xfrm>
           <a:prstGeom prst="rect">
             <a:avLst/>
@@ -10095,12 +8869,12 @@
               </a:spcAft>
             </a:pPr>
             <a:r>
-              <a:rPr lang="en-US" sz="1200" b="1" dirty="0">
+              <a:rPr lang="es-ES" sz="1100" b="1" dirty="0">
                 <a:latin typeface="Adobe Clean" panose="020B0503020404020204" pitchFamily="34" charset="0"/>
                 <a:ea typeface="Open Sans" pitchFamily="34" charset="0"/>
                 <a:cs typeface="Open Sans" pitchFamily="34" charset="0"/>
               </a:rPr>
-              <a:t>Community Forums</a:t>
+              <a:t>Foros de la comunidad</a:t>
             </a:r>
           </a:p>
         </p:txBody>
@@ -10119,8 +8893,8 @@
         </p:nvSpPr>
         <p:spPr>
           <a:xfrm>
-            <a:off x="405282" y="7089855"/>
-            <a:ext cx="2148840" cy="959237"/>
+            <a:off x="405282" y="7050930"/>
+            <a:ext cx="2148840" cy="1005403"/>
           </a:xfrm>
           <a:prstGeom prst="rect">
             <a:avLst/>
@@ -10133,13 +8907,13 @@
           <a:lstStyle/>
           <a:p>
             <a:r>
-              <a:rPr lang="en-US" sz="1000" dirty="0">
+              <a:rPr lang="es-ES" sz="900" dirty="0">
                 <a:solidFill>
                   <a:srgbClr val="000000"/>
                 </a:solidFill>
                 <a:latin typeface="Adobe Clean Light" panose="020B0303020404020204" pitchFamily="34" charset="0"/>
               </a:rPr>
-              <a:t>Continuous online access to a growing database of technical solutions, product documentation, FAQs and more. Connect with other customers on Adobe Community to share best practices and lessons learned..</a:t>
+              <a:t>Acceso continuo en línea a una base de datos donde encontrará cada vez más soluciones técnicas, documentación de productos, preguntas frecuentes y mucho más. Hable con otros clientes en la Comunidad de Adobe para compartir prácticas recomendadas y lecciones aprendidas.</a:t>
             </a:r>
           </a:p>
         </p:txBody>
@@ -10160,8 +8934,8 @@
         </p:nvSpPr>
         <p:spPr>
           <a:xfrm>
-            <a:off x="3339528" y="6846032"/>
-            <a:ext cx="1013098" cy="184666"/>
+            <a:off x="3339528" y="6807107"/>
+            <a:ext cx="1240724" cy="169277"/>
           </a:xfrm>
           <a:prstGeom prst="rect">
             <a:avLst/>
@@ -10182,12 +8956,12 @@
               </a:spcAft>
             </a:pPr>
             <a:r>
-              <a:rPr lang="en-US" sz="1200" b="1" dirty="0">
+              <a:rPr lang="es-ES" sz="1100" b="1">
                 <a:latin typeface="Adobe Clean" panose="020B0503020404020204" pitchFamily="34" charset="0"/>
                 <a:ea typeface="Open Sans" pitchFamily="34" charset="0"/>
                 <a:cs typeface="Open Sans" pitchFamily="34" charset="0"/>
               </a:rPr>
-              <a:t>Self-Help Portal</a:t>
+              <a:t>Portal de autoayuda</a:t>
             </a:r>
           </a:p>
         </p:txBody>
@@ -10206,8 +8980,8 @@
         </p:nvSpPr>
         <p:spPr>
           <a:xfrm>
-            <a:off x="2894025" y="7079726"/>
-            <a:ext cx="2148840" cy="805349"/>
+            <a:off x="2894025" y="7040801"/>
+            <a:ext cx="2148840" cy="728405"/>
           </a:xfrm>
           <a:prstGeom prst="rect">
             <a:avLst/>
@@ -10220,13 +8994,13 @@
           <a:lstStyle/>
           <a:p>
             <a:r>
-              <a:rPr lang="en-US" sz="1000" dirty="0">
+              <a:rPr lang="es-ES" sz="900">
                 <a:solidFill>
                   <a:srgbClr val="000000"/>
                 </a:solidFill>
                 <a:latin typeface="Adobe Clean Light" panose="020B0303020404020204" pitchFamily="34" charset="0"/>
               </a:rPr>
-              <a:t>On-demand access to the online Self-help Support Portal review case status, and browse other resources, like our  news and alerts, knowledge base, featured tips, and more.</a:t>
+              <a:t>Acceso al portal de asistencia de autoayuda en línea bajo demanda para revisar el estado de los casos y examinar otros recursos, como noticias, alertas, base de conocimiento, sugerencias destacadas, y mucho más.</a:t>
             </a:r>
           </a:p>
         </p:txBody>
@@ -10245,8 +9019,8 @@
         </p:nvSpPr>
         <p:spPr>
           <a:xfrm>
-            <a:off x="5382768" y="7055179"/>
-            <a:ext cx="2148840" cy="641201"/>
+            <a:off x="5382768" y="7010729"/>
+            <a:ext cx="2148840" cy="718145"/>
           </a:xfrm>
           <a:prstGeom prst="rect">
             <a:avLst/>
@@ -10270,104 +9044,14 @@
               </a:tabLst>
             </a:pPr>
             <a:r>
-              <a:rPr lang="en-US" sz="1000" spc="-20" dirty="0">
+              <a:rPr lang="es-ES" sz="900">
                 <a:solidFill>
                   <a:srgbClr val="020302"/>
                 </a:solidFill>
                 <a:latin typeface="AdobeClean-Light"/>
                 <a:cs typeface="AdobeClean-Light"/>
               </a:rPr>
-              <a:t>Authorized Users (Admins) can start a chat session with Adobe Support </a:t>
-            </a:r>
-            <a:r>
-              <a:rPr lang="en-US" sz="1000" spc="-5" dirty="0">
-                <a:solidFill>
-                  <a:srgbClr val="020302"/>
-                </a:solidFill>
-                <a:latin typeface="AdobeClean-Light"/>
-                <a:cs typeface="AdobeClean-Light"/>
-              </a:rPr>
-              <a:t>to </a:t>
-            </a:r>
-            <a:r>
-              <a:rPr lang="en-US" sz="1000" spc="-10" dirty="0">
-                <a:solidFill>
-                  <a:srgbClr val="020302"/>
-                </a:solidFill>
-                <a:latin typeface="AdobeClean-Light"/>
-                <a:cs typeface="AdobeClean-Light"/>
-              </a:rPr>
-              <a:t>get </a:t>
-            </a:r>
-            <a:r>
-              <a:rPr lang="en-US" sz="1000" spc="-20" dirty="0">
-                <a:solidFill>
-                  <a:srgbClr val="020302"/>
-                </a:solidFill>
-                <a:latin typeface="AdobeClean-Light"/>
-                <a:cs typeface="AdobeClean-Light"/>
-              </a:rPr>
-              <a:t>answers</a:t>
-            </a:r>
-            <a:r>
-              <a:rPr lang="en-US" sz="1000" spc="-45" dirty="0">
-                <a:solidFill>
-                  <a:srgbClr val="020302"/>
-                </a:solidFill>
-                <a:latin typeface="AdobeClean-Light"/>
-                <a:cs typeface="AdobeClean-Light"/>
-              </a:rPr>
-              <a:t> and </a:t>
-            </a:r>
-            <a:r>
-              <a:rPr lang="en-US" sz="1000" spc="-15" dirty="0">
-                <a:solidFill>
-                  <a:srgbClr val="020302"/>
-                </a:solidFill>
-                <a:latin typeface="AdobeClean-Light"/>
-                <a:cs typeface="AdobeClean-Light"/>
-              </a:rPr>
-              <a:t>help </a:t>
-            </a:r>
-            <a:r>
-              <a:rPr lang="en-US" sz="1000" spc="-10" dirty="0">
-                <a:solidFill>
-                  <a:srgbClr val="020302"/>
-                </a:solidFill>
-                <a:latin typeface="AdobeClean-Light"/>
-                <a:cs typeface="AdobeClean-Light"/>
-              </a:rPr>
-              <a:t>with</a:t>
-            </a:r>
-            <a:r>
-              <a:rPr lang="en-US" sz="1000" spc="85" dirty="0">
-                <a:solidFill>
-                  <a:srgbClr val="020302"/>
-                </a:solidFill>
-                <a:latin typeface="AdobeClean-Light"/>
-                <a:cs typeface="AdobeClean-Light"/>
-              </a:rPr>
-              <a:t> </a:t>
-            </a:r>
-            <a:r>
-              <a:rPr lang="en-US" sz="1000" spc="-10" dirty="0">
-                <a:solidFill>
-                  <a:srgbClr val="020302"/>
-                </a:solidFill>
-                <a:latin typeface="AdobeClean-Light"/>
-                <a:cs typeface="AdobeClean-Light"/>
-              </a:rPr>
-              <a:t>case </a:t>
-            </a:r>
-            <a:r>
-              <a:rPr lang="en-US" sz="1000" spc="-20" dirty="0">
-                <a:solidFill>
-                  <a:srgbClr val="020302"/>
-                </a:solidFill>
-                <a:latin typeface="AdobeClean-Light"/>
-                <a:cs typeface="AdobeClean-Light"/>
-              </a:rPr>
-              <a:t>submission.</a:t>
+              <a:t>Los usuarios autorizados (administradores) pueden comenzar una sesión de chat con el Soporte de Adobe para obtener respuestas y ayuda con el envío de casos.</a:t>
             </a:r>
           </a:p>
           <a:p>
@@ -10383,19 +9067,15 @@
               </a:tabLst>
             </a:pPr>
             <a:r>
-              <a:rPr lang="en-US" sz="1000" i="1" spc="-10" dirty="0">
+              <a:rPr lang="es-ES" sz="900" i="1">
                 <a:solidFill>
                   <a:srgbClr val="7A7A7A"/>
                 </a:solidFill>
                 <a:latin typeface="AdobeClean-LightIt"/>
                 <a:cs typeface="AdobeClean-LightIt"/>
               </a:rPr>
-              <a:t>Subject to local hours</a:t>
+              <a:t>Sujeto a horarios locales</a:t>
             </a:r>
-            <a:endParaRPr lang="en-US" sz="1000" dirty="0">
-              <a:latin typeface="AdobeClean-Light"/>
-              <a:cs typeface="AdobeClean-Light"/>
-            </a:endParaRPr>
           </a:p>
         </p:txBody>
       </p:sp>
@@ -10415,8 +9095,8 @@
         </p:nvSpPr>
         <p:spPr>
           <a:xfrm>
-            <a:off x="5897720" y="6833800"/>
-            <a:ext cx="841577" cy="184666"/>
+            <a:off x="5897720" y="6789350"/>
+            <a:ext cx="1516441" cy="169277"/>
           </a:xfrm>
           <a:prstGeom prst="rect">
             <a:avLst/>
@@ -10437,12 +9117,12 @@
               </a:spcAft>
             </a:pPr>
             <a:r>
-              <a:rPr lang="en-US" sz="1200" b="1" dirty="0">
+              <a:rPr lang="es-ES" sz="1100" b="1">
                 <a:latin typeface="Adobe Clean" panose="020B0503020404020204" pitchFamily="34" charset="0"/>
                 <a:ea typeface="Open Sans" pitchFamily="34" charset="0"/>
                 <a:cs typeface="Open Sans" pitchFamily="34" charset="0"/>
               </a:rPr>
-              <a:t>Chat Support</a:t>
+              <a:t>Asistencia mediante chat</a:t>
             </a:r>
           </a:p>
         </p:txBody>
@@ -10463,8 +9143,8 @@
         </p:nvSpPr>
         <p:spPr>
           <a:xfrm>
-            <a:off x="2217123" y="8586959"/>
-            <a:ext cx="963405" cy="184666"/>
+            <a:off x="1893273" y="8586959"/>
+            <a:ext cx="1247136" cy="169277"/>
           </a:xfrm>
           <a:prstGeom prst="rect">
             <a:avLst/>
@@ -10485,12 +9165,12 @@
               </a:spcAft>
             </a:pPr>
             <a:r>
-              <a:rPr lang="en-US" sz="1200" b="1" dirty="0">
+              <a:rPr lang="es-ES" sz="1100" b="1">
                 <a:latin typeface="Adobe Clean" panose="020B0503020404020204" pitchFamily="34" charset="0"/>
                 <a:ea typeface="Open Sans" pitchFamily="34" charset="0"/>
                 <a:cs typeface="Open Sans" pitchFamily="34" charset="0"/>
               </a:rPr>
-              <a:t>Phone Support</a:t>
+              <a:t>Asistencia telefónica</a:t>
             </a:r>
           </a:p>
         </p:txBody>
@@ -10509,8 +9189,8 @@
         </p:nvSpPr>
         <p:spPr>
           <a:xfrm>
-            <a:off x="1899187" y="8834114"/>
-            <a:ext cx="2023834" cy="651460"/>
+            <a:off x="1575337" y="8834114"/>
+            <a:ext cx="2023834" cy="728405"/>
           </a:xfrm>
           <a:prstGeom prst="rect">
             <a:avLst/>
@@ -10523,116 +9203,42 @@
           <a:lstStyle/>
           <a:p>
             <a:r>
-              <a:rPr lang="en-US" sz="1000" dirty="0">
+              <a:rPr lang="es-ES" sz="900">
                 <a:solidFill>
                   <a:srgbClr val="020302"/>
                 </a:solidFill>
                 <a:latin typeface="AdobeClean-Light"/>
               </a:rPr>
-              <a:t>Authorized Users (Admins) </a:t>
+              <a:t>Los usuarios autorizados (administradores)</a:t>
             </a:r>
             <a:r>
-              <a:rPr lang="en-US" sz="1000" dirty="0">
+              <a:rPr lang="es-ES" sz="900">
                 <a:latin typeface="Adobe Clean Light"/>
               </a:rPr>
-              <a:t>can call Adobe Support via phone </a:t>
+              <a:t> pueden llamar al Soporte de Adobe a través de teléfono para obtener respuesta</a:t>
             </a:r>
             <a:r>
-              <a:rPr lang="en-US" sz="1000" spc="-5" dirty="0">
+              <a:rPr lang="es-ES" sz="900">
                 <a:solidFill>
                   <a:srgbClr val="020302"/>
                 </a:solidFill>
                 <a:latin typeface="AdobeClean-Light"/>
                 <a:cs typeface="AdobeClean-Light"/>
               </a:rPr>
-              <a:t>to </a:t>
-            </a:r>
-            <a:r>
-              <a:rPr lang="en-US" sz="1000" spc="-10" dirty="0">
-                <a:solidFill>
-                  <a:srgbClr val="020302"/>
-                </a:solidFill>
-                <a:latin typeface="AdobeClean-Light"/>
-                <a:cs typeface="AdobeClean-Light"/>
-              </a:rPr>
-              <a:t>get </a:t>
-            </a:r>
-            <a:r>
-              <a:rPr lang="en-US" sz="1000" spc="-20" dirty="0">
-                <a:solidFill>
-                  <a:srgbClr val="020302"/>
-                </a:solidFill>
-                <a:latin typeface="AdobeClean-Light"/>
-                <a:cs typeface="AdobeClean-Light"/>
-              </a:rPr>
-              <a:t>answers</a:t>
-            </a:r>
-            <a:r>
-              <a:rPr lang="en-US" sz="1000" spc="-45" dirty="0">
-                <a:solidFill>
-                  <a:srgbClr val="020302"/>
-                </a:solidFill>
-                <a:latin typeface="AdobeClean-Light"/>
-                <a:cs typeface="AdobeClean-Light"/>
-              </a:rPr>
-              <a:t> and</a:t>
-            </a:r>
-            <a:r>
-              <a:rPr lang="en-US" sz="1000" dirty="0">
-                <a:solidFill>
-                  <a:srgbClr val="020302"/>
-                </a:solidFill>
-                <a:latin typeface="AdobeClean-Light"/>
-                <a:cs typeface="AdobeClean-Light"/>
-              </a:rPr>
-              <a:t> </a:t>
-            </a:r>
-            <a:r>
-              <a:rPr lang="en-US" sz="1000" spc="-15" dirty="0">
-                <a:solidFill>
-                  <a:srgbClr val="020302"/>
-                </a:solidFill>
-                <a:latin typeface="AdobeClean-Light"/>
-                <a:cs typeface="AdobeClean-Light"/>
-              </a:rPr>
-              <a:t>help </a:t>
-            </a:r>
-            <a:r>
-              <a:rPr lang="en-US" sz="1000" spc="-10" dirty="0">
-                <a:solidFill>
-                  <a:srgbClr val="020302"/>
-                </a:solidFill>
-                <a:latin typeface="AdobeClean-Light"/>
-                <a:cs typeface="AdobeClean-Light"/>
-              </a:rPr>
-              <a:t>with case </a:t>
-            </a:r>
-            <a:r>
-              <a:rPr lang="en-US" sz="1000" spc="-20" dirty="0">
-                <a:solidFill>
-                  <a:srgbClr val="020302"/>
-                </a:solidFill>
-                <a:latin typeface="AdobeClean-Light"/>
-                <a:cs typeface="AdobeClean-Light"/>
-              </a:rPr>
-              <a:t>submission.</a:t>
+              <a:t>s y ayuda con el envío de casos.</a:t>
             </a:r>
           </a:p>
           <a:p>
             <a:r>
-              <a:rPr lang="en-US" sz="1000" i="1" spc="-10" dirty="0">
+              <a:rPr lang="es-ES" sz="900" i="1">
                 <a:solidFill>
                   <a:srgbClr val="7A7A7A"/>
                 </a:solidFill>
                 <a:latin typeface="Adobe Clean Light" panose="020B0303020404020204" pitchFamily="34" charset="0"/>
                 <a:cs typeface="AdobeClean-LightIt"/>
               </a:rPr>
-              <a:t>Subject to local hours</a:t>
+              <a:t>Sujeto a horarios locales</a:t>
             </a:r>
-            <a:endParaRPr lang="en-US" sz="1000" i="1" dirty="0">
-              <a:latin typeface="Adobe Clean Light" panose="020B0303020404020204" pitchFamily="34" charset="0"/>
-              <a:cs typeface="AdobeClean-Light"/>
-            </a:endParaRPr>
           </a:p>
         </p:txBody>
       </p:sp>
@@ -10652,8 +9258,8 @@
         </p:nvSpPr>
         <p:spPr>
           <a:xfrm>
-            <a:off x="4681454" y="8581869"/>
-            <a:ext cx="1402628" cy="184666"/>
+            <a:off x="4357604" y="8581869"/>
+            <a:ext cx="2019784" cy="169277"/>
           </a:xfrm>
           <a:prstGeom prst="rect">
             <a:avLst/>
@@ -10674,12 +9280,12 @@
               </a:spcAft>
             </a:pPr>
             <a:r>
-              <a:rPr lang="en-US" sz="1200" b="1" dirty="0">
+              <a:rPr lang="es-ES" sz="1100" b="1">
                 <a:latin typeface="Adobe Clean" panose="020B0503020404020204" pitchFamily="34" charset="0"/>
                 <a:ea typeface="Open Sans" pitchFamily="34" charset="0"/>
                 <a:cs typeface="Open Sans" pitchFamily="34" charset="0"/>
               </a:rPr>
-              <a:t>Web Case Submission</a:t>
+              <a:t>Envío de casos a través de la web</a:t>
             </a:r>
           </a:p>
         </p:txBody>
@@ -10698,8 +9304,8 @@
         </p:nvSpPr>
         <p:spPr>
           <a:xfrm>
-            <a:off x="4170025" y="8834114"/>
-            <a:ext cx="2148840" cy="707886"/>
+            <a:off x="3846174" y="8834114"/>
+            <a:ext cx="2599075" cy="646331"/>
           </a:xfrm>
           <a:prstGeom prst="rect">
             <a:avLst/>
@@ -10712,26 +9318,20 @@
           <a:lstStyle/>
           <a:p>
             <a:r>
-              <a:rPr lang="en-US" sz="1000" dirty="0">
+              <a:rPr lang="es-ES" sz="900" dirty="0">
                 <a:solidFill>
                   <a:srgbClr val="020302"/>
                 </a:solidFill>
                 <a:latin typeface="AdobeClean-Light"/>
               </a:rPr>
-              <a:t>Authorized Users (Admins) </a:t>
+              <a:t>Los usuarios autorizados (administradores) </a:t>
             </a:r>
             <a:r>
-              <a:rPr lang="en-US" sz="1000" dirty="0">
+              <a:rPr lang="es-ES" sz="900" dirty="0">
                 <a:latin typeface="Adobe Clean Light"/>
               </a:rPr>
-              <a:t>can submit unlimited web cases at any time for support issues for review by our technical support team.</a:t>
+              <a:t>pueden enviar casos web ilimitados en cualquier momento en lo relacionado con problemas de soporte para que nuestro equipo de Soporte los revisen.</a:t>
             </a:r>
-            <a:endParaRPr lang="en-US" sz="1000" dirty="0">
-              <a:solidFill>
-                <a:srgbClr val="000000"/>
-              </a:solidFill>
-              <a:latin typeface="Adobe Clean Light"/>
-            </a:endParaRPr>
           </a:p>
         </p:txBody>
       </p:sp>
@@ -10766,7 +9366,7 @@
         </p:blipFill>
         <p:spPr>
           <a:xfrm>
-            <a:off x="4224178" y="8528378"/>
+            <a:off x="3900328" y="8528378"/>
             <a:ext cx="365760" cy="365760"/>
           </a:xfrm>
           <a:prstGeom prst="rect">
@@ -10805,7 +9405,7 @@
         </p:blipFill>
         <p:spPr>
           <a:xfrm>
-            <a:off x="1830184" y="8464859"/>
+            <a:off x="1506334" y="8464859"/>
             <a:ext cx="365760" cy="365760"/>
           </a:xfrm>
           <a:prstGeom prst="rect">
@@ -10844,7 +9444,7 @@
         </p:blipFill>
         <p:spPr>
           <a:xfrm>
-            <a:off x="5452988" y="6683894"/>
+            <a:off x="5452988" y="6644969"/>
             <a:ext cx="365760" cy="365760"/>
           </a:xfrm>
           <a:prstGeom prst="rect">
@@ -10883,7 +9483,7 @@
         </p:blipFill>
         <p:spPr>
           <a:xfrm>
-            <a:off x="401994" y="6739863"/>
+            <a:off x="401994" y="6700938"/>
             <a:ext cx="365760" cy="365760"/>
           </a:xfrm>
           <a:prstGeom prst="rect">
@@ -10922,7 +9522,7 @@
         </p:blipFill>
         <p:spPr>
           <a:xfrm>
-            <a:off x="2889755" y="6739863"/>
+            <a:off x="2889755" y="6700938"/>
             <a:ext cx="365760" cy="365760"/>
           </a:xfrm>
           <a:prstGeom prst="rect">
@@ -10945,7 +9545,7 @@
         <p:spPr>
           <a:xfrm>
             <a:off x="449714" y="1271858"/>
-            <a:ext cx="2148840" cy="959237"/>
+            <a:ext cx="2148840" cy="866904"/>
           </a:xfrm>
           <a:prstGeom prst="rect">
             <a:avLst/>
@@ -10964,10 +9564,10 @@
               <a:defRPr/>
             </a:pPr>
             <a:r>
-              <a:rPr lang="en-US" sz="1000" dirty="0">
+              <a:rPr lang="es-ES" sz="900" dirty="0">
                 <a:latin typeface="Adobe Clean Light" panose="020B0303020404020204" pitchFamily="34" charset="0"/>
               </a:rPr>
-              <a:t>A designated Support Engineer who becomes familiar with your solution environment and business goals. The NSE is an experienced support engineer that helps coordinate your Enterprise Support experience.</a:t>
+              <a:t>Un ingeniero de asistencia técnica especializado que esté familiarizado con el entorno de su solución y sus objetivos empresariales. Es un ingeniero de asistencia técnica experimentado que le ayudará a coordinar su experiencia de soporte Enterprise.</a:t>
             </a:r>
           </a:p>
         </p:txBody>
@@ -10988,8 +9588,8 @@
         </p:nvSpPr>
         <p:spPr>
           <a:xfrm>
-            <a:off x="872390" y="1010962"/>
-            <a:ext cx="1726164" cy="184666"/>
+            <a:off x="872390" y="909362"/>
+            <a:ext cx="1726164" cy="338554"/>
           </a:xfrm>
           <a:prstGeom prst="rect">
             <a:avLst/>
@@ -11010,13 +9610,13 @@
               </a:spcAft>
             </a:pPr>
             <a:r>
-              <a:rPr lang="en-US" sz="1200" b="1" spc="-10" dirty="0">
+              <a:rPr lang="es-ES" sz="1100" b="1" dirty="0">
                 <a:solidFill>
                   <a:srgbClr val="020302"/>
                 </a:solidFill>
                 <a:latin typeface="Adobe Clean" panose="020B0503020404020204" pitchFamily="34" charset="0"/>
               </a:rPr>
-              <a:t>Named Support Engineer</a:t>
+              <a:t>Ingeniero de asistencia técnica especializado</a:t>
             </a:r>
           </a:p>
         </p:txBody>
@@ -11036,7 +9636,7 @@
         <p:spPr>
           <a:xfrm>
             <a:off x="2803357" y="1285201"/>
-            <a:ext cx="2148840" cy="497572"/>
+            <a:ext cx="2148840" cy="589905"/>
           </a:xfrm>
           <a:prstGeom prst="rect">
             <a:avLst/>
@@ -11054,11 +9654,11 @@
               </a:spcBef>
             </a:pPr>
             <a:r>
-              <a:rPr lang="en-US" sz="1000" dirty="0">
+              <a:rPr lang="es-ES" sz="900">
                 <a:latin typeface="Adobe Clean Light" panose="020B0303020404020204" pitchFamily="34" charset="0"/>
                 <a:cs typeface="AdobeClean-Light"/>
               </a:rPr>
-              <a:t>Receive prioritized routing to ensure faster connection to more senior support resources on submitted cases. </a:t>
+              <a:t>Reciba enrutamiento prioritario para garantizar una conexión más rápida con recursos de soporte con más experiencia en relación con los casos enviados. </a:t>
             </a:r>
           </a:p>
         </p:txBody>
@@ -11079,8 +9679,8 @@
         </p:nvSpPr>
         <p:spPr>
           <a:xfrm>
-            <a:off x="3228208" y="1011671"/>
-            <a:ext cx="1976242" cy="184666"/>
+            <a:off x="3228208" y="910071"/>
+            <a:ext cx="1976242" cy="338554"/>
           </a:xfrm>
           <a:prstGeom prst="rect">
             <a:avLst/>
@@ -11101,13 +9701,13 @@
               </a:spcAft>
             </a:pPr>
             <a:r>
-              <a:rPr lang="en-US" sz="1200" b="1" spc="-10" dirty="0">
+              <a:rPr lang="es-ES" sz="1100" b="1">
                 <a:solidFill>
                   <a:srgbClr val="020302"/>
                 </a:solidFill>
                 <a:latin typeface="Adobe Clean" panose="020B0503020404020204" pitchFamily="34" charset="0"/>
               </a:rPr>
-              <a:t>Priority Case Routing</a:t>
+              <a:t>Enrutamiento de casos según prioridad</a:t>
             </a:r>
           </a:p>
         </p:txBody>
@@ -11127,7 +9727,7 @@
         <p:spPr>
           <a:xfrm>
             <a:off x="5356260" y="1287481"/>
-            <a:ext cx="2148840" cy="651460"/>
+            <a:ext cx="2148840" cy="728405"/>
           </a:xfrm>
           <a:prstGeom prst="rect">
             <a:avLst/>
@@ -11148,15 +9748,11 @@
               </a:spcBef>
             </a:pPr>
             <a:r>
-              <a:rPr lang="en-US" sz="1000" dirty="0">
+              <a:rPr lang="es-ES" sz="900">
                 <a:latin typeface="Adobe Clean Light" panose="020B0303020404020204" pitchFamily="34" charset="0"/>
               </a:rPr>
-              <a:t>A designated point of contact within Adobe who can provide escalation assistance, regular updates and ensure priority is given to your most critical open support requests.</a:t>
+              <a:t>Un punto de contacto designado de Adobe que puede proporcionar asistencia en cuanto a escalabilidad y actualizaciones frecuentes, así como garantizar que se dé prioridad a sus solicitudes de soporte abierto más críticas.</a:t>
             </a:r>
-            <a:endParaRPr lang="en-US" sz="1000" dirty="0">
-              <a:latin typeface="Adobe Clean Light" panose="020B0303020404020204" pitchFamily="34" charset="0"/>
-              <a:cs typeface="AdobeClean-Light"/>
-            </a:endParaRPr>
           </a:p>
         </p:txBody>
       </p:sp>
@@ -11176,8 +9772,8 @@
         </p:nvSpPr>
         <p:spPr>
           <a:xfrm>
-            <a:off x="5818748" y="1006325"/>
-            <a:ext cx="1608472" cy="184666"/>
+            <a:off x="5818748" y="904725"/>
+            <a:ext cx="1608472" cy="338554"/>
           </a:xfrm>
           <a:prstGeom prst="rect">
             <a:avLst/>
@@ -11198,13 +9794,13 @@
               </a:spcAft>
             </a:pPr>
             <a:r>
-              <a:rPr lang="en-US" sz="1200" b="1" spc="-10" dirty="0">
+              <a:rPr lang="es-ES" sz="1100" b="1">
                 <a:solidFill>
                   <a:srgbClr val="020302"/>
                 </a:solidFill>
                 <a:latin typeface="Adobe Clean" panose="020B0503020404020204" pitchFamily="34" charset="0"/>
               </a:rPr>
-              <a:t>Escalation Management</a:t>
+              <a:t>Administración de la escalabilidad</a:t>
             </a:r>
           </a:p>
         </p:txBody>
@@ -11355,7 +9951,7 @@
         <p:spPr>
           <a:xfrm>
             <a:off x="816240" y="2576177"/>
-            <a:ext cx="2148841" cy="461665"/>
+            <a:ext cx="2148841" cy="430887"/>
           </a:xfrm>
           <a:prstGeom prst="rect">
             <a:avLst/>
@@ -11369,10 +9965,10 @@
           <a:lstStyle/>
           <a:p>
             <a:r>
-              <a:rPr lang="en-US" sz="1200" b="1" dirty="0">
+              <a:rPr lang="es-ES" sz="1100" b="1">
                 <a:latin typeface="Adobe Clean" panose="020B0503020404020204" pitchFamily="34" charset="0"/>
               </a:rPr>
-              <a:t>Accelerated Issue Prioritization</a:t>
+              <a:t>Priorización acelerada de problemas</a:t>
             </a:r>
           </a:p>
         </p:txBody>
@@ -11392,7 +9988,7 @@
         <p:spPr>
           <a:xfrm>
             <a:off x="430064" y="3050824"/>
-            <a:ext cx="2051550" cy="497572"/>
+            <a:ext cx="2051550" cy="451406"/>
           </a:xfrm>
           <a:prstGeom prst="rect">
             <a:avLst/>
@@ -11411,11 +10007,11 @@
               <a:defRPr/>
             </a:pPr>
             <a:r>
-              <a:rPr lang="en-US" sz="1000" dirty="0">
+              <a:rPr lang="es-ES" sz="900" dirty="0">
                 <a:latin typeface="Adobe Clean Light" panose="020B0303020404020204" pitchFamily="34" charset="0"/>
                 <a:cs typeface="Adobe Clean Light"/>
               </a:rPr>
-              <a:t>Receive higher prioritization on support case work through facilitated engagement with Engineering.</a:t>
+              <a:t>Reciba más prioridad para los casos de soporte a través del compromiso facilitado con el departamento de ingeniería.</a:t>
             </a:r>
           </a:p>
         </p:txBody>
@@ -11500,7 +10096,7 @@
         </p:blipFill>
         <p:spPr>
           <a:xfrm>
-            <a:off x="5356260" y="2604125"/>
+            <a:off x="5248310" y="2604125"/>
             <a:ext cx="365760" cy="365760"/>
           </a:xfrm>
           <a:prstGeom prst="rect">
@@ -11539,7 +10135,7 @@
         </p:blipFill>
         <p:spPr>
           <a:xfrm>
-            <a:off x="1714742" y="4216922"/>
+            <a:off x="1575042" y="4216922"/>
             <a:ext cx="365760" cy="365760"/>
           </a:xfrm>
           <a:prstGeom prst="rect">
@@ -11578,7 +10174,7 @@
         </p:blipFill>
         <p:spPr>
           <a:xfrm>
-            <a:off x="4044715" y="4230343"/>
+            <a:off x="3905015" y="4230343"/>
             <a:ext cx="365760" cy="365760"/>
           </a:xfrm>
           <a:prstGeom prst="rect">
@@ -11599,9 +10195,9 @@
           <p:nvPr/>
         </p:nvSpPr>
         <p:spPr>
-          <a:xfrm>
-            <a:off x="430064" y="745300"/>
-            <a:ext cx="2011680" cy="0"/>
+          <a:xfrm flipV="1">
+            <a:off x="430063" y="699581"/>
+            <a:ext cx="2459691" cy="45719"/>
           </a:xfrm>
           <a:custGeom>
             <a:avLst/>
@@ -11649,7 +10245,7 @@
         <p:spPr>
           <a:xfrm>
             <a:off x="3095604" y="2650593"/>
-            <a:ext cx="2148841" cy="276999"/>
+            <a:ext cx="1777189" cy="430887"/>
           </a:xfrm>
           <a:prstGeom prst="rect">
             <a:avLst/>
@@ -11663,10 +10259,10 @@
           <a:lstStyle/>
           <a:p>
             <a:r>
-              <a:rPr lang="en-US" sz="1200" b="1" dirty="0">
+              <a:rPr lang="es-ES" sz="1100" b="1" dirty="0">
                 <a:latin typeface="Adobe Clean" panose="020B0503020404020204" pitchFamily="34" charset="0"/>
               </a:rPr>
-              <a:t>Proactive Case Monitoring</a:t>
+              <a:t>Monitorización proactiva de casos</a:t>
             </a:r>
           </a:p>
         </p:txBody>
@@ -11686,7 +10282,7 @@
         <p:spPr>
           <a:xfrm>
             <a:off x="2761827" y="3033782"/>
-            <a:ext cx="2051550" cy="651460"/>
+            <a:ext cx="2051550" cy="589905"/>
           </a:xfrm>
           <a:prstGeom prst="rect">
             <a:avLst/>
@@ -11705,15 +10301,11 @@
               <a:defRPr/>
             </a:pPr>
             <a:r>
-              <a:rPr lang="en-US" sz="1000" dirty="0">
+              <a:rPr lang="es-ES" sz="900">
                 <a:latin typeface="Adobe Clean Light" panose="020B0303020404020204" pitchFamily="34" charset="0"/>
               </a:rPr>
-              <a:t>A designated point of contact within Adobe will actively monitor open cases and take proactive and preventive actions to ensure timely resolution.</a:t>
+              <a:t>Un punto de contacto designado de Adobe supervisará activamente los casos abiertos, y tomará medidas proactivas y preventivas para garantizar una resolución oportuna.</a:t>
             </a:r>
-            <a:endParaRPr lang="en-US" sz="1000" dirty="0">
-              <a:latin typeface="Adobe Clean Light" panose="020B0303020404020204" pitchFamily="34" charset="0"/>
-              <a:cs typeface="Adobe Clean Light"/>
-            </a:endParaRPr>
           </a:p>
         </p:txBody>
       </p:sp>
@@ -11768,8 +10360,8 @@
         </p:nvSpPr>
         <p:spPr>
           <a:xfrm>
-            <a:off x="121146" y="9839613"/>
-            <a:ext cx="2245360" cy="133370"/>
+            <a:off x="121145" y="9839612"/>
+            <a:ext cx="2679439" cy="133370"/>
           </a:xfrm>
           <a:prstGeom prst="rect">
             <a:avLst/>
@@ -11790,40 +10382,40 @@
               </a:spcBef>
             </a:pPr>
             <a:r>
-              <a:rPr spc="-10" dirty="0"/>
-              <a:t>©202</a:t>
+              <a:rPr lang="es-ES" dirty="0"/>
+              <a:t>©2022 Adobe. </a:t>
             </a:r>
             <a:r>
-              <a:rPr lang="en-US" spc="-10" dirty="0"/>
-              <a:t>2 </a:t>
+              <a:rPr lang="es-ES" dirty="0" err="1"/>
+              <a:t>All</a:t>
             </a:r>
             <a:r>
-              <a:rPr spc="-5" dirty="0"/>
-              <a:t>Adobe. All</a:t>
-            </a:r>
-            <a:r>
-              <a:rPr spc="-10" dirty="0"/>
-              <a:t> Rights</a:t>
-            </a:r>
-            <a:r>
-              <a:rPr spc="-5" dirty="0"/>
+              <a:rPr lang="es-ES" dirty="0"/>
               <a:t> </a:t>
             </a:r>
             <a:r>
-              <a:rPr spc="-10" dirty="0"/>
-              <a:t>Reserved.</a:t>
+              <a:rPr lang="es-ES" dirty="0" err="1"/>
+              <a:t>Rights</a:t>
             </a:r>
             <a:r>
-              <a:rPr spc="-5" dirty="0"/>
-              <a:t> Adobe</a:t>
-            </a:r>
-            <a:r>
-              <a:rPr spc="60" dirty="0"/>
+              <a:rPr lang="es-ES" dirty="0"/>
               <a:t> </a:t>
             </a:r>
             <a:r>
-              <a:rPr spc="-10" dirty="0"/>
-              <a:t>Confidential.</a:t>
+              <a:rPr lang="es-ES" dirty="0" err="1"/>
+              <a:t>Reserved</a:t>
+            </a:r>
+            <a:r>
+              <a:rPr lang="es-ES" dirty="0"/>
+              <a:t>. Adobe </a:t>
+            </a:r>
+            <a:r>
+              <a:rPr lang="es-ES" dirty="0" err="1"/>
+              <a:t>Confidential</a:t>
+            </a:r>
+            <a:r>
+              <a:rPr lang="es-ES" dirty="0"/>
+              <a:t>.</a:t>
             </a:r>
           </a:p>
         </p:txBody>
@@ -11885,49 +10477,15 @@
               </a:lnSpc>
             </a:pPr>
             <a:r>
-              <a:rPr sz="500" spc="-5">
+              <a:rPr lang="es-ES" sz="500">
                 <a:solidFill>
                   <a:srgbClr val="6C6C6C"/>
                 </a:solidFill>
                 <a:latin typeface="Adobe Clean"/>
                 <a:cs typeface="Adobe Clean"/>
               </a:rPr>
-              <a:t>©2020 Adobe. All Rights Reserved. </a:t>
+              <a:t>©2020 Adobe. All Rights Reserved. Adobe Confidential.</a:t>
             </a:r>
-            <a:r>
-              <a:rPr sz="500">
-                <a:solidFill>
-                  <a:srgbClr val="6C6C6C"/>
-                </a:solidFill>
-                <a:latin typeface="Adobe Clean"/>
-                <a:cs typeface="Adobe Clean"/>
-              </a:rPr>
-              <a:t>Adobe</a:t>
-            </a:r>
-            <a:r>
-              <a:rPr sz="500" spc="5">
-                <a:solidFill>
-                  <a:srgbClr val="6C6C6C"/>
-                </a:solidFill>
-                <a:latin typeface="Adobe Clean"/>
-                <a:cs typeface="Adobe Clean"/>
-              </a:rPr>
-              <a:t> </a:t>
-            </a:r>
-            <a:r>
-              <a:rPr sz="500" spc="-5">
-                <a:solidFill>
-                  <a:srgbClr val="6C6C6C"/>
-                </a:solidFill>
-                <a:latin typeface="Adobe Clean"/>
-                <a:cs typeface="Adobe Clean"/>
-              </a:rPr>
-              <a:t>Confidential.</a:t>
-            </a:r>
-            <a:endParaRPr sz="500">
-              <a:latin typeface="Adobe Clean"/>
-              <a:cs typeface="Adobe Clean"/>
-            </a:endParaRPr>
           </a:p>
           <a:p>
             <a:pPr>
@@ -11953,39 +10511,15 @@
               </a:spcBef>
             </a:pPr>
             <a:r>
-              <a:rPr sz="800" spc="-5">
+              <a:rPr lang="es-ES" sz="800">
                 <a:solidFill>
                   <a:srgbClr val="6D6D6D"/>
                 </a:solidFill>
                 <a:latin typeface="Adobe Clean"/>
                 <a:cs typeface="Adobe Clean"/>
               </a:rPr>
-              <a:t>©2020 Adobe. All Rights Reserved. Adobe</a:t>
+              <a:t>©2020 Adobe. All Rights Reserved. Adobe Confidential.</a:t>
             </a:r>
-            <a:r>
-              <a:rPr sz="800" spc="75">
-                <a:solidFill>
-                  <a:srgbClr val="6D6D6D"/>
-                </a:solidFill>
-                <a:latin typeface="Adobe Clean"/>
-                <a:cs typeface="Adobe Clean"/>
-              </a:rPr>
-              <a:t> </a:t>
-            </a:r>
-            <a:r>
-              <a:rPr sz="800" spc="-5">
-                <a:solidFill>
-                  <a:srgbClr val="6D6D6D"/>
-                </a:solidFill>
-                <a:latin typeface="Adobe Clean"/>
-                <a:cs typeface="Adobe Clean"/>
-              </a:rPr>
-              <a:t>Confidential.</a:t>
-            </a:r>
-            <a:endParaRPr sz="800">
-              <a:latin typeface="Adobe Clean"/>
-              <a:cs typeface="Adobe Clean"/>
-            </a:endParaRPr>
           </a:p>
         </p:txBody>
       </p:sp>
@@ -12069,19 +10603,15 @@
               </a:spcBef>
             </a:pPr>
             <a:r>
-              <a:rPr lang="en-US" sz="1400" b="1" spc="-15">
+              <a:rPr lang="es-ES" sz="1400" b="1">
                 <a:solidFill>
                   <a:srgbClr val="020302"/>
                 </a:solidFill>
                 <a:latin typeface="Adobe Clean"/>
                 <a:cs typeface="Adobe Clean"/>
               </a:rPr>
-              <a:t>Resources</a:t>
+              <a:t>Recursos</a:t>
             </a:r>
-            <a:endParaRPr sz="1400">
-              <a:latin typeface="Adobe Clean"/>
-              <a:cs typeface="Adobe Clean"/>
-            </a:endParaRPr>
           </a:p>
         </p:txBody>
       </p:sp>
@@ -12115,7 +10645,7 @@
               </a:spcBef>
             </a:pPr>
             <a:r>
-              <a:rPr sz="800" spc="-15">
+              <a:rPr lang="es-ES" sz="800">
                 <a:solidFill>
                   <a:srgbClr val="777879"/>
                 </a:solidFill>
@@ -12124,10 +10654,6 @@
               </a:rPr>
               <a:t>Adobe</a:t>
             </a:r>
-            <a:endParaRPr sz="800">
-              <a:latin typeface="Adobe Clean"/>
-              <a:cs typeface="Adobe Clean"/>
-            </a:endParaRPr>
           </a:p>
           <a:p>
             <a:pPr marL="12700">
@@ -12136,39 +10662,15 @@
               </a:lnSpc>
             </a:pPr>
             <a:r>
-              <a:rPr sz="800" spc="-15">
+              <a:rPr lang="es-ES" sz="800">
                 <a:solidFill>
                   <a:srgbClr val="777879"/>
                 </a:solidFill>
                 <a:latin typeface="Adobe Clean"/>
                 <a:cs typeface="Adobe Clean"/>
               </a:rPr>
-              <a:t>345 Park</a:t>
+              <a:t>345 Park Avenue</a:t>
             </a:r>
-            <a:r>
-              <a:rPr sz="800" spc="-100">
-                <a:solidFill>
-                  <a:srgbClr val="777879"/>
-                </a:solidFill>
-                <a:latin typeface="Adobe Clean"/>
-                <a:cs typeface="Adobe Clean"/>
-              </a:rPr>
-              <a:t> </a:t>
-            </a:r>
-            <a:r>
-              <a:rPr sz="800" spc="-15">
-                <a:solidFill>
-                  <a:srgbClr val="777879"/>
-                </a:solidFill>
-                <a:latin typeface="Adobe Clean"/>
-                <a:cs typeface="Adobe Clean"/>
-              </a:rPr>
-              <a:t>Avenue</a:t>
-            </a:r>
-            <a:endParaRPr sz="800">
-              <a:latin typeface="Adobe Clean"/>
-              <a:cs typeface="Adobe Clean"/>
-            </a:endParaRPr>
           </a:p>
           <a:p>
             <a:pPr marL="12700">
@@ -12177,49 +10679,15 @@
               </a:lnSpc>
             </a:pPr>
             <a:r>
-              <a:rPr sz="800" spc="-10">
+              <a:rPr lang="es-ES" sz="800">
                 <a:solidFill>
                   <a:srgbClr val="777879"/>
                 </a:solidFill>
                 <a:latin typeface="Adobe Clean"/>
                 <a:cs typeface="Adobe Clean"/>
               </a:rPr>
-              <a:t>San </a:t>
+              <a:t>San José, CA95110-2704</a:t>
             </a:r>
-            <a:r>
-              <a:rPr sz="800" spc="-15">
-                <a:solidFill>
-                  <a:srgbClr val="777879"/>
-                </a:solidFill>
-                <a:latin typeface="Adobe Clean"/>
-                <a:cs typeface="Adobe Clean"/>
-              </a:rPr>
-              <a:t>Jose,</a:t>
-            </a:r>
-            <a:r>
-              <a:rPr sz="800" spc="-140">
-                <a:solidFill>
-                  <a:srgbClr val="777879"/>
-                </a:solidFill>
-                <a:latin typeface="Adobe Clean"/>
-                <a:cs typeface="Adobe Clean"/>
-              </a:rPr>
-              <a:t> </a:t>
-            </a:r>
-            <a:r>
-              <a:rPr sz="800" spc="-20">
-                <a:solidFill>
-                  <a:srgbClr val="777879"/>
-                </a:solidFill>
-                <a:latin typeface="Adobe Clean"/>
-                <a:cs typeface="Adobe Clean"/>
-              </a:rPr>
-              <a:t>CA95110-2704</a:t>
-            </a:r>
-            <a:endParaRPr sz="800">
-              <a:latin typeface="Adobe Clean"/>
-              <a:cs typeface="Adobe Clean"/>
-            </a:endParaRPr>
           </a:p>
           <a:p>
             <a:pPr marL="12700">
@@ -12231,19 +10699,15 @@
               </a:spcBef>
             </a:pPr>
             <a:r>
-              <a:rPr sz="800" spc="-10">
+              <a:rPr lang="es-ES" sz="800">
                 <a:solidFill>
                   <a:srgbClr val="777879"/>
                 </a:solidFill>
                 <a:latin typeface="Adobe Clean"/>
                 <a:cs typeface="Adobe Clean"/>
               </a:rPr>
-              <a:t>USA</a:t>
+              <a:t>EE. UU.</a:t>
             </a:r>
-            <a:endParaRPr sz="800">
-              <a:latin typeface="Adobe Clean"/>
-              <a:cs typeface="Adobe Clean"/>
-            </a:endParaRPr>
           </a:p>
           <a:p>
             <a:pPr marL="12700">
@@ -12255,7 +10719,7 @@
               </a:spcBef>
             </a:pPr>
             <a:r>
-              <a:rPr sz="800" u="sng" spc="-25">
+              <a:rPr lang="es-ES" sz="800" u="sng">
                 <a:solidFill>
                   <a:srgbClr val="5F5F5F"/>
                 </a:solidFill>
@@ -12266,14 +10730,10 @@
                 </a:uFill>
                 <a:latin typeface="Adobe Clean"/>
                 <a:cs typeface="Adobe Clean"/>
-                <a:hlinkClick r:id="rId4"/>
+                <a:hlinkClick r:id="rId3"/>
               </a:rPr>
               <a:t>www.adobe.com</a:t>
             </a:r>
-            <a:endParaRPr sz="800">
-              <a:latin typeface="Adobe Clean"/>
-              <a:cs typeface="Adobe Clean"/>
-            </a:endParaRPr>
           </a:p>
         </p:txBody>
       </p:sp>
@@ -12292,7 +10752,7 @@
             <a:avLst/>
           </a:prstGeom>
           <a:blipFill>
-            <a:blip r:embed="rId5" cstate="print"/>
+            <a:blip r:embed="rId4" cstate="print"/>
             <a:stretch>
               <a:fillRect/>
             </a:stretch>
@@ -12404,7 +10864,7 @@
             <a:avLst/>
           </a:prstGeom>
           <a:blipFill>
-            <a:blip r:embed="rId6" cstate="print"/>
+            <a:blip r:embed="rId5" cstate="print"/>
             <a:stretch>
               <a:fillRect/>
             </a:stretch>
@@ -12448,439 +10908,15 @@
               </a:spcBef>
             </a:pPr>
             <a:r>
-              <a:rPr sz="1100" i="1" spc="-10" dirty="0">
+              <a:rPr lang="es-ES" sz="1100" i="1">
                 <a:solidFill>
                   <a:srgbClr val="777879"/>
                 </a:solidFill>
                 <a:latin typeface="AdobeClean-LightIt"/>
                 <a:cs typeface="AdobeClean-LightIt"/>
               </a:rPr>
-              <a:t>To</a:t>
+              <a:t>Para saber más sobre las ofertas de asistencia de Adobe y el nivel adecuado para usted, póngase en contacto con su administrador de cuentas (NAM) o con su Customer Success Manager (CSM).</a:t>
             </a:r>
-            <a:r>
-              <a:rPr sz="1100" i="1" spc="-50" dirty="0">
-                <a:solidFill>
-                  <a:srgbClr val="777879"/>
-                </a:solidFill>
-                <a:latin typeface="AdobeClean-LightIt"/>
-                <a:cs typeface="AdobeClean-LightIt"/>
-              </a:rPr>
-              <a:t> </a:t>
-            </a:r>
-            <a:r>
-              <a:rPr sz="1100" i="1" spc="-15" dirty="0">
-                <a:solidFill>
-                  <a:srgbClr val="777879"/>
-                </a:solidFill>
-                <a:latin typeface="AdobeClean-LightIt"/>
-                <a:cs typeface="AdobeClean-LightIt"/>
-              </a:rPr>
-              <a:t>learn</a:t>
-            </a:r>
-            <a:r>
-              <a:rPr sz="1100" i="1" spc="-40" dirty="0">
-                <a:solidFill>
-                  <a:srgbClr val="777879"/>
-                </a:solidFill>
-                <a:latin typeface="AdobeClean-LightIt"/>
-                <a:cs typeface="AdobeClean-LightIt"/>
-              </a:rPr>
-              <a:t> </a:t>
-            </a:r>
-            <a:r>
-              <a:rPr sz="1100" i="1" spc="-15" dirty="0">
-                <a:solidFill>
-                  <a:srgbClr val="777879"/>
-                </a:solidFill>
-                <a:latin typeface="AdobeClean-LightIt"/>
-                <a:cs typeface="AdobeClean-LightIt"/>
-              </a:rPr>
-              <a:t>more</a:t>
-            </a:r>
-            <a:r>
-              <a:rPr sz="1100" i="1" spc="-45" dirty="0">
-                <a:solidFill>
-                  <a:srgbClr val="777879"/>
-                </a:solidFill>
-                <a:latin typeface="AdobeClean-LightIt"/>
-                <a:cs typeface="AdobeClean-LightIt"/>
-              </a:rPr>
-              <a:t> </a:t>
-            </a:r>
-            <a:r>
-              <a:rPr sz="1100" i="1" spc="-15" dirty="0">
-                <a:solidFill>
-                  <a:srgbClr val="777879"/>
-                </a:solidFill>
-                <a:latin typeface="AdobeClean-LightIt"/>
-                <a:cs typeface="AdobeClean-LightIt"/>
-              </a:rPr>
-              <a:t>about</a:t>
-            </a:r>
-            <a:r>
-              <a:rPr sz="1100" i="1" spc="-45" dirty="0">
-                <a:solidFill>
-                  <a:srgbClr val="777879"/>
-                </a:solidFill>
-                <a:latin typeface="AdobeClean-LightIt"/>
-                <a:cs typeface="AdobeClean-LightIt"/>
-              </a:rPr>
-              <a:t> </a:t>
-            </a:r>
-            <a:r>
-              <a:rPr sz="1100" i="1" spc="-15" dirty="0">
-                <a:solidFill>
-                  <a:srgbClr val="777879"/>
-                </a:solidFill>
-                <a:latin typeface="AdobeClean-LightIt"/>
-                <a:cs typeface="AdobeClean-LightIt"/>
-              </a:rPr>
-              <a:t>Adobe</a:t>
-            </a:r>
-            <a:r>
-              <a:rPr sz="1100" i="1" spc="-50" dirty="0">
-                <a:solidFill>
-                  <a:srgbClr val="777879"/>
-                </a:solidFill>
-                <a:latin typeface="AdobeClean-LightIt"/>
-                <a:cs typeface="AdobeClean-LightIt"/>
-              </a:rPr>
-              <a:t> </a:t>
-            </a:r>
-            <a:r>
-              <a:rPr sz="1100" i="1" spc="-15" dirty="0">
-                <a:solidFill>
-                  <a:srgbClr val="777879"/>
-                </a:solidFill>
-                <a:latin typeface="AdobeClean-LightIt"/>
-                <a:cs typeface="AdobeClean-LightIt"/>
-              </a:rPr>
-              <a:t>Support</a:t>
-            </a:r>
-            <a:r>
-              <a:rPr lang="en-US" sz="1100" i="1" spc="-15" dirty="0">
-                <a:solidFill>
-                  <a:srgbClr val="777879"/>
-                </a:solidFill>
-                <a:latin typeface="AdobeClean-LightIt"/>
-                <a:cs typeface="AdobeClean-LightIt"/>
-              </a:rPr>
-              <a:t> Offerings</a:t>
-            </a:r>
-            <a:r>
-              <a:rPr sz="1100" i="1" spc="-75" dirty="0">
-                <a:solidFill>
-                  <a:srgbClr val="777879"/>
-                </a:solidFill>
-                <a:latin typeface="AdobeClean-LightIt"/>
-                <a:cs typeface="AdobeClean-LightIt"/>
-              </a:rPr>
-              <a:t> </a:t>
-            </a:r>
-            <a:r>
-              <a:rPr sz="1100" i="1" spc="-15" dirty="0">
-                <a:solidFill>
-                  <a:srgbClr val="777879"/>
-                </a:solidFill>
-                <a:latin typeface="AdobeClean-LightIt"/>
-                <a:cs typeface="AdobeClean-LightIt"/>
-              </a:rPr>
-              <a:t>and</a:t>
-            </a:r>
-            <a:r>
-              <a:rPr sz="1100" i="1" spc="-50" dirty="0">
-                <a:solidFill>
-                  <a:srgbClr val="777879"/>
-                </a:solidFill>
-                <a:latin typeface="AdobeClean-LightIt"/>
-                <a:cs typeface="AdobeClean-LightIt"/>
-              </a:rPr>
-              <a:t> </a:t>
-            </a:r>
-            <a:r>
-              <a:rPr sz="1100" i="1" spc="-15" dirty="0">
-                <a:solidFill>
-                  <a:srgbClr val="777879"/>
-                </a:solidFill>
-                <a:latin typeface="AdobeClean-LightIt"/>
-                <a:cs typeface="AdobeClean-LightIt"/>
-              </a:rPr>
-              <a:t>the</a:t>
-            </a:r>
-            <a:r>
-              <a:rPr sz="1100" i="1" spc="-55" dirty="0">
-                <a:solidFill>
-                  <a:srgbClr val="777879"/>
-                </a:solidFill>
-                <a:latin typeface="AdobeClean-LightIt"/>
-                <a:cs typeface="AdobeClean-LightIt"/>
-              </a:rPr>
-              <a:t> </a:t>
-            </a:r>
-            <a:r>
-              <a:rPr sz="1100" i="1" spc="-15" dirty="0">
-                <a:solidFill>
-                  <a:srgbClr val="777879"/>
-                </a:solidFill>
-                <a:latin typeface="AdobeClean-LightIt"/>
-                <a:cs typeface="AdobeClean-LightIt"/>
-              </a:rPr>
-              <a:t>right</a:t>
-            </a:r>
-            <a:r>
-              <a:rPr sz="1100" i="1" spc="-95" dirty="0">
-                <a:solidFill>
-                  <a:srgbClr val="777879"/>
-                </a:solidFill>
-                <a:latin typeface="AdobeClean-LightIt"/>
-                <a:cs typeface="AdobeClean-LightIt"/>
-              </a:rPr>
-              <a:t> </a:t>
-            </a:r>
-            <a:r>
-              <a:rPr sz="1100" i="1" spc="-15" dirty="0">
-                <a:solidFill>
-                  <a:srgbClr val="777879"/>
-                </a:solidFill>
-                <a:latin typeface="AdobeClean-LightIt"/>
-                <a:cs typeface="AdobeClean-LightIt"/>
-              </a:rPr>
-              <a:t>level</a:t>
-            </a:r>
-            <a:r>
-              <a:rPr sz="1100" i="1" spc="-55" dirty="0">
-                <a:solidFill>
-                  <a:srgbClr val="777879"/>
-                </a:solidFill>
-                <a:latin typeface="AdobeClean-LightIt"/>
-                <a:cs typeface="AdobeClean-LightIt"/>
-              </a:rPr>
-              <a:t> </a:t>
-            </a:r>
-            <a:r>
-              <a:rPr sz="1100" i="1" spc="-15" dirty="0">
-                <a:solidFill>
-                  <a:srgbClr val="777879"/>
-                </a:solidFill>
-                <a:latin typeface="AdobeClean-LightIt"/>
-                <a:cs typeface="AdobeClean-LightIt"/>
-              </a:rPr>
-              <a:t>for</a:t>
-            </a:r>
-            <a:r>
-              <a:rPr sz="1100" i="1" spc="-85" dirty="0">
-                <a:solidFill>
-                  <a:srgbClr val="777879"/>
-                </a:solidFill>
-                <a:latin typeface="AdobeClean-LightIt"/>
-                <a:cs typeface="AdobeClean-LightIt"/>
-              </a:rPr>
-              <a:t> </a:t>
-            </a:r>
-            <a:r>
-              <a:rPr sz="1100" i="1" spc="-15" dirty="0">
-                <a:solidFill>
-                  <a:srgbClr val="777879"/>
-                </a:solidFill>
-                <a:latin typeface="AdobeClean-LightIt"/>
-                <a:cs typeface="AdobeClean-LightIt"/>
-              </a:rPr>
-              <a:t>you,</a:t>
-            </a:r>
-            <a:r>
-              <a:rPr sz="1100" i="1" spc="-65" dirty="0">
-                <a:solidFill>
-                  <a:srgbClr val="777879"/>
-                </a:solidFill>
-                <a:latin typeface="AdobeClean-LightIt"/>
-                <a:cs typeface="AdobeClean-LightIt"/>
-              </a:rPr>
-              <a:t> </a:t>
-            </a:r>
-            <a:r>
-              <a:rPr sz="1100" i="1" spc="-15" dirty="0">
-                <a:solidFill>
-                  <a:srgbClr val="777879"/>
-                </a:solidFill>
-                <a:latin typeface="AdobeClean-LightIt"/>
-                <a:cs typeface="AdobeClean-LightIt"/>
-              </a:rPr>
-              <a:t>contact</a:t>
-            </a:r>
-            <a:r>
-              <a:rPr sz="1100" i="1" spc="-85" dirty="0">
-                <a:solidFill>
-                  <a:srgbClr val="777879"/>
-                </a:solidFill>
-                <a:latin typeface="AdobeClean-LightIt"/>
-                <a:cs typeface="AdobeClean-LightIt"/>
-              </a:rPr>
-              <a:t> </a:t>
-            </a:r>
-            <a:r>
-              <a:rPr sz="1100" i="1" spc="-15" dirty="0">
-                <a:solidFill>
-                  <a:srgbClr val="777879"/>
-                </a:solidFill>
-                <a:latin typeface="AdobeClean-LightIt"/>
-                <a:cs typeface="AdobeClean-LightIt"/>
-              </a:rPr>
-              <a:t>your</a:t>
-            </a:r>
-            <a:r>
-              <a:rPr sz="1100" i="1" spc="-70" dirty="0">
-                <a:solidFill>
-                  <a:srgbClr val="777879"/>
-                </a:solidFill>
-                <a:latin typeface="AdobeClean-LightIt"/>
-                <a:cs typeface="AdobeClean-LightIt"/>
-              </a:rPr>
-              <a:t> </a:t>
-            </a:r>
-            <a:r>
-              <a:rPr sz="1100" i="1" spc="-15" dirty="0">
-                <a:solidFill>
-                  <a:srgbClr val="777879"/>
-                </a:solidFill>
-                <a:latin typeface="AdobeClean-LightIt"/>
-                <a:cs typeface="AdobeClean-LightIt"/>
-              </a:rPr>
-              <a:t>Named</a:t>
-            </a:r>
-            <a:r>
-              <a:rPr sz="1100" i="1" spc="-55" dirty="0">
-                <a:solidFill>
-                  <a:srgbClr val="777879"/>
-                </a:solidFill>
-                <a:latin typeface="AdobeClean-LightIt"/>
-                <a:cs typeface="AdobeClean-LightIt"/>
-              </a:rPr>
-              <a:t> </a:t>
-            </a:r>
-            <a:r>
-              <a:rPr sz="1100" i="1" spc="-25" dirty="0">
-                <a:solidFill>
-                  <a:srgbClr val="777879"/>
-                </a:solidFill>
-                <a:latin typeface="AdobeClean-LightIt"/>
-                <a:cs typeface="AdobeClean-LightIt"/>
-              </a:rPr>
-              <a:t>Account</a:t>
-            </a:r>
-            <a:r>
-              <a:rPr sz="1100" i="1" spc="-120" dirty="0">
-                <a:solidFill>
-                  <a:srgbClr val="777879"/>
-                </a:solidFill>
-                <a:latin typeface="AdobeClean-LightIt"/>
-                <a:cs typeface="AdobeClean-LightIt"/>
-              </a:rPr>
-              <a:t> </a:t>
-            </a:r>
-            <a:r>
-              <a:rPr sz="1100" i="1" spc="-20" dirty="0">
-                <a:solidFill>
-                  <a:srgbClr val="777879"/>
-                </a:solidFill>
-                <a:latin typeface="AdobeClean-LightIt"/>
-                <a:cs typeface="AdobeClean-LightIt"/>
-              </a:rPr>
-              <a:t>Manager </a:t>
-            </a:r>
-            <a:r>
-              <a:rPr sz="1100" i="1" spc="-15" dirty="0">
-                <a:solidFill>
-                  <a:srgbClr val="777879"/>
-                </a:solidFill>
-                <a:latin typeface="AdobeClean-LightIt"/>
-                <a:cs typeface="AdobeClean-LightIt"/>
-              </a:rPr>
-              <a:t>(NAM) </a:t>
-            </a:r>
-            <a:r>
-              <a:rPr sz="1100" i="1" spc="-10" dirty="0">
-                <a:solidFill>
-                  <a:srgbClr val="777879"/>
-                </a:solidFill>
-                <a:latin typeface="AdobeClean-LightIt"/>
-                <a:cs typeface="AdobeClean-LightIt"/>
-              </a:rPr>
-              <a:t>or </a:t>
-            </a:r>
-            <a:r>
-              <a:rPr sz="1100" i="1" spc="-15" dirty="0">
-                <a:solidFill>
-                  <a:srgbClr val="777879"/>
-                </a:solidFill>
-                <a:latin typeface="AdobeClean-LightIt"/>
-                <a:cs typeface="AdobeClean-LightIt"/>
-              </a:rPr>
-              <a:t>Customer </a:t>
-            </a:r>
-            <a:r>
-              <a:rPr sz="1100" i="1" spc="-20" dirty="0">
-                <a:solidFill>
-                  <a:srgbClr val="777879"/>
-                </a:solidFill>
-                <a:latin typeface="AdobeClean-LightIt"/>
-                <a:cs typeface="AdobeClean-LightIt"/>
-              </a:rPr>
-              <a:t>Success</a:t>
-            </a:r>
-            <a:r>
-              <a:rPr sz="1100" i="1" spc="-180" dirty="0">
-                <a:solidFill>
-                  <a:srgbClr val="777879"/>
-                </a:solidFill>
-                <a:latin typeface="AdobeClean-LightIt"/>
-                <a:cs typeface="AdobeClean-LightIt"/>
-              </a:rPr>
-              <a:t> </a:t>
-            </a:r>
-            <a:r>
-              <a:rPr sz="1100" i="1" spc="-15" dirty="0">
-                <a:solidFill>
-                  <a:srgbClr val="777879"/>
-                </a:solidFill>
-                <a:latin typeface="AdobeClean-LightIt"/>
-                <a:cs typeface="AdobeClean-LightIt"/>
-              </a:rPr>
-              <a:t>Manager</a:t>
-            </a:r>
-            <a:r>
-              <a:rPr lang="en-US" sz="1100" i="1" spc="-15" dirty="0">
-                <a:solidFill>
-                  <a:srgbClr val="777879"/>
-                </a:solidFill>
-                <a:latin typeface="AdobeClean-LightIt"/>
-                <a:cs typeface="AdobeClean-LightIt"/>
-              </a:rPr>
-              <a:t> </a:t>
-            </a:r>
-            <a:r>
-              <a:rPr sz="1100" i="1" spc="-15" dirty="0">
-                <a:solidFill>
-                  <a:srgbClr val="777879"/>
-                </a:solidFill>
-                <a:latin typeface="AdobeClean-LightIt"/>
-                <a:cs typeface="AdobeClean-LightIt"/>
-              </a:rPr>
-              <a:t>(CSM)</a:t>
-            </a:r>
-            <a:r>
-              <a:rPr lang="en-US" sz="1100" i="1" spc="-15" dirty="0">
-                <a:solidFill>
-                  <a:srgbClr val="777879"/>
-                </a:solidFill>
-                <a:latin typeface="AdobeClean-LightIt"/>
-                <a:cs typeface="AdobeClean-LightIt"/>
-              </a:rPr>
-              <a:t>.</a:t>
-            </a:r>
-            <a:endParaRPr sz="1100" dirty="0">
-              <a:latin typeface="AdobeClean-LightIt"/>
-              <a:cs typeface="AdobeClean-LightIt"/>
-            </a:endParaRPr>
           </a:p>
           <a:p>
             <a:pPr marL="34290">
@@ -12892,59 +10928,15 @@
               </a:spcBef>
             </a:pPr>
             <a:r>
-              <a:rPr sz="800" spc="-5" dirty="0">
+              <a:rPr lang="es-ES" sz="800">
                 <a:solidFill>
                   <a:srgbClr val="6D6D6D"/>
                 </a:solidFill>
                 <a:latin typeface="Adobe Clean"/>
                 <a:cs typeface="Adobe Clean"/>
               </a:rPr>
-              <a:t>©202</a:t>
+              <a:t>©2022 Adobe. All Rights Reserved. Adobe Confidential.</a:t>
             </a:r>
-            <a:r>
-              <a:rPr lang="en-US" sz="800" spc="-5" dirty="0">
-                <a:solidFill>
-                  <a:srgbClr val="6D6D6D"/>
-                </a:solidFill>
-                <a:latin typeface="Adobe Clean"/>
-                <a:cs typeface="Adobe Clean"/>
-              </a:rPr>
-              <a:t>2</a:t>
-            </a:r>
-            <a:r>
-              <a:rPr sz="800" spc="-5" dirty="0">
-                <a:solidFill>
-                  <a:srgbClr val="6D6D6D"/>
-                </a:solidFill>
-                <a:latin typeface="Adobe Clean"/>
-                <a:cs typeface="Adobe Clean"/>
-              </a:rPr>
-              <a:t> Adobe. All Rights Reserved. Adobe</a:t>
-            </a:r>
-            <a:r>
-              <a:rPr sz="800" spc="75" dirty="0">
-                <a:solidFill>
-                  <a:srgbClr val="6D6D6D"/>
-                </a:solidFill>
-                <a:latin typeface="Adobe Clean"/>
-                <a:cs typeface="Adobe Clean"/>
-              </a:rPr>
-              <a:t> </a:t>
-            </a:r>
-            <a:r>
-              <a:rPr sz="800" spc="-5" dirty="0">
-                <a:solidFill>
-                  <a:srgbClr val="6D6D6D"/>
-                </a:solidFill>
-                <a:latin typeface="Adobe Clean"/>
-                <a:cs typeface="Adobe Clean"/>
-              </a:rPr>
-              <a:t>Confidential.</a:t>
-            </a:r>
-            <a:endParaRPr sz="800" dirty="0">
-              <a:latin typeface="Adobe Clean"/>
-              <a:cs typeface="Adobe Clean"/>
-            </a:endParaRPr>
           </a:p>
         </p:txBody>
       </p:sp>
@@ -12962,8 +10954,8 @@
         </p:nvSpPr>
         <p:spPr>
           <a:xfrm>
-            <a:off x="190707" y="4913781"/>
-            <a:ext cx="6476646" cy="602088"/>
+            <a:off x="190706" y="4913781"/>
+            <a:ext cx="7368291" cy="602088"/>
           </a:xfrm>
           <a:prstGeom prst="rect">
             <a:avLst/>
@@ -12981,19 +10973,15 @@
               </a:spcBef>
             </a:pPr>
             <a:r>
-              <a:rPr lang="en-US" sz="1400" b="1" spc="-15" dirty="0">
+              <a:rPr lang="es-ES" sz="1400" b="1" dirty="0">
                 <a:solidFill>
                   <a:srgbClr val="020302"/>
                 </a:solidFill>
                 <a:latin typeface="Adobe Clean"/>
                 <a:cs typeface="Adobe Clean"/>
               </a:rPr>
-              <a:t>Regional scope of Adobe Support, Local Hours Of Operation And Language Support</a:t>
+              <a:t>Alcance regional del Soporte de Adobe, horas locales de trabajo y compatibilidad de idioma</a:t>
             </a:r>
-            <a:endParaRPr lang="en-US" sz="1400" spc="-15" dirty="0">
-              <a:ea typeface="+mn-lt"/>
-              <a:cs typeface="+mn-lt"/>
-            </a:endParaRPr>
           </a:p>
           <a:p>
             <a:pPr lvl="0">
@@ -13002,13 +10990,13 @@
               </a:spcBef>
             </a:pPr>
             <a:r>
-              <a:rPr lang="en-US" sz="1000" spc="-15" dirty="0">
+              <a:rPr lang="es-ES" sz="1000" dirty="0">
                 <a:solidFill>
                   <a:srgbClr val="1F1F1F"/>
                 </a:solidFill>
                 <a:latin typeface="AdobeClean-Light"/>
               </a:rPr>
-              <a:t>Adobe’s local business hours align to the customer’s billing region.</a:t>
+              <a:t>El horario laboral local de Adobe está adaptado a la región de facturación del cliente.</a:t>
             </a:r>
           </a:p>
         </p:txBody>
@@ -13028,14 +11016,14 @@
           <p:nvPr>
             <p:extLst>
               <p:ext uri="{D42A27DB-BD31-4B8C-83A1-F6EECF244321}">
-                <p14:modId xmlns:p14="http://schemas.microsoft.com/office/powerpoint/2010/main" val="576460587"/>
+                <p14:modId xmlns:p14="http://schemas.microsoft.com/office/powerpoint/2010/main" val="2254468667"/>
               </p:ext>
             </p:extLst>
           </p:nvPr>
         </p:nvGraphicFramePr>
         <p:xfrm>
           <a:off x="171128" y="5907213"/>
-          <a:ext cx="7391400" cy="1224280"/>
+          <a:ext cx="7391400" cy="1168400"/>
         </p:xfrm>
         <a:graphic>
           <a:graphicData uri="http://schemas.openxmlformats.org/drawingml/2006/table">
@@ -13044,21 +11032,21 @@
                 <a:tableStyleId>{5C22544A-7EE6-4342-B048-85BDC9FD1C3A}</a:tableStyleId>
               </a:tblPr>
               <a:tblGrid>
-                <a:gridCol w="1847850">
+                <a:gridCol w="1714822">
                   <a:extLst>
                     <a:ext uri="{9D8B030D-6E8A-4147-A177-3AD203B41FA5}">
                       <a16:colId xmlns:a16="http://schemas.microsoft.com/office/drawing/2014/main" val="2364693614"/>
                     </a:ext>
                   </a:extLst>
                 </a:gridCol>
-                <a:gridCol w="1847850">
+                <a:gridCol w="2108200">
                   <a:extLst>
                     <a:ext uri="{9D8B030D-6E8A-4147-A177-3AD203B41FA5}">
                       <a16:colId xmlns:a16="http://schemas.microsoft.com/office/drawing/2014/main" val="1545335406"/>
                     </a:ext>
                   </a:extLst>
                 </a:gridCol>
-                <a:gridCol w="1847850">
+                <a:gridCol w="1720528">
                   <a:extLst>
                     <a:ext uri="{9D8B030D-6E8A-4147-A177-3AD203B41FA5}">
                       <a16:colId xmlns:a16="http://schemas.microsoft.com/office/drawing/2014/main" val="4165218250"/>
@@ -13081,16 +11069,16 @@
                     <a:p>
                       <a:pPr algn="ctr"/>
                       <a:r>
-                        <a:rPr lang="en-US" sz="1100" dirty="0">
+                        <a:rPr lang="es-ES" sz="1100">
                           <a:solidFill>
                             <a:schemeClr val="tx1"/>
                           </a:solidFill>
                           <a:latin typeface="Adobe Clean" panose="020B0503020404020204" pitchFamily="34" charset="0"/>
                         </a:rPr>
-                        <a:t>Americas </a:t>
+                        <a:t>América</a:t>
                       </a:r>
                       <a:r>
-                        <a:rPr lang="en-US" sz="1100" baseline="30000" dirty="0">
+                        <a:rPr lang="es-ES" sz="1100" baseline="30000">
                           <a:solidFill>
                             <a:schemeClr val="tx1"/>
                           </a:solidFill>
@@ -13155,13 +11143,13 @@
                     <a:p>
                       <a:pPr algn="ctr"/>
                       <a:r>
-                        <a:rPr lang="en-US" sz="1100" dirty="0">
+                        <a:rPr lang="es-ES" sz="1100">
                           <a:solidFill>
                             <a:schemeClr val="tx1"/>
                           </a:solidFill>
                           <a:latin typeface="Adobe Clean" panose="020B0503020404020204" pitchFamily="34" charset="0"/>
                         </a:rPr>
-                        <a:t>Europe, Middle East &amp; Africa</a:t>
+                        <a:t>Europa, Oriente Medio y África</a:t>
                       </a:r>
                     </a:p>
                   </a:txBody>
@@ -13220,13 +11208,13 @@
                     <a:p>
                       <a:pPr algn="ctr"/>
                       <a:r>
-                        <a:rPr lang="en-US" sz="1100" dirty="0">
+                        <a:rPr lang="es-ES" sz="1100" dirty="0">
                           <a:solidFill>
                             <a:schemeClr val="tx1"/>
                           </a:solidFill>
                           <a:latin typeface="Adobe Clean" panose="020B0503020404020204" pitchFamily="34" charset="0"/>
                         </a:rPr>
-                        <a:t>Asia Pacific</a:t>
+                        <a:t>Asia-Pacífico</a:t>
                       </a:r>
                     </a:p>
                   </a:txBody>
@@ -13285,13 +11273,13 @@
                     <a:p>
                       <a:pPr algn="ctr"/>
                       <a:r>
-                        <a:rPr lang="en-US" sz="1100" dirty="0">
+                        <a:rPr lang="es-ES" sz="1100">
                           <a:solidFill>
                             <a:schemeClr val="tx1"/>
                           </a:solidFill>
                           <a:latin typeface="Adobe Clean" panose="020B0503020404020204" pitchFamily="34" charset="0"/>
                         </a:rPr>
-                        <a:t>Japan </a:t>
+                        <a:t>Japón </a:t>
                       </a:r>
                     </a:p>
                   </a:txBody>
@@ -13357,7 +11345,7 @@
                     <a:p>
                       <a:pPr algn="ctr"/>
                       <a:r>
-                        <a:rPr lang="en-US" sz="1100" dirty="0">
+                        <a:rPr lang="es-ES" sz="1100">
                           <a:solidFill>
                             <a:schemeClr val="tx1"/>
                           </a:solidFill>
@@ -13422,13 +11410,13 @@
                     <a:p>
                       <a:pPr algn="ctr"/>
                       <a:r>
-                        <a:rPr lang="en-US" sz="1100" dirty="0">
+                        <a:rPr lang="es-ES" sz="1100">
                           <a:solidFill>
                             <a:schemeClr val="tx1"/>
                           </a:solidFill>
                           <a:latin typeface="Adobe Clean" panose="020B0503020404020204" pitchFamily="34" charset="0"/>
                         </a:rPr>
-                        <a:t>9 am – 5 pm</a:t>
+                        <a:t>09:00 h - 17:00 h</a:t>
                       </a:r>
                     </a:p>
                   </a:txBody>
@@ -13487,13 +11475,13 @@
                     <a:p>
                       <a:pPr algn="ctr"/>
                       <a:r>
-                        <a:rPr lang="en-US" sz="1100" dirty="0">
+                        <a:rPr lang="es-ES" sz="1100" dirty="0">
                           <a:solidFill>
                             <a:schemeClr val="tx1"/>
                           </a:solidFill>
                           <a:latin typeface="Adobe Clean" panose="020B0503020404020204" pitchFamily="34" charset="0"/>
                         </a:rPr>
-                        <a:t>9 am – 5 pm</a:t>
+                        <a:t>09:00 h - 17:00 h</a:t>
                       </a:r>
                     </a:p>
                   </a:txBody>
@@ -13552,13 +11540,13 @@
                     <a:p>
                       <a:pPr algn="ctr"/>
                       <a:r>
-                        <a:rPr lang="en-US" sz="1100" dirty="0">
+                        <a:rPr lang="es-ES" sz="1100">
                           <a:solidFill>
                             <a:schemeClr val="tx1"/>
                           </a:solidFill>
                           <a:latin typeface="Adobe Clean" panose="020B0503020404020204" pitchFamily="34" charset="0"/>
                         </a:rPr>
-                        <a:t>9 am – 5:30 pm</a:t>
+                        <a:t>09:00 h - 17:30 h</a:t>
                       </a:r>
                     </a:p>
                   </a:txBody>
@@ -13622,7 +11610,7 @@
                     <a:bodyPr/>
                     <a:lstStyle/>
                     <a:p>
-                      <a:pPr marL="0" marR="0" lvl="0" indent="0" algn="ctr" defTabSz="914400" eaLnBrk="1" fontAlgn="auto" latinLnBrk="0" hangingPunct="1">
+                      <a:pPr marL="0" marR="0" lvl="0" indent="0" algn="l" defTabSz="914400" rtl="0" eaLnBrk="1" fontAlgn="auto" latinLnBrk="0" hangingPunct="1">
                         <a:lnSpc>
                           <a:spcPct val="100000"/>
                         </a:lnSpc>
@@ -13665,7 +11653,7 @@
                         <a:defRPr/>
                       </a:pPr>
                       <a:r>
-                        <a:rPr lang="en-US" sz="1100" baseline="30000" dirty="0">
+                        <a:rPr lang="es-ES" sz="1100" baseline="30000" dirty="0">
                           <a:solidFill>
                             <a:schemeClr val="tx1"/>
                           </a:solidFill>
@@ -13674,13 +11662,13 @@
                         <a:t>1</a:t>
                       </a:r>
                       <a:r>
-                        <a:rPr lang="en-US" sz="1100" dirty="0">
+                        <a:rPr lang="es-ES" sz="1100" dirty="0">
                           <a:solidFill>
                             <a:schemeClr val="tx1"/>
                           </a:solidFill>
                           <a:latin typeface="Adobe Clean" panose="020B0503020404020204" pitchFamily="34" charset="0"/>
                         </a:rPr>
-                        <a:t>Americas Language support available in English only.</a:t>
+                        <a:t>Soporte en América solo disponible en inglés.</a:t>
                       </a:r>
                     </a:p>
                   </a:txBody>
@@ -13994,7 +11982,7 @@
           <p:nvPr/>
         </p:nvPicPr>
         <p:blipFill>
-          <a:blip r:embed="rId7" cstate="print"/>
+          <a:blip r:embed="rId6" cstate="print"/>
           <a:stretch>
             <a:fillRect/>
           </a:stretch>
@@ -14045,129 +12033,15 @@
               </a:spcBef>
             </a:pPr>
             <a:r>
-              <a:rPr sz="1200" b="1" spc="-15">
+              <a:rPr lang="es-ES" sz="1200" b="1">
                 <a:solidFill>
                   <a:srgbClr val="FFFFFF"/>
                 </a:solidFill>
                 <a:latin typeface="Adobe Clean"/>
                 <a:cs typeface="Adobe Clean"/>
               </a:rPr>
-              <a:t>U</a:t>
+              <a:t>Experiencia sin igual</a:t>
             </a:r>
-            <a:r>
-              <a:rPr sz="1200" b="1" spc="-20">
-                <a:solidFill>
-                  <a:srgbClr val="FFFFFF"/>
-                </a:solidFill>
-                <a:latin typeface="Adobe Clean"/>
-                <a:cs typeface="Adobe Clean"/>
-              </a:rPr>
-              <a:t>n</a:t>
-            </a:r>
-            <a:r>
-              <a:rPr sz="1200" b="1" spc="-25">
-                <a:solidFill>
-                  <a:srgbClr val="FFFFFF"/>
-                </a:solidFill>
-                <a:latin typeface="Adobe Clean"/>
-                <a:cs typeface="Adobe Clean"/>
-              </a:rPr>
-              <a:t>p</a:t>
-            </a:r>
-            <a:r>
-              <a:rPr sz="1200" b="1" spc="-15">
-                <a:solidFill>
-                  <a:srgbClr val="FFFFFF"/>
-                </a:solidFill>
-                <a:latin typeface="Adobe Clean"/>
-                <a:cs typeface="Adobe Clean"/>
-              </a:rPr>
-              <a:t>a</a:t>
-            </a:r>
-            <a:r>
-              <a:rPr sz="1200" b="1" spc="-25">
-                <a:solidFill>
-                  <a:srgbClr val="FFFFFF"/>
-                </a:solidFill>
-                <a:latin typeface="Adobe Clean"/>
-                <a:cs typeface="Adobe Clean"/>
-              </a:rPr>
-              <a:t>r</a:t>
-            </a:r>
-            <a:r>
-              <a:rPr sz="1200" b="1" spc="-15">
-                <a:solidFill>
-                  <a:srgbClr val="FFFFFF"/>
-                </a:solidFill>
-                <a:latin typeface="Adobe Clean"/>
-                <a:cs typeface="Adobe Clean"/>
-              </a:rPr>
-              <a:t>a</a:t>
-            </a:r>
-            <a:r>
-              <a:rPr sz="1200" b="1" spc="-30">
-                <a:solidFill>
-                  <a:srgbClr val="FFFFFF"/>
-                </a:solidFill>
-                <a:latin typeface="Adobe Clean"/>
-                <a:cs typeface="Adobe Clean"/>
-              </a:rPr>
-              <a:t>ll</a:t>
-            </a:r>
-            <a:r>
-              <a:rPr sz="1200" b="1" spc="-25">
-                <a:solidFill>
-                  <a:srgbClr val="FFFFFF"/>
-                </a:solidFill>
-                <a:latin typeface="Adobe Clean"/>
-                <a:cs typeface="Adobe Clean"/>
-              </a:rPr>
-              <a:t>e</a:t>
-            </a:r>
-            <a:r>
-              <a:rPr sz="1200" b="1" spc="-30">
-                <a:solidFill>
-                  <a:srgbClr val="FFFFFF"/>
-                </a:solidFill>
-                <a:latin typeface="Adobe Clean"/>
-                <a:cs typeface="Adobe Clean"/>
-              </a:rPr>
-              <a:t>l</a:t>
-            </a:r>
-            <a:r>
-              <a:rPr sz="1200" b="1" spc="-25">
-                <a:solidFill>
-                  <a:srgbClr val="FFFFFF"/>
-                </a:solidFill>
-                <a:latin typeface="Adobe Clean"/>
-                <a:cs typeface="Adobe Clean"/>
-              </a:rPr>
-              <a:t>e</a:t>
-            </a:r>
-            <a:r>
-              <a:rPr sz="1200" b="1">
-                <a:solidFill>
-                  <a:srgbClr val="FFFFFF"/>
-                </a:solidFill>
-                <a:latin typeface="Adobe Clean"/>
-                <a:cs typeface="Adobe Clean"/>
-              </a:rPr>
-              <a:t>d  </a:t>
-            </a:r>
-            <a:r>
-              <a:rPr sz="1200" b="1" spc="-25">
-                <a:solidFill>
-                  <a:srgbClr val="FFFFFF"/>
-                </a:solidFill>
-                <a:latin typeface="Adobe Clean"/>
-                <a:cs typeface="Adobe Clean"/>
-              </a:rPr>
-              <a:t>Expertise</a:t>
-            </a:r>
-            <a:endParaRPr sz="1200">
-              <a:latin typeface="Adobe Clean"/>
-              <a:cs typeface="Adobe Clean"/>
-            </a:endParaRPr>
           </a:p>
         </p:txBody>
       </p:sp>
@@ -14185,8 +12059,8 @@
         </p:nvSpPr>
         <p:spPr>
           <a:xfrm>
-            <a:off x="4732495" y="8541244"/>
-            <a:ext cx="810895" cy="382797"/>
+            <a:off x="4527551" y="8541244"/>
+            <a:ext cx="1015840" cy="203261"/>
           </a:xfrm>
           <a:prstGeom prst="rect">
             <a:avLst/>
@@ -14207,19 +12081,15 @@
               </a:spcBef>
             </a:pPr>
             <a:r>
-              <a:rPr lang="en-US" sz="1200" b="1" spc="-15">
+              <a:rPr lang="es-ES" sz="1200" b="1" dirty="0">
                 <a:solidFill>
                   <a:srgbClr val="FFFFFF"/>
                 </a:solidFill>
                 <a:latin typeface="Adobe Clean"/>
                 <a:cs typeface="Adobe Clean"/>
               </a:rPr>
-              <a:t>Accelerated Support</a:t>
+              <a:t>Asistencia ágil</a:t>
             </a:r>
-            <a:endParaRPr sz="1200">
-              <a:latin typeface="Adobe Clean"/>
-              <a:cs typeface="Adobe Clean"/>
-            </a:endParaRPr>
           </a:p>
         </p:txBody>
       </p:sp>
@@ -14237,8 +12107,8 @@
         </p:nvSpPr>
         <p:spPr>
           <a:xfrm>
-            <a:off x="6624119" y="8543943"/>
-            <a:ext cx="510540" cy="385445"/>
+            <a:off x="6489700" y="8543943"/>
+            <a:ext cx="810895" cy="382797"/>
           </a:xfrm>
           <a:prstGeom prst="rect">
             <a:avLst/>
@@ -14250,7 +12120,7 @@
           </a:bodyPr>
           <a:lstStyle/>
           <a:p>
-            <a:pPr marL="50800" marR="5080" indent="-51435">
+            <a:pPr marL="50800" marR="5080" indent="-51435" algn="ctr">
               <a:lnSpc>
                 <a:spcPts val="1390"/>
               </a:lnSpc>
@@ -14259,109 +12129,15 @@
               </a:spcBef>
             </a:pPr>
             <a:r>
-              <a:rPr sz="1200" b="1" spc="-50">
+              <a:rPr lang="es-ES" sz="1200" b="1" dirty="0">
                 <a:solidFill>
                   <a:srgbClr val="FFFFFF"/>
                 </a:solidFill>
                 <a:latin typeface="Adobe Clean"/>
                 <a:cs typeface="Adobe Clean"/>
               </a:rPr>
-              <a:t>S</a:t>
+              <a:t>Asesoría estratégica</a:t>
             </a:r>
-            <a:r>
-              <a:rPr sz="1200" b="1" spc="-20">
-                <a:solidFill>
-                  <a:srgbClr val="FFFFFF"/>
-                </a:solidFill>
-                <a:latin typeface="Adobe Clean"/>
-                <a:cs typeface="Adobe Clean"/>
-              </a:rPr>
-              <a:t>t</a:t>
-            </a:r>
-            <a:r>
-              <a:rPr sz="1200" b="1" spc="-75">
-                <a:solidFill>
-                  <a:srgbClr val="FFFFFF"/>
-                </a:solidFill>
-                <a:latin typeface="Adobe Clean"/>
-                <a:cs typeface="Adobe Clean"/>
-              </a:rPr>
-              <a:t>r</a:t>
-            </a:r>
-            <a:r>
-              <a:rPr sz="1200" b="1" spc="-90">
-                <a:solidFill>
-                  <a:srgbClr val="FFFFFF"/>
-                </a:solidFill>
-                <a:latin typeface="Adobe Clean"/>
-                <a:cs typeface="Adobe Clean"/>
-              </a:rPr>
-              <a:t>a</a:t>
-            </a:r>
-            <a:r>
-              <a:rPr sz="1200" b="1" spc="-55">
-                <a:solidFill>
-                  <a:srgbClr val="FFFFFF"/>
-                </a:solidFill>
-                <a:latin typeface="Adobe Clean"/>
-                <a:cs typeface="Adobe Clean"/>
-              </a:rPr>
-              <a:t>t</a:t>
-            </a:r>
-            <a:r>
-              <a:rPr sz="1200" b="1" spc="-100">
-                <a:solidFill>
-                  <a:srgbClr val="FFFFFF"/>
-                </a:solidFill>
-                <a:latin typeface="Adobe Clean"/>
-                <a:cs typeface="Adobe Clean"/>
-              </a:rPr>
-              <a:t>e</a:t>
-            </a:r>
-            <a:r>
-              <a:rPr sz="1200" b="1" spc="-80">
-                <a:solidFill>
-                  <a:srgbClr val="FFFFFF"/>
-                </a:solidFill>
-                <a:latin typeface="Adobe Clean"/>
-                <a:cs typeface="Adobe Clean"/>
-              </a:rPr>
-              <a:t>g</a:t>
-            </a:r>
-            <a:r>
-              <a:rPr sz="1200" b="1" spc="-35">
-                <a:solidFill>
-                  <a:srgbClr val="FFFFFF"/>
-                </a:solidFill>
-                <a:latin typeface="Adobe Clean"/>
-                <a:cs typeface="Adobe Clean"/>
-              </a:rPr>
-              <a:t>i</a:t>
-            </a:r>
-            <a:r>
-              <a:rPr sz="1200" b="1">
-                <a:solidFill>
-                  <a:srgbClr val="FFFFFF"/>
-                </a:solidFill>
-                <a:latin typeface="Adobe Clean"/>
-                <a:cs typeface="Adobe Clean"/>
-              </a:rPr>
-              <a:t>c  </a:t>
-            </a:r>
-            <a:r>
-              <a:rPr sz="1200" b="1" spc="-45">
-                <a:solidFill>
-                  <a:srgbClr val="FFFFFF"/>
-                </a:solidFill>
-                <a:latin typeface="Adobe Clean"/>
-                <a:cs typeface="Adobe Clean"/>
-              </a:rPr>
-              <a:t>Advice</a:t>
-            </a:r>
-            <a:endParaRPr sz="1200">
-              <a:latin typeface="Adobe Clean"/>
-              <a:cs typeface="Adobe Clean"/>
-            </a:endParaRPr>
           </a:p>
         </p:txBody>
       </p:sp>
@@ -14387,7 +12163,7 @@
         </p:nvGraphicFramePr>
         <p:xfrm>
           <a:off x="194237" y="1272353"/>
-          <a:ext cx="7368291" cy="2473960"/>
+          <a:ext cx="7368291" cy="2931160"/>
         </p:xfrm>
         <a:graphic>
           <a:graphicData uri="http://schemas.openxmlformats.org/drawingml/2006/table">
@@ -14421,18 +12197,17 @@
                         <a:buNone/>
                       </a:pPr>
                       <a:r>
-                        <a:rPr lang="en-US" sz="1200" b="0" strike="noStrike" dirty="0">
+                        <a:rPr lang="es-ES" sz="1200" b="0" strike="noStrike">
                           <a:solidFill>
                             <a:srgbClr val="5F5F5F"/>
                           </a:solidFill>
                           <a:latin typeface="Adobe Clean"/>
                           <a:ea typeface="+mn-ea"/>
                           <a:cs typeface="+mn-cs"/>
-                          <a:hlinkClick r:id="rId8"/>
+                          <a:hlinkClick r:id="rId7"/>
                         </a:rPr>
-                        <a:t>Enterprise Learn &amp; Support</a:t>
+                        <a:t>Aprendizaje y asistencia de Enterprise</a:t>
                       </a:r>
-                      <a:endParaRPr lang="en-US"/>
                     </a:p>
                   </a:txBody>
                   <a:tcPr marL="47625" marR="47625" marT="0" marB="0" anchor="ctr">
@@ -14504,7 +12279,7 @@
                         <a:buNone/>
                       </a:pPr>
                       <a:r>
-                        <a:rPr lang="en-US" sz="1000" b="0" strike="noStrike" kern="1200" dirty="0">
+                        <a:rPr lang="es-ES" sz="1000" b="0" strike="noStrike">
                           <a:solidFill>
                             <a:schemeClr val="tx1"/>
                           </a:solidFill>
@@ -14512,7 +12287,7 @@
                           <a:ea typeface="+mn-ea"/>
                           <a:cs typeface="+mn-cs"/>
                         </a:rPr>
-                        <a:t>Enterprise Learn &amp; Support is a place where Adobe customers can find self-help tutorials, product documentation, instructor-led training, community and support for select Adobe Creative Cloud and Document products.</a:t>
+                        <a:t>Aprendizaje y asistencia de Enterprise es el lugar donde los clientes de Adobe pueden encontrar tutoriales de autoayuda, documentación de productos, formación impartida por monitores, comunidad y soporte para ciertos productos de Adobe Creative Cloud y Document.</a:t>
                       </a:r>
                     </a:p>
                   </a:txBody>
@@ -14594,15 +12369,14 @@
                         <a:defRPr/>
                       </a:pPr>
                       <a:r>
-                        <a:rPr lang="en-US" sz="1200" strike="noStrike" dirty="0">
+                        <a:rPr lang="es-ES" sz="1200" strike="noStrike">
                           <a:solidFill>
                             <a:srgbClr val="5F5F5F"/>
                           </a:solidFill>
-                          <a:effectLst/>
                           <a:latin typeface="Adobe Clean" panose="020B0503020404020204" pitchFamily="34" charset="0"/>
                           <a:ea typeface="+mn-ea"/>
                           <a:cs typeface="+mn-cs"/>
-                          <a:hlinkClick r:id="rId9">
+                          <a:hlinkClick r:id="rId8">
                             <a:extLst>
                               <a:ext uri="{A12FA001-AC4F-418D-AE19-62706E023703}">
                                 <ahyp:hlinkClr xmlns:ahyp="http://schemas.microsoft.com/office/drawing/2018/hyperlinkcolor" val="tx"/>
@@ -14610,17 +12384,8 @@
                             </a:extLst>
                           </a:hlinkClick>
                         </a:rPr>
-                        <a:t>Adobe Support Community </a:t>
+                        <a:t>Comunidad de soporte de Adobe </a:t>
                       </a:r>
-                      <a:endParaRPr lang="en-US" sz="1200" strike="noStrike" dirty="0">
-                        <a:solidFill>
-                          <a:srgbClr val="5F5F5F"/>
-                        </a:solidFill>
-                        <a:effectLst/>
-                        <a:latin typeface="Adobe Clean" panose="020B0503020404020204" pitchFamily="34" charset="0"/>
-                        <a:ea typeface="+mn-ea"/>
-                        <a:cs typeface="+mn-cs"/>
-                      </a:endParaRPr>
                     </a:p>
                   </a:txBody>
                   <a:tcPr anchor="ctr">
@@ -14694,7 +12459,7 @@
                         <a:defRPr/>
                       </a:pPr>
                       <a:r>
-                        <a:rPr lang="en-US" sz="1000" strike="noStrike" kern="1200" dirty="0">
+                        <a:rPr lang="es-ES" sz="1000" strike="noStrike">
                           <a:solidFill>
                             <a:schemeClr val="tx1"/>
                           </a:solidFill>
@@ -14702,19 +12467,8 @@
                           <a:ea typeface="+mn-ea"/>
                           <a:cs typeface="+mn-cs"/>
                         </a:rPr>
-                        <a:t>The Adobe Support Community is the place to ask questions, find answers, learn from experts and share your knowledge.</a:t>
+                        <a:t>La comunidad de soporte de Adobe es el lugar adecuado para realizar preguntas, encontrar respuestas, aprender de expertos y compartir información.</a:t>
                       </a:r>
-                      <a:endParaRPr lang="en-US" sz="1000" strike="noStrike" kern="1200" dirty="0">
-                        <a:solidFill>
-                          <a:schemeClr val="tx1"/>
-                        </a:solidFill>
-                        <a:highlight>
-                          <a:srgbClr val="FFFF00"/>
-                        </a:highlight>
-                        <a:latin typeface="Adobe Clean Light" panose="020B0303020404020204" pitchFamily="34" charset="0"/>
-                        <a:ea typeface="+mn-ea"/>
-                        <a:cs typeface="+mn-cs"/>
-                      </a:endParaRPr>
                     </a:p>
                   </a:txBody>
                   <a:tcPr anchor="ctr">
@@ -14795,15 +12549,14 @@
                         <a:defRPr/>
                       </a:pPr>
                       <a:r>
-                        <a:rPr lang="en-US" sz="1200" dirty="0">
+                        <a:rPr lang="es-ES" sz="1200">
                           <a:solidFill>
                             <a:srgbClr val="5F5F5F"/>
                           </a:solidFill>
-                          <a:effectLst/>
                           <a:latin typeface="Adobe Clean" panose="020B0503020404020204" pitchFamily="34" charset="0"/>
                           <a:ea typeface="+mn-ea"/>
                           <a:cs typeface="+mn-cs"/>
-                          <a:hlinkClick r:id="rId10">
+                          <a:hlinkClick r:id="rId9">
                             <a:extLst>
                               <a:ext uri="{A12FA001-AC4F-418D-AE19-62706E023703}">
                                 <ahyp:hlinkClr xmlns:ahyp="http://schemas.microsoft.com/office/drawing/2018/hyperlinkcolor" val="tx"/>
@@ -14811,17 +12564,8 @@
                             </a:extLst>
                           </a:hlinkClick>
                         </a:rPr>
-                        <a:t>Production Issues &amp; System Outages</a:t>
+                        <a:t>Problemas de producción e interrupciones del sistema</a:t>
                       </a:r>
-                      <a:endParaRPr lang="en-US" sz="1200" dirty="0">
-                        <a:solidFill>
-                          <a:srgbClr val="5F5F5F"/>
-                        </a:solidFill>
-                        <a:effectLst/>
-                        <a:latin typeface="Adobe Clean" panose="020B0503020404020204" pitchFamily="34" charset="0"/>
-                        <a:ea typeface="+mn-ea"/>
-                        <a:cs typeface="+mn-cs"/>
-                      </a:endParaRPr>
                     </a:p>
                   </a:txBody>
                   <a:tcPr anchor="ctr">
@@ -14895,7 +12639,7 @@
                         <a:defRPr/>
                       </a:pPr>
                       <a:r>
-                        <a:rPr lang="en-US" sz="1000" kern="1200" dirty="0">
+                        <a:rPr lang="es-ES" sz="1000">
                           <a:solidFill>
                             <a:schemeClr val="tx1"/>
                           </a:solidFill>
@@ -14903,7 +12647,7 @@
                           <a:ea typeface="+mn-ea"/>
                           <a:cs typeface="+mn-cs"/>
                         </a:rPr>
-                        <a:t>Status.adobe.com conveys the health information of all Adobe products and services that are deployed in multi-tenant environments. Customers can choose their subscription preferences to get email notifications whenever Adobe creates, updates or resolves a product event. This can include scheduled maintenance or service issues of varying levels of severity. </a:t>
+                        <a:t>Status.adobe.com transmite la información de estado de todos los productos y servicios de Adobe implementados en entornos de varios inquilinos. Los clientes pueden elegir sus preferencias de suscripción para recibir notificaciones por correo electrónico cada vez que Adobe cree, actualice o resuelva un evento de producto. Esto puede incluir problemas de mantenimiento o servicio programados de diversos niveles de gravedad. </a:t>
                       </a:r>
                     </a:p>
                   </a:txBody>
@@ -14985,15 +12729,14 @@
                         <a:defRPr/>
                       </a:pPr>
                       <a:r>
-                        <a:rPr lang="en-US" sz="1200" dirty="0">
+                        <a:rPr lang="es-ES" sz="1200">
                           <a:solidFill>
                             <a:srgbClr val="5F5F5F"/>
                           </a:solidFill>
-                          <a:effectLst/>
                           <a:latin typeface="Adobe Clean" panose="020B0503020404020204" pitchFamily="34" charset="0"/>
                           <a:ea typeface="+mn-ea"/>
                           <a:cs typeface="+mn-cs"/>
-                          <a:hlinkClick r:id="rId11">
+                          <a:hlinkClick r:id="rId10">
                             <a:extLst>
                               <a:ext uri="{A12FA001-AC4F-418D-AE19-62706E023703}">
                                 <ahyp:hlinkClr xmlns:ahyp="http://schemas.microsoft.com/office/drawing/2018/hyperlinkcolor" val="tx"/>
@@ -15001,17 +12744,8 @@
                             </a:extLst>
                           </a:hlinkClick>
                         </a:rPr>
-                        <a:t>Terms and Conditions</a:t>
+                        <a:t>Términos y condiciones</a:t>
                       </a:r>
-                      <a:endParaRPr lang="en-US" sz="1200" dirty="0">
-                        <a:solidFill>
-                          <a:srgbClr val="5F5F5F"/>
-                        </a:solidFill>
-                        <a:effectLst/>
-                        <a:latin typeface="Adobe Clean" panose="020B0503020404020204" pitchFamily="34" charset="0"/>
-                        <a:ea typeface="+mn-ea"/>
-                        <a:cs typeface="+mn-cs"/>
-                      </a:endParaRPr>
                     </a:p>
                   </a:txBody>
                   <a:tcPr anchor="ctr">
@@ -15068,7 +12802,7 @@
                     <a:lstStyle/>
                     <a:p>
                       <a:r>
-                        <a:rPr lang="en-US" sz="1000" kern="1200" dirty="0">
+                        <a:rPr lang="es-ES" sz="1000">
                           <a:solidFill>
                             <a:schemeClr val="tx1"/>
                           </a:solidFill>
@@ -15076,7 +12810,7 @@
                           <a:ea typeface="+mn-ea"/>
                           <a:cs typeface="+mn-cs"/>
                         </a:rPr>
-                        <a:t>Terms and conditions detailing Support Services offerings.</a:t>
+                        <a:t>Términos y condiciones de las ofertas de los servicios de soporte.</a:t>
                       </a:r>
                     </a:p>
                   </a:txBody>
@@ -15153,13 +12887,13 @@
           <p:nvPr/>
         </p:nvPicPr>
         <p:blipFill>
-          <a:blip r:embed="rId12">
+          <a:blip r:embed="rId11">
             <a:extLst>
               <a:ext uri="{28A0092B-C50C-407E-A947-70E740481C1C}">
                 <a14:useLocalDpi xmlns:a14="http://schemas.microsoft.com/office/drawing/2010/main" val="0"/>
               </a:ext>
               <a:ext uri="{96DAC541-7B7A-43D3-8B79-37D633B846F1}">
-                <asvg:svgBlip xmlns:asvg="http://schemas.microsoft.com/office/drawing/2016/SVG/main" r:embed="rId13"/>
+                <asvg:svgBlip xmlns:asvg="http://schemas.microsoft.com/office/drawing/2016/SVG/main" r:embed="rId12"/>
               </a:ext>
             </a:extLst>
           </a:blip>
@@ -15192,13 +12926,13 @@
           <p:nvPr/>
         </p:nvPicPr>
         <p:blipFill>
-          <a:blip r:embed="rId14">
+          <a:blip r:embed="rId13">
             <a:extLst>
               <a:ext uri="{28A0092B-C50C-407E-A947-70E740481C1C}">
                 <a14:useLocalDpi xmlns:a14="http://schemas.microsoft.com/office/drawing/2010/main" val="0"/>
               </a:ext>
               <a:ext uri="{96DAC541-7B7A-43D3-8B79-37D633B846F1}">
-                <asvg:svgBlip xmlns:asvg="http://schemas.microsoft.com/office/drawing/2016/SVG/main" r:embed="rId15"/>
+                <asvg:svgBlip xmlns:asvg="http://schemas.microsoft.com/office/drawing/2016/SVG/main" r:embed="rId14"/>
               </a:ext>
             </a:extLst>
           </a:blip>
@@ -15231,13 +12965,13 @@
           <p:nvPr/>
         </p:nvPicPr>
         <p:blipFill>
-          <a:blip r:embed="rId16">
+          <a:blip r:embed="rId15">
             <a:extLst>
               <a:ext uri="{28A0092B-C50C-407E-A947-70E740481C1C}">
                 <a14:useLocalDpi xmlns:a14="http://schemas.microsoft.com/office/drawing/2010/main" val="0"/>
               </a:ext>
               <a:ext uri="{96DAC541-7B7A-43D3-8B79-37D633B846F1}">
-                <asvg:svgBlip xmlns:asvg="http://schemas.microsoft.com/office/drawing/2016/SVG/main" r:embed="rId17"/>
+                <asvg:svgBlip xmlns:asvg="http://schemas.microsoft.com/office/drawing/2016/SVG/main" r:embed="rId16"/>
               </a:ext>
             </a:extLst>
           </a:blip>
@@ -15313,11 +13047,6 @@
   <p:clrMapOvr>
     <a:masterClrMapping/>
   </p:clrMapOvr>
-  <p:extLst>
-    <p:ext uri="{6950BFC3-D8DA-4A85-94F7-54DA5524770B}">
-      <p188:commentRel xmlns:p188="http://schemas.microsoft.com/office/powerpoint/2018/8/main" r:id="rId3"/>
-    </p:ext>
-  </p:extLst>
 </p:sld>
 </file>
 
@@ -15900,21 +13629,6 @@
 </file>
 
 <file path=customXml/item1.xml><?xml version="1.0" encoding="utf-8"?>
-<?mso-contentType ?>
-<FormTemplates xmlns="http://schemas.microsoft.com/sharepoint/v3/contenttype/forms">
-  <Display>DocumentLibraryForm</Display>
-  <Edit>DocumentLibraryForm</Edit>
-  <New>DocumentLibraryForm</New>
-</FormTemplates>
-</file>
-
-<file path=customXml/item2.xml><?xml version="1.0" encoding="utf-8"?>
-<p:properties xmlns:p="http://schemas.microsoft.com/office/2006/metadata/properties" xmlns:xsi="http://www.w3.org/2001/XMLSchema-instance" xmlns:pc="http://schemas.microsoft.com/office/infopath/2007/PartnerControls">
-  <documentManagement/>
-</p:properties>
-</file>
-
-<file path=customXml/item3.xml><?xml version="1.0" encoding="utf-8"?>
 <ct:contentTypeSchema xmlns:ct="http://schemas.microsoft.com/office/2006/metadata/contentType" xmlns:ma="http://schemas.microsoft.com/office/2006/metadata/properties/metaAttributes" ct:_="" ma:_="" ma:contentTypeName="Document" ma:contentTypeID="0x0101009423269C2B3A1A408FE719AA0C68584E" ma:contentTypeVersion="12" ma:contentTypeDescription="Create a new document." ma:contentTypeScope="" ma:versionID="bb0e62b6784238cdabe687d3bb80e52e">
   <xsd:schema xmlns:xsd="http://www.w3.org/2001/XMLSchema" xmlns:xs="http://www.w3.org/2001/XMLSchema" xmlns:p="http://schemas.microsoft.com/office/2006/metadata/properties" xmlns:ns2="01e63850-2818-4a9f-a0cd-2d4201ad5cd5" xmlns:ns3="281057cd-4f7e-4aa3-94a7-05201549cd15" targetNamespace="http://schemas.microsoft.com/office/2006/metadata/properties" ma:root="true" ma:fieldsID="8056aed6c30138b1a2c5f47f967a193a" ns2:_="" ns3:_="">
     <xsd:import namespace="01e63850-2818-4a9f-a0cd-2d4201ad5cd5"/>
@@ -16131,10 +13845,36 @@
 </ct:contentTypeSchema>
 </file>
 
+<file path=customXml/item2.xml><?xml version="1.0" encoding="utf-8"?>
+<p:properties xmlns:p="http://schemas.microsoft.com/office/2006/metadata/properties" xmlns:xsi="http://www.w3.org/2001/XMLSchema-instance" xmlns:pc="http://schemas.microsoft.com/office/infopath/2007/PartnerControls">
+  <documentManagement/>
+</p:properties>
+</file>
+
+<file path=customXml/item3.xml><?xml version="1.0" encoding="utf-8"?>
+<?mso-contentType ?>
+<FormTemplates xmlns="http://schemas.microsoft.com/sharepoint/v3/contenttype/forms">
+  <Display>DocumentLibraryForm</Display>
+  <Edit>DocumentLibraryForm</Edit>
+  <New>DocumentLibraryForm</New>
+</FormTemplates>
+</file>
+
 <file path=customXml/itemProps1.xml><?xml version="1.0" encoding="utf-8"?>
-<ds:datastoreItem xmlns:ds="http://schemas.openxmlformats.org/officeDocument/2006/customXml" ds:itemID="{941989CE-20BB-4A6A-A33F-71A1AE469C3E}">
+<ds:datastoreItem xmlns:ds="http://schemas.openxmlformats.org/officeDocument/2006/customXml" ds:itemID="{C688342C-4DFE-4E47-A40D-C772A567C924}">
   <ds:schemaRefs>
-    <ds:schemaRef ds:uri="http://schemas.microsoft.com/sharepoint/v3/contenttype/forms"/>
+    <ds:schemaRef ds:uri="http://schemas.microsoft.com/office/2006/metadata/contentType"/>
+    <ds:schemaRef ds:uri="http://schemas.microsoft.com/office/2006/metadata/properties/metaAttributes"/>
+    <ds:schemaRef ds:uri="http://www.w3.org/2001/XMLSchema"/>
+    <ds:schemaRef ds:uri="http://schemas.microsoft.com/office/2006/metadata/properties"/>
+    <ds:schemaRef ds:uri="01e63850-2818-4a9f-a0cd-2d4201ad5cd5"/>
+    <ds:schemaRef ds:uri="281057cd-4f7e-4aa3-94a7-05201549cd15"/>
+    <ds:schemaRef ds:uri="http://schemas.microsoft.com/office/2006/documentManagement/types"/>
+    <ds:schemaRef ds:uri="http://schemas.microsoft.com/office/infopath/2007/PartnerControls"/>
+    <ds:schemaRef ds:uri="http://schemas.openxmlformats.org/package/2006/metadata/core-properties"/>
+    <ds:schemaRef ds:uri="http://purl.org/dc/elements/1.1/"/>
+    <ds:schemaRef ds:uri="http://purl.org/dc/terms/"/>
+    <ds:schemaRef ds:uri="http://schemas.microsoft.com/internal/obd"/>
   </ds:schemaRefs>
 </ds:datastoreItem>
 </file>
@@ -16157,20 +13897,9 @@
 </file>
 
 <file path=customXml/itemProps3.xml><?xml version="1.0" encoding="utf-8"?>
-<ds:datastoreItem xmlns:ds="http://schemas.openxmlformats.org/officeDocument/2006/customXml" ds:itemID="{C688342C-4DFE-4E47-A40D-C772A567C924}">
+<ds:datastoreItem xmlns:ds="http://schemas.openxmlformats.org/officeDocument/2006/customXml" ds:itemID="{941989CE-20BB-4A6A-A33F-71A1AE469C3E}">
   <ds:schemaRefs>
-    <ds:schemaRef ds:uri="http://schemas.microsoft.com/office/2006/metadata/contentType"/>
-    <ds:schemaRef ds:uri="http://schemas.microsoft.com/office/2006/metadata/properties/metaAttributes"/>
-    <ds:schemaRef ds:uri="http://www.w3.org/2001/XMLSchema"/>
-    <ds:schemaRef ds:uri="http://schemas.microsoft.com/office/2006/metadata/properties"/>
-    <ds:schemaRef ds:uri="01e63850-2818-4a9f-a0cd-2d4201ad5cd5"/>
-    <ds:schemaRef ds:uri="281057cd-4f7e-4aa3-94a7-05201549cd15"/>
-    <ds:schemaRef ds:uri="http://schemas.microsoft.com/office/2006/documentManagement/types"/>
-    <ds:schemaRef ds:uri="http://schemas.microsoft.com/office/infopath/2007/PartnerControls"/>
-    <ds:schemaRef ds:uri="http://schemas.openxmlformats.org/package/2006/metadata/core-properties"/>
-    <ds:schemaRef ds:uri="http://purl.org/dc/elements/1.1/"/>
-    <ds:schemaRef ds:uri="http://purl.org/dc/terms/"/>
-    <ds:schemaRef ds:uri="http://schemas.microsoft.com/internal/obd"/>
+    <ds:schemaRef ds:uri="http://schemas.microsoft.com/sharepoint/v3/contenttype/forms"/>
   </ds:schemaRefs>
 </ds:datastoreItem>
 </file>